--- a/img/button_hover.pptx
+++ b/img/button_hover.pptx
@@ -104,6 +104,11 @@
       </a:defRPr>
     </a:lvl9pPr>
   </p:defaultTextStyle>
+  <p:extLst>
+    <p:ext uri="{EFAFB233-063F-42B5-8137-9DF3F51BA10A}">
+      <p15:sldGuideLst xmlns:p15="http://schemas.microsoft.com/office/powerpoint/2012/main"/>
+    </p:ext>
+  </p:extLst>
 </p:presentation>
 </file>
 
@@ -238,7 +243,7 @@
           <a:p>
             <a:fld id="{3B638056-2271-4463-BAE1-4AC5602DC725}" type="datetimeFigureOut">
               <a:rPr lang="en-US" smtClean="0"/>
-              <a:t>5/11/2015</a:t>
+              <a:t>11/10/2015</a:t>
             </a:fld>
             <a:endParaRPr lang="en-US"/>
           </a:p>
@@ -408,7 +413,7 @@
           <a:p>
             <a:fld id="{3B638056-2271-4463-BAE1-4AC5602DC725}" type="datetimeFigureOut">
               <a:rPr lang="en-US" smtClean="0"/>
-              <a:t>5/11/2015</a:t>
+              <a:t>11/10/2015</a:t>
             </a:fld>
             <a:endParaRPr lang="en-US"/>
           </a:p>
@@ -588,7 +593,7 @@
           <a:p>
             <a:fld id="{3B638056-2271-4463-BAE1-4AC5602DC725}" type="datetimeFigureOut">
               <a:rPr lang="en-US" smtClean="0"/>
-              <a:t>5/11/2015</a:t>
+              <a:t>11/10/2015</a:t>
             </a:fld>
             <a:endParaRPr lang="en-US"/>
           </a:p>
@@ -758,7 +763,7 @@
           <a:p>
             <a:fld id="{3B638056-2271-4463-BAE1-4AC5602DC725}" type="datetimeFigureOut">
               <a:rPr lang="en-US" smtClean="0"/>
-              <a:t>5/11/2015</a:t>
+              <a:t>11/10/2015</a:t>
             </a:fld>
             <a:endParaRPr lang="en-US"/>
           </a:p>
@@ -1004,7 +1009,7 @@
           <a:p>
             <a:fld id="{3B638056-2271-4463-BAE1-4AC5602DC725}" type="datetimeFigureOut">
               <a:rPr lang="en-US" smtClean="0"/>
-              <a:t>5/11/2015</a:t>
+              <a:t>11/10/2015</a:t>
             </a:fld>
             <a:endParaRPr lang="en-US"/>
           </a:p>
@@ -1236,7 +1241,7 @@
           <a:p>
             <a:fld id="{3B638056-2271-4463-BAE1-4AC5602DC725}" type="datetimeFigureOut">
               <a:rPr lang="en-US" smtClean="0"/>
-              <a:t>5/11/2015</a:t>
+              <a:t>11/10/2015</a:t>
             </a:fld>
             <a:endParaRPr lang="en-US"/>
           </a:p>
@@ -1603,7 +1608,7 @@
           <a:p>
             <a:fld id="{3B638056-2271-4463-BAE1-4AC5602DC725}" type="datetimeFigureOut">
               <a:rPr lang="en-US" smtClean="0"/>
-              <a:t>5/11/2015</a:t>
+              <a:t>11/10/2015</a:t>
             </a:fld>
             <a:endParaRPr lang="en-US"/>
           </a:p>
@@ -1721,7 +1726,7 @@
           <a:p>
             <a:fld id="{3B638056-2271-4463-BAE1-4AC5602DC725}" type="datetimeFigureOut">
               <a:rPr lang="en-US" smtClean="0"/>
-              <a:t>5/11/2015</a:t>
+              <a:t>11/10/2015</a:t>
             </a:fld>
             <a:endParaRPr lang="en-US"/>
           </a:p>
@@ -1816,7 +1821,7 @@
           <a:p>
             <a:fld id="{3B638056-2271-4463-BAE1-4AC5602DC725}" type="datetimeFigureOut">
               <a:rPr lang="en-US" smtClean="0"/>
-              <a:t>5/11/2015</a:t>
+              <a:t>11/10/2015</a:t>
             </a:fld>
             <a:endParaRPr lang="en-US"/>
           </a:p>
@@ -2093,7 +2098,7 @@
           <a:p>
             <a:fld id="{3B638056-2271-4463-BAE1-4AC5602DC725}" type="datetimeFigureOut">
               <a:rPr lang="en-US" smtClean="0"/>
-              <a:t>5/11/2015</a:t>
+              <a:t>11/10/2015</a:t>
             </a:fld>
             <a:endParaRPr lang="en-US"/>
           </a:p>
@@ -2346,7 +2351,7 @@
           <a:p>
             <a:fld id="{3B638056-2271-4463-BAE1-4AC5602DC725}" type="datetimeFigureOut">
               <a:rPr lang="en-US" smtClean="0"/>
-              <a:t>5/11/2015</a:t>
+              <a:t>11/10/2015</a:t>
             </a:fld>
             <a:endParaRPr lang="en-US"/>
           </a:p>
@@ -2559,7 +2564,7 @@
           <a:p>
             <a:fld id="{3B638056-2271-4463-BAE1-4AC5602DC725}" type="datetimeFigureOut">
               <a:rPr lang="en-US" smtClean="0"/>
-              <a:t>5/11/2015</a:t>
+              <a:t>11/10/2015</a:t>
             </a:fld>
             <a:endParaRPr lang="en-US"/>
           </a:p>
@@ -2979,7 +2984,7 @@
             <a:avLst/>
           </a:prstGeom>
           <a:solidFill>
-            <a:srgbClr val="22CCEE"/>
+            <a:srgbClr val="23B4A4"/>
           </a:solidFill>
           <a:ln w="28575">
             <a:solidFill>
@@ -3037,7 +3042,7 @@
             <a:avLst/>
           </a:prstGeom>
           <a:solidFill>
-            <a:srgbClr val="22CCEE"/>
+            <a:srgbClr val="23B4A4"/>
           </a:solidFill>
           <a:ln w="28575">
             <a:solidFill>
@@ -3095,7 +3100,7 @@
             <a:avLst/>
           </a:prstGeom>
           <a:solidFill>
-            <a:srgbClr val="22CCEE"/>
+            <a:srgbClr val="23B4A4"/>
           </a:solidFill>
           <a:ln w="28575">
             <a:solidFill>
@@ -3153,7 +3158,7 @@
             <a:avLst/>
           </a:prstGeom>
           <a:solidFill>
-            <a:srgbClr val="22CCEE"/>
+            <a:srgbClr val="23B4A4"/>
           </a:solidFill>
           <a:ln w="28575">
             <a:solidFill>

--- a/img/button_hover.pptx
+++ b/img/button_hover.pptx
@@ -243,7 +243,7 @@
           <a:p>
             <a:fld id="{3B638056-2271-4463-BAE1-4AC5602DC725}" type="datetimeFigureOut">
               <a:rPr lang="en-US" smtClean="0"/>
-              <a:t>11/10/2015</a:t>
+              <a:t>12/21/2015</a:t>
             </a:fld>
             <a:endParaRPr lang="en-US"/>
           </a:p>
@@ -413,7 +413,7 @@
           <a:p>
             <a:fld id="{3B638056-2271-4463-BAE1-4AC5602DC725}" type="datetimeFigureOut">
               <a:rPr lang="en-US" smtClean="0"/>
-              <a:t>11/10/2015</a:t>
+              <a:t>12/21/2015</a:t>
             </a:fld>
             <a:endParaRPr lang="en-US"/>
           </a:p>
@@ -593,7 +593,7 @@
           <a:p>
             <a:fld id="{3B638056-2271-4463-BAE1-4AC5602DC725}" type="datetimeFigureOut">
               <a:rPr lang="en-US" smtClean="0"/>
-              <a:t>11/10/2015</a:t>
+              <a:t>12/21/2015</a:t>
             </a:fld>
             <a:endParaRPr lang="en-US"/>
           </a:p>
@@ -763,7 +763,7 @@
           <a:p>
             <a:fld id="{3B638056-2271-4463-BAE1-4AC5602DC725}" type="datetimeFigureOut">
               <a:rPr lang="en-US" smtClean="0"/>
-              <a:t>11/10/2015</a:t>
+              <a:t>12/21/2015</a:t>
             </a:fld>
             <a:endParaRPr lang="en-US"/>
           </a:p>
@@ -1009,7 +1009,7 @@
           <a:p>
             <a:fld id="{3B638056-2271-4463-BAE1-4AC5602DC725}" type="datetimeFigureOut">
               <a:rPr lang="en-US" smtClean="0"/>
-              <a:t>11/10/2015</a:t>
+              <a:t>12/21/2015</a:t>
             </a:fld>
             <a:endParaRPr lang="en-US"/>
           </a:p>
@@ -1241,7 +1241,7 @@
           <a:p>
             <a:fld id="{3B638056-2271-4463-BAE1-4AC5602DC725}" type="datetimeFigureOut">
               <a:rPr lang="en-US" smtClean="0"/>
-              <a:t>11/10/2015</a:t>
+              <a:t>12/21/2015</a:t>
             </a:fld>
             <a:endParaRPr lang="en-US"/>
           </a:p>
@@ -1608,7 +1608,7 @@
           <a:p>
             <a:fld id="{3B638056-2271-4463-BAE1-4AC5602DC725}" type="datetimeFigureOut">
               <a:rPr lang="en-US" smtClean="0"/>
-              <a:t>11/10/2015</a:t>
+              <a:t>12/21/2015</a:t>
             </a:fld>
             <a:endParaRPr lang="en-US"/>
           </a:p>
@@ -1726,7 +1726,7 @@
           <a:p>
             <a:fld id="{3B638056-2271-4463-BAE1-4AC5602DC725}" type="datetimeFigureOut">
               <a:rPr lang="en-US" smtClean="0"/>
-              <a:t>11/10/2015</a:t>
+              <a:t>12/21/2015</a:t>
             </a:fld>
             <a:endParaRPr lang="en-US"/>
           </a:p>
@@ -1821,7 +1821,7 @@
           <a:p>
             <a:fld id="{3B638056-2271-4463-BAE1-4AC5602DC725}" type="datetimeFigureOut">
               <a:rPr lang="en-US" smtClean="0"/>
-              <a:t>11/10/2015</a:t>
+              <a:t>12/21/2015</a:t>
             </a:fld>
             <a:endParaRPr lang="en-US"/>
           </a:p>
@@ -2098,7 +2098,7 @@
           <a:p>
             <a:fld id="{3B638056-2271-4463-BAE1-4AC5602DC725}" type="datetimeFigureOut">
               <a:rPr lang="en-US" smtClean="0"/>
-              <a:t>11/10/2015</a:t>
+              <a:t>12/21/2015</a:t>
             </a:fld>
             <a:endParaRPr lang="en-US"/>
           </a:p>
@@ -2351,7 +2351,7 @@
           <a:p>
             <a:fld id="{3B638056-2271-4463-BAE1-4AC5602DC725}" type="datetimeFigureOut">
               <a:rPr lang="en-US" smtClean="0"/>
-              <a:t>11/10/2015</a:t>
+              <a:t>12/21/2015</a:t>
             </a:fld>
             <a:endParaRPr lang="en-US"/>
           </a:p>
@@ -2564,7 +2564,7 @@
           <a:p>
             <a:fld id="{3B638056-2271-4463-BAE1-4AC5602DC725}" type="datetimeFigureOut">
               <a:rPr lang="en-US" smtClean="0"/>
-              <a:t>11/10/2015</a:t>
+              <a:t>12/21/2015</a:t>
             </a:fld>
             <a:endParaRPr lang="en-US"/>
           </a:p>
@@ -2977,7 +2977,7 @@
         </p:nvSpPr>
         <p:spPr>
           <a:xfrm>
-            <a:off x="3330388" y="582707"/>
+            <a:off x="338417" y="3827930"/>
             <a:ext cx="2438399" cy="2438400"/>
           </a:xfrm>
           <a:prstGeom prst="ellipse">
@@ -3035,7 +3035,7 @@
         </p:nvSpPr>
         <p:spPr>
           <a:xfrm>
-            <a:off x="3330387" y="3680013"/>
+            <a:off x="3366247" y="3827930"/>
             <a:ext cx="2438399" cy="2438400"/>
           </a:xfrm>
           <a:prstGeom prst="ellipse">
@@ -3093,7 +3093,7 @@
         </p:nvSpPr>
         <p:spPr>
           <a:xfrm>
-            <a:off x="7014883" y="3975848"/>
+            <a:off x="9421905" y="3827930"/>
             <a:ext cx="2438399" cy="2438400"/>
           </a:xfrm>
           <a:prstGeom prst="ellipse">
@@ -3151,7 +3151,7 @@
         </p:nvSpPr>
         <p:spPr>
           <a:xfrm>
-            <a:off x="8234083" y="470648"/>
+            <a:off x="6394076" y="3827930"/>
             <a:ext cx="2438399" cy="2438400"/>
           </a:xfrm>
           <a:prstGeom prst="ellipse">
@@ -3201,6 +3201,370 @@
           </a:p>
         </p:txBody>
       </p:sp>
+      <p:grpSp>
+        <p:nvGrpSpPr>
+          <p:cNvPr id="8" name="Group 7"/>
+          <p:cNvGrpSpPr/>
+          <p:nvPr/>
+        </p:nvGrpSpPr>
+        <p:grpSpPr>
+          <a:xfrm>
+            <a:off x="338416" y="851645"/>
+            <a:ext cx="2438400" cy="2438400"/>
+            <a:chOff x="338416" y="851645"/>
+            <a:chExt cx="2438400" cy="2438400"/>
+          </a:xfrm>
+        </p:grpSpPr>
+        <p:pic>
+          <p:nvPicPr>
+            <p:cNvPr id="4" name="Picture 3"/>
+            <p:cNvPicPr>
+              <a:picLocks noChangeAspect="1"/>
+            </p:cNvPicPr>
+            <p:nvPr/>
+          </p:nvPicPr>
+          <p:blipFill>
+            <a:blip r:embed="rId2">
+              <a:extLst>
+                <a:ext uri="{28A0092B-C50C-407E-A947-70E740481C1C}">
+                  <a14:useLocalDpi xmlns:a14="http://schemas.microsoft.com/office/drawing/2010/main" val="0"/>
+                </a:ext>
+              </a:extLst>
+            </a:blip>
+            <a:stretch>
+              <a:fillRect/>
+            </a:stretch>
+          </p:blipFill>
+          <p:spPr>
+            <a:xfrm>
+              <a:off x="338416" y="851645"/>
+              <a:ext cx="2438400" cy="2438400"/>
+            </a:xfrm>
+            <a:prstGeom prst="rect">
+              <a:avLst/>
+            </a:prstGeom>
+          </p:spPr>
+        </p:pic>
+        <p:sp>
+          <p:nvSpPr>
+            <p:cNvPr id="6" name="Oval 5"/>
+            <p:cNvSpPr/>
+            <p:nvPr/>
+          </p:nvSpPr>
+          <p:spPr>
+            <a:xfrm>
+              <a:off x="338416" y="851646"/>
+              <a:ext cx="2438399" cy="2438399"/>
+            </a:xfrm>
+            <a:prstGeom prst="ellipse">
+              <a:avLst/>
+            </a:prstGeom>
+            <a:noFill/>
+            <a:ln>
+              <a:solidFill>
+                <a:srgbClr val="23B4A4"/>
+              </a:solidFill>
+            </a:ln>
+          </p:spPr>
+          <p:style>
+            <a:lnRef idx="2">
+              <a:schemeClr val="accent1">
+                <a:shade val="50000"/>
+              </a:schemeClr>
+            </a:lnRef>
+            <a:fillRef idx="1">
+              <a:schemeClr val="accent1"/>
+            </a:fillRef>
+            <a:effectRef idx="0">
+              <a:schemeClr val="accent1"/>
+            </a:effectRef>
+            <a:fontRef idx="minor">
+              <a:schemeClr val="lt1"/>
+            </a:fontRef>
+          </p:style>
+          <p:txBody>
+            <a:bodyPr rtlCol="0" anchor="ctr"/>
+            <a:lstStyle/>
+            <a:p>
+              <a:pPr algn="ctr"/>
+              <a:endParaRPr lang="en-US"/>
+            </a:p>
+          </p:txBody>
+        </p:sp>
+      </p:grpSp>
+      <p:grpSp>
+        <p:nvGrpSpPr>
+          <p:cNvPr id="17" name="Group 16"/>
+          <p:cNvGrpSpPr/>
+          <p:nvPr/>
+        </p:nvGrpSpPr>
+        <p:grpSpPr>
+          <a:xfrm>
+            <a:off x="3330386" y="851645"/>
+            <a:ext cx="2438401" cy="2438402"/>
+            <a:chOff x="3330386" y="851645"/>
+            <a:chExt cx="2438401" cy="2438402"/>
+          </a:xfrm>
+        </p:grpSpPr>
+        <p:pic>
+          <p:nvPicPr>
+            <p:cNvPr id="2" name="Picture 1"/>
+            <p:cNvPicPr>
+              <a:picLocks noChangeAspect="1"/>
+            </p:cNvPicPr>
+            <p:nvPr/>
+          </p:nvPicPr>
+          <p:blipFill>
+            <a:blip r:embed="rId3">
+              <a:extLst>
+                <a:ext uri="{28A0092B-C50C-407E-A947-70E740481C1C}">
+                  <a14:useLocalDpi xmlns:a14="http://schemas.microsoft.com/office/drawing/2010/main" val="0"/>
+                </a:ext>
+              </a:extLst>
+            </a:blip>
+            <a:stretch>
+              <a:fillRect/>
+            </a:stretch>
+          </p:blipFill>
+          <p:spPr>
+            <a:xfrm>
+              <a:off x="3330387" y="851647"/>
+              <a:ext cx="2438400" cy="2438400"/>
+            </a:xfrm>
+            <a:prstGeom prst="rect">
+              <a:avLst/>
+            </a:prstGeom>
+          </p:spPr>
+        </p:pic>
+        <p:sp>
+          <p:nvSpPr>
+            <p:cNvPr id="12" name="Oval 11"/>
+            <p:cNvSpPr/>
+            <p:nvPr/>
+          </p:nvSpPr>
+          <p:spPr>
+            <a:xfrm>
+              <a:off x="3330386" y="851645"/>
+              <a:ext cx="2438399" cy="2438399"/>
+            </a:xfrm>
+            <a:prstGeom prst="ellipse">
+              <a:avLst/>
+            </a:prstGeom>
+            <a:noFill/>
+            <a:ln>
+              <a:solidFill>
+                <a:srgbClr val="23B4A4"/>
+              </a:solidFill>
+            </a:ln>
+          </p:spPr>
+          <p:style>
+            <a:lnRef idx="2">
+              <a:schemeClr val="accent1">
+                <a:shade val="50000"/>
+              </a:schemeClr>
+            </a:lnRef>
+            <a:fillRef idx="1">
+              <a:schemeClr val="accent1"/>
+            </a:fillRef>
+            <a:effectRef idx="0">
+              <a:schemeClr val="accent1"/>
+            </a:effectRef>
+            <a:fontRef idx="minor">
+              <a:schemeClr val="lt1"/>
+            </a:fontRef>
+          </p:style>
+          <p:txBody>
+            <a:bodyPr rtlCol="0" anchor="ctr"/>
+            <a:lstStyle/>
+            <a:p>
+              <a:pPr algn="ctr"/>
+              <a:endParaRPr lang="en-US"/>
+            </a:p>
+          </p:txBody>
+        </p:sp>
+      </p:grpSp>
+      <p:grpSp>
+        <p:nvGrpSpPr>
+          <p:cNvPr id="15" name="Group 14"/>
+          <p:cNvGrpSpPr/>
+          <p:nvPr/>
+        </p:nvGrpSpPr>
+        <p:grpSpPr>
+          <a:xfrm>
+            <a:off x="6394076" y="851644"/>
+            <a:ext cx="2438400" cy="2438403"/>
+            <a:chOff x="6394076" y="851644"/>
+            <a:chExt cx="2438400" cy="2438403"/>
+          </a:xfrm>
+        </p:grpSpPr>
+        <p:pic>
+          <p:nvPicPr>
+            <p:cNvPr id="3" name="Picture 2"/>
+            <p:cNvPicPr>
+              <a:picLocks noChangeAspect="1"/>
+            </p:cNvPicPr>
+            <p:nvPr/>
+          </p:nvPicPr>
+          <p:blipFill>
+            <a:blip r:embed="rId4">
+              <a:extLst>
+                <a:ext uri="{28A0092B-C50C-407E-A947-70E740481C1C}">
+                  <a14:useLocalDpi xmlns:a14="http://schemas.microsoft.com/office/drawing/2010/main" val="0"/>
+                </a:ext>
+              </a:extLst>
+            </a:blip>
+            <a:stretch>
+              <a:fillRect/>
+            </a:stretch>
+          </p:blipFill>
+          <p:spPr>
+            <a:xfrm>
+              <a:off x="6394076" y="851647"/>
+              <a:ext cx="2438400" cy="2438400"/>
+            </a:xfrm>
+            <a:prstGeom prst="rect">
+              <a:avLst/>
+            </a:prstGeom>
+          </p:spPr>
+        </p:pic>
+        <p:sp>
+          <p:nvSpPr>
+            <p:cNvPr id="13" name="Oval 12"/>
+            <p:cNvSpPr/>
+            <p:nvPr/>
+          </p:nvSpPr>
+          <p:spPr>
+            <a:xfrm>
+              <a:off x="6394076" y="851644"/>
+              <a:ext cx="2438399" cy="2438399"/>
+            </a:xfrm>
+            <a:prstGeom prst="ellipse">
+              <a:avLst/>
+            </a:prstGeom>
+            <a:noFill/>
+            <a:ln>
+              <a:solidFill>
+                <a:srgbClr val="23B4A4"/>
+              </a:solidFill>
+            </a:ln>
+          </p:spPr>
+          <p:style>
+            <a:lnRef idx="2">
+              <a:schemeClr val="accent1">
+                <a:shade val="50000"/>
+              </a:schemeClr>
+            </a:lnRef>
+            <a:fillRef idx="1">
+              <a:schemeClr val="accent1"/>
+            </a:fillRef>
+            <a:effectRef idx="0">
+              <a:schemeClr val="accent1"/>
+            </a:effectRef>
+            <a:fontRef idx="minor">
+              <a:schemeClr val="lt1"/>
+            </a:fontRef>
+          </p:style>
+          <p:txBody>
+            <a:bodyPr rtlCol="0" anchor="ctr"/>
+            <a:lstStyle/>
+            <a:p>
+              <a:pPr algn="ctr"/>
+              <a:endParaRPr lang="en-US"/>
+            </a:p>
+          </p:txBody>
+        </p:sp>
+      </p:grpSp>
+      <p:grpSp>
+        <p:nvGrpSpPr>
+          <p:cNvPr id="16" name="Group 15"/>
+          <p:cNvGrpSpPr/>
+          <p:nvPr/>
+        </p:nvGrpSpPr>
+        <p:grpSpPr>
+          <a:xfrm>
+            <a:off x="9417421" y="851644"/>
+            <a:ext cx="2442884" cy="2438403"/>
+            <a:chOff x="9417421" y="851644"/>
+            <a:chExt cx="2442884" cy="2438403"/>
+          </a:xfrm>
+        </p:grpSpPr>
+        <p:pic>
+          <p:nvPicPr>
+            <p:cNvPr id="5" name="Picture 4"/>
+            <p:cNvPicPr>
+              <a:picLocks noChangeAspect="1"/>
+            </p:cNvPicPr>
+            <p:nvPr/>
+          </p:nvPicPr>
+          <p:blipFill>
+            <a:blip r:embed="rId5">
+              <a:extLst>
+                <a:ext uri="{28A0092B-C50C-407E-A947-70E740481C1C}">
+                  <a14:useLocalDpi xmlns:a14="http://schemas.microsoft.com/office/drawing/2010/main" val="0"/>
+                </a:ext>
+              </a:extLst>
+            </a:blip>
+            <a:stretch>
+              <a:fillRect/>
+            </a:stretch>
+          </p:blipFill>
+          <p:spPr>
+            <a:xfrm>
+              <a:off x="9421905" y="851647"/>
+              <a:ext cx="2438400" cy="2438400"/>
+            </a:xfrm>
+            <a:prstGeom prst="rect">
+              <a:avLst/>
+            </a:prstGeom>
+          </p:spPr>
+        </p:pic>
+        <p:sp>
+          <p:nvSpPr>
+            <p:cNvPr id="14" name="Oval 13"/>
+            <p:cNvSpPr/>
+            <p:nvPr/>
+          </p:nvSpPr>
+          <p:spPr>
+            <a:xfrm>
+              <a:off x="9417421" y="851644"/>
+              <a:ext cx="2438399" cy="2438399"/>
+            </a:xfrm>
+            <a:prstGeom prst="ellipse">
+              <a:avLst/>
+            </a:prstGeom>
+            <a:noFill/>
+            <a:ln>
+              <a:solidFill>
+                <a:srgbClr val="23B4A4"/>
+              </a:solidFill>
+            </a:ln>
+          </p:spPr>
+          <p:style>
+            <a:lnRef idx="2">
+              <a:schemeClr val="accent1">
+                <a:shade val="50000"/>
+              </a:schemeClr>
+            </a:lnRef>
+            <a:fillRef idx="1">
+              <a:schemeClr val="accent1"/>
+            </a:fillRef>
+            <a:effectRef idx="0">
+              <a:schemeClr val="accent1"/>
+            </a:effectRef>
+            <a:fontRef idx="minor">
+              <a:schemeClr val="lt1"/>
+            </a:fontRef>
+          </p:style>
+          <p:txBody>
+            <a:bodyPr rtlCol="0" anchor="ctr"/>
+            <a:lstStyle/>
+            <a:p>
+              <a:pPr algn="ctr"/>
+              <a:endParaRPr lang="en-US"/>
+            </a:p>
+          </p:txBody>
+        </p:sp>
+      </p:grpSp>
     </p:spTree>
     <p:extLst>
       <p:ext uri="{BB962C8B-B14F-4D97-AF65-F5344CB8AC3E}">

--- a/img/button_hover.pptx
+++ b/img/button_hover.pptx
@@ -6,6 +6,7 @@
   </p:sldMasterIdLst>
   <p:sldIdLst>
     <p:sldId id="256" r:id="rId2"/>
+    <p:sldId id="257" r:id="rId3"/>
   </p:sldIdLst>
   <p:sldSz cx="12192000" cy="6858000"/>
   <p:notesSz cx="6858000" cy="9144000"/>
@@ -243,7 +244,7 @@
           <a:p>
             <a:fld id="{3B638056-2271-4463-BAE1-4AC5602DC725}" type="datetimeFigureOut">
               <a:rPr lang="en-US" smtClean="0"/>
-              <a:t>12/21/2015</a:t>
+              <a:t>12/29/2015</a:t>
             </a:fld>
             <a:endParaRPr lang="en-US"/>
           </a:p>
@@ -413,7 +414,7 @@
           <a:p>
             <a:fld id="{3B638056-2271-4463-BAE1-4AC5602DC725}" type="datetimeFigureOut">
               <a:rPr lang="en-US" smtClean="0"/>
-              <a:t>12/21/2015</a:t>
+              <a:t>12/29/2015</a:t>
             </a:fld>
             <a:endParaRPr lang="en-US"/>
           </a:p>
@@ -593,7 +594,7 @@
           <a:p>
             <a:fld id="{3B638056-2271-4463-BAE1-4AC5602DC725}" type="datetimeFigureOut">
               <a:rPr lang="en-US" smtClean="0"/>
-              <a:t>12/21/2015</a:t>
+              <a:t>12/29/2015</a:t>
             </a:fld>
             <a:endParaRPr lang="en-US"/>
           </a:p>
@@ -763,7 +764,7 @@
           <a:p>
             <a:fld id="{3B638056-2271-4463-BAE1-4AC5602DC725}" type="datetimeFigureOut">
               <a:rPr lang="en-US" smtClean="0"/>
-              <a:t>12/21/2015</a:t>
+              <a:t>12/29/2015</a:t>
             </a:fld>
             <a:endParaRPr lang="en-US"/>
           </a:p>
@@ -1009,7 +1010,7 @@
           <a:p>
             <a:fld id="{3B638056-2271-4463-BAE1-4AC5602DC725}" type="datetimeFigureOut">
               <a:rPr lang="en-US" smtClean="0"/>
-              <a:t>12/21/2015</a:t>
+              <a:t>12/29/2015</a:t>
             </a:fld>
             <a:endParaRPr lang="en-US"/>
           </a:p>
@@ -1241,7 +1242,7 @@
           <a:p>
             <a:fld id="{3B638056-2271-4463-BAE1-4AC5602DC725}" type="datetimeFigureOut">
               <a:rPr lang="en-US" smtClean="0"/>
-              <a:t>12/21/2015</a:t>
+              <a:t>12/29/2015</a:t>
             </a:fld>
             <a:endParaRPr lang="en-US"/>
           </a:p>
@@ -1608,7 +1609,7 @@
           <a:p>
             <a:fld id="{3B638056-2271-4463-BAE1-4AC5602DC725}" type="datetimeFigureOut">
               <a:rPr lang="en-US" smtClean="0"/>
-              <a:t>12/21/2015</a:t>
+              <a:t>12/29/2015</a:t>
             </a:fld>
             <a:endParaRPr lang="en-US"/>
           </a:p>
@@ -1726,7 +1727,7 @@
           <a:p>
             <a:fld id="{3B638056-2271-4463-BAE1-4AC5602DC725}" type="datetimeFigureOut">
               <a:rPr lang="en-US" smtClean="0"/>
-              <a:t>12/21/2015</a:t>
+              <a:t>12/29/2015</a:t>
             </a:fld>
             <a:endParaRPr lang="en-US"/>
           </a:p>
@@ -1821,7 +1822,7 @@
           <a:p>
             <a:fld id="{3B638056-2271-4463-BAE1-4AC5602DC725}" type="datetimeFigureOut">
               <a:rPr lang="en-US" smtClean="0"/>
-              <a:t>12/21/2015</a:t>
+              <a:t>12/29/2015</a:t>
             </a:fld>
             <a:endParaRPr lang="en-US"/>
           </a:p>
@@ -2098,7 +2099,7 @@
           <a:p>
             <a:fld id="{3B638056-2271-4463-BAE1-4AC5602DC725}" type="datetimeFigureOut">
               <a:rPr lang="en-US" smtClean="0"/>
-              <a:t>12/21/2015</a:t>
+              <a:t>12/29/2015</a:t>
             </a:fld>
             <a:endParaRPr lang="en-US"/>
           </a:p>
@@ -2351,7 +2352,7 @@
           <a:p>
             <a:fld id="{3B638056-2271-4463-BAE1-4AC5602DC725}" type="datetimeFigureOut">
               <a:rPr lang="en-US" smtClean="0"/>
-              <a:t>12/21/2015</a:t>
+              <a:t>12/29/2015</a:t>
             </a:fld>
             <a:endParaRPr lang="en-US"/>
           </a:p>
@@ -2564,7 +2565,7 @@
           <a:p>
             <a:fld id="{3B638056-2271-4463-BAE1-4AC5602DC725}" type="datetimeFigureOut">
               <a:rPr lang="en-US" smtClean="0"/>
-              <a:t>12/21/2015</a:t>
+              <a:t>12/29/2015</a:t>
             </a:fld>
             <a:endParaRPr lang="en-US"/>
           </a:p>
@@ -3578,6 +3579,527 @@
 </p:sld>
 </file>
 
+<file path=ppt/slides/slide2.xml><?xml version="1.0" encoding="utf-8"?>
+<p:sld xmlns:a="http://schemas.openxmlformats.org/drawingml/2006/main" xmlns:r="http://schemas.openxmlformats.org/officeDocument/2006/relationships" xmlns:p="http://schemas.openxmlformats.org/presentationml/2006/main">
+  <p:cSld>
+    <p:spTree>
+      <p:nvGrpSpPr>
+        <p:cNvPr id="1" name=""/>
+        <p:cNvGrpSpPr/>
+        <p:nvPr/>
+      </p:nvGrpSpPr>
+      <p:grpSpPr>
+        <a:xfrm>
+          <a:off x="0" y="0"/>
+          <a:ext cx="0" cy="0"/>
+          <a:chOff x="0" y="0"/>
+          <a:chExt cx="0" cy="0"/>
+        </a:xfrm>
+      </p:grpSpPr>
+      <p:grpSp>
+        <p:nvGrpSpPr>
+          <p:cNvPr id="6" name="Group 5"/>
+          <p:cNvGrpSpPr/>
+          <p:nvPr/>
+        </p:nvGrpSpPr>
+        <p:grpSpPr>
+          <a:xfrm>
+            <a:off x="338416" y="851644"/>
+            <a:ext cx="2442885" cy="2442885"/>
+            <a:chOff x="333930" y="851643"/>
+            <a:chExt cx="2442885" cy="2442885"/>
+          </a:xfrm>
+        </p:grpSpPr>
+        <p:pic>
+          <p:nvPicPr>
+            <p:cNvPr id="7" name="Picture 6"/>
+            <p:cNvPicPr>
+              <a:picLocks noChangeAspect="1"/>
+            </p:cNvPicPr>
+            <p:nvPr/>
+          </p:nvPicPr>
+          <p:blipFill>
+            <a:blip r:embed="rId2">
+              <a:extLst>
+                <a:ext uri="{28A0092B-C50C-407E-A947-70E740481C1C}">
+                  <a14:useLocalDpi xmlns:a14="http://schemas.microsoft.com/office/drawing/2010/main" val="0"/>
+                </a:ext>
+              </a:extLst>
+            </a:blip>
+            <a:stretch>
+              <a:fillRect/>
+            </a:stretch>
+          </p:blipFill>
+          <p:spPr>
+            <a:xfrm>
+              <a:off x="338415" y="851644"/>
+              <a:ext cx="2438400" cy="2438400"/>
+            </a:xfrm>
+            <a:prstGeom prst="rect">
+              <a:avLst/>
+            </a:prstGeom>
+          </p:spPr>
+        </p:pic>
+        <p:sp>
+          <p:nvSpPr>
+            <p:cNvPr id="8" name="Oval 7"/>
+            <p:cNvSpPr/>
+            <p:nvPr/>
+          </p:nvSpPr>
+          <p:spPr>
+            <a:xfrm>
+              <a:off x="333930" y="851643"/>
+              <a:ext cx="2442885" cy="2442885"/>
+            </a:xfrm>
+            <a:prstGeom prst="ellipse">
+              <a:avLst/>
+            </a:prstGeom>
+            <a:noFill/>
+            <a:ln>
+              <a:solidFill>
+                <a:srgbClr val="23B4A4"/>
+              </a:solidFill>
+            </a:ln>
+          </p:spPr>
+          <p:style>
+            <a:lnRef idx="2">
+              <a:schemeClr val="accent1">
+                <a:shade val="50000"/>
+              </a:schemeClr>
+            </a:lnRef>
+            <a:fillRef idx="1">
+              <a:schemeClr val="accent1"/>
+            </a:fillRef>
+            <a:effectRef idx="0">
+              <a:schemeClr val="accent1"/>
+            </a:effectRef>
+            <a:fontRef idx="minor">
+              <a:schemeClr val="lt1"/>
+            </a:fontRef>
+          </p:style>
+          <p:txBody>
+            <a:bodyPr rtlCol="0" anchor="ctr"/>
+            <a:lstStyle/>
+            <a:p>
+              <a:pPr algn="ctr"/>
+              <a:endParaRPr lang="en-US"/>
+            </a:p>
+          </p:txBody>
+        </p:sp>
+      </p:grpSp>
+      <p:sp>
+        <p:nvSpPr>
+          <p:cNvPr id="9" name="Oval 8"/>
+          <p:cNvSpPr/>
+          <p:nvPr/>
+        </p:nvSpPr>
+        <p:spPr>
+          <a:xfrm>
+            <a:off x="338417" y="3827930"/>
+            <a:ext cx="2438399" cy="2438400"/>
+          </a:xfrm>
+          <a:prstGeom prst="ellipse">
+            <a:avLst/>
+          </a:prstGeom>
+          <a:solidFill>
+            <a:srgbClr val="23B4A4"/>
+          </a:solidFill>
+          <a:ln w="28575">
+            <a:noFill/>
+          </a:ln>
+        </p:spPr>
+        <p:style>
+          <a:lnRef idx="2">
+            <a:schemeClr val="accent1">
+              <a:shade val="50000"/>
+            </a:schemeClr>
+          </a:lnRef>
+          <a:fillRef idx="1">
+            <a:schemeClr val="accent1"/>
+          </a:fillRef>
+          <a:effectRef idx="0">
+            <a:schemeClr val="accent1"/>
+          </a:effectRef>
+          <a:fontRef idx="minor">
+            <a:schemeClr val="lt1"/>
+          </a:fontRef>
+        </p:style>
+        <p:txBody>
+          <a:bodyPr rtlCol="0" anchor="ctr"/>
+          <a:lstStyle/>
+          <a:p>
+            <a:pPr algn="ctr"/>
+            <a:r>
+              <a:rPr lang="en-US" sz="3200" b="1" dirty="0" smtClean="0">
+                <a:latin typeface="Segoe UI Light" panose="020B0502040204020203" pitchFamily="34" charset="0"/>
+                <a:cs typeface="Segoe UI Light" panose="020B0502040204020203" pitchFamily="34" charset="0"/>
+              </a:rPr>
+              <a:t>Résumé</a:t>
+            </a:r>
+            <a:endParaRPr lang="en-US" sz="3200" b="1" dirty="0">
+              <a:latin typeface="Segoe UI Light" panose="020B0502040204020203" pitchFamily="34" charset="0"/>
+              <a:cs typeface="Segoe UI Light" panose="020B0502040204020203" pitchFamily="34" charset="0"/>
+            </a:endParaRPr>
+          </a:p>
+        </p:txBody>
+      </p:sp>
+      <p:grpSp>
+        <p:nvGrpSpPr>
+          <p:cNvPr id="12" name="Group 11"/>
+          <p:cNvGrpSpPr/>
+          <p:nvPr/>
+        </p:nvGrpSpPr>
+        <p:grpSpPr>
+          <a:xfrm>
+            <a:off x="3290048" y="851645"/>
+            <a:ext cx="2442885" cy="2438400"/>
+            <a:chOff x="4876800" y="2209800"/>
+            <a:chExt cx="2442885" cy="2438400"/>
+          </a:xfrm>
+        </p:grpSpPr>
+        <p:pic>
+          <p:nvPicPr>
+            <p:cNvPr id="10" name="Picture 9"/>
+            <p:cNvPicPr>
+              <a:picLocks noChangeAspect="1"/>
+            </p:cNvPicPr>
+            <p:nvPr/>
+          </p:nvPicPr>
+          <p:blipFill>
+            <a:blip r:embed="rId3">
+              <a:extLst>
+                <a:ext uri="{28A0092B-C50C-407E-A947-70E740481C1C}">
+                  <a14:useLocalDpi xmlns:a14="http://schemas.microsoft.com/office/drawing/2010/main" val="0"/>
+                </a:ext>
+              </a:extLst>
+            </a:blip>
+            <a:stretch>
+              <a:fillRect/>
+            </a:stretch>
+          </p:blipFill>
+          <p:spPr>
+            <a:xfrm>
+              <a:off x="4876800" y="2209800"/>
+              <a:ext cx="2438400" cy="2438400"/>
+            </a:xfrm>
+            <a:prstGeom prst="rect">
+              <a:avLst/>
+            </a:prstGeom>
+          </p:spPr>
+        </p:pic>
+        <p:sp>
+          <p:nvSpPr>
+            <p:cNvPr id="11" name="Oval 10"/>
+            <p:cNvSpPr/>
+            <p:nvPr/>
+          </p:nvSpPr>
+          <p:spPr>
+            <a:xfrm>
+              <a:off x="4881285" y="2209800"/>
+              <a:ext cx="2438400" cy="2438400"/>
+            </a:xfrm>
+            <a:prstGeom prst="ellipse">
+              <a:avLst/>
+            </a:prstGeom>
+            <a:noFill/>
+            <a:ln>
+              <a:solidFill>
+                <a:schemeClr val="tx1"/>
+              </a:solidFill>
+            </a:ln>
+          </p:spPr>
+          <p:style>
+            <a:lnRef idx="2">
+              <a:schemeClr val="accent1">
+                <a:shade val="50000"/>
+              </a:schemeClr>
+            </a:lnRef>
+            <a:fillRef idx="1">
+              <a:schemeClr val="accent1"/>
+            </a:fillRef>
+            <a:effectRef idx="0">
+              <a:schemeClr val="accent1"/>
+            </a:effectRef>
+            <a:fontRef idx="minor">
+              <a:schemeClr val="lt1"/>
+            </a:fontRef>
+          </p:style>
+          <p:txBody>
+            <a:bodyPr rtlCol="0" anchor="ctr"/>
+            <a:lstStyle/>
+            <a:p>
+              <a:pPr algn="ctr"/>
+              <a:endParaRPr lang="en-US"/>
+            </a:p>
+          </p:txBody>
+        </p:sp>
+      </p:grpSp>
+      <p:sp>
+        <p:nvSpPr>
+          <p:cNvPr id="13" name="Oval 12"/>
+          <p:cNvSpPr/>
+          <p:nvPr/>
+        </p:nvSpPr>
+        <p:spPr>
+          <a:xfrm>
+            <a:off x="3290048" y="3827930"/>
+            <a:ext cx="2438399" cy="2438400"/>
+          </a:xfrm>
+          <a:prstGeom prst="ellipse">
+            <a:avLst/>
+          </a:prstGeom>
+          <a:solidFill>
+            <a:schemeClr val="tx1"/>
+          </a:solidFill>
+          <a:ln w="28575">
+            <a:noFill/>
+          </a:ln>
+        </p:spPr>
+        <p:style>
+          <a:lnRef idx="2">
+            <a:schemeClr val="accent1">
+              <a:shade val="50000"/>
+            </a:schemeClr>
+          </a:lnRef>
+          <a:fillRef idx="1">
+            <a:schemeClr val="accent1"/>
+          </a:fillRef>
+          <a:effectRef idx="0">
+            <a:schemeClr val="accent1"/>
+          </a:effectRef>
+          <a:fontRef idx="minor">
+            <a:schemeClr val="lt1"/>
+          </a:fontRef>
+        </p:style>
+        <p:txBody>
+          <a:bodyPr rtlCol="0" anchor="ctr"/>
+          <a:lstStyle/>
+          <a:p>
+            <a:pPr algn="ctr"/>
+            <a:r>
+              <a:rPr lang="en-US" sz="3200" b="1" dirty="0" smtClean="0">
+                <a:latin typeface="Segoe UI Light" panose="020B0502040204020203" pitchFamily="34" charset="0"/>
+                <a:cs typeface="Segoe UI Light" panose="020B0502040204020203" pitchFamily="34" charset="0"/>
+              </a:rPr>
+              <a:t>Résumé</a:t>
+            </a:r>
+            <a:endParaRPr lang="en-US" sz="3200" b="1" dirty="0">
+              <a:latin typeface="Segoe UI Light" panose="020B0502040204020203" pitchFamily="34" charset="0"/>
+              <a:cs typeface="Segoe UI Light" panose="020B0502040204020203" pitchFamily="34" charset="0"/>
+            </a:endParaRPr>
+          </a:p>
+        </p:txBody>
+      </p:sp>
+      <p:pic>
+        <p:nvPicPr>
+          <p:cNvPr id="1026" name="Picture 2" descr="http://cdn.flaticon.com/png/256/25231.png"/>
+          <p:cNvPicPr>
+            <a:picLocks noChangeAspect="1" noChangeArrowheads="1"/>
+          </p:cNvPicPr>
+          <p:nvPr/>
+        </p:nvPicPr>
+        <p:blipFill>
+          <a:blip r:embed="rId4">
+            <a:extLst>
+              <a:ext uri="{28A0092B-C50C-407E-A947-70E740481C1C}">
+                <a14:useLocalDpi xmlns:a14="http://schemas.microsoft.com/office/drawing/2010/main" val="0"/>
+              </a:ext>
+            </a:extLst>
+          </a:blip>
+          <a:srcRect/>
+          <a:stretch>
+            <a:fillRect/>
+          </a:stretch>
+        </p:blipFill>
+        <p:spPr bwMode="auto">
+          <a:xfrm>
+            <a:off x="10015816" y="1034301"/>
+            <a:ext cx="1831040" cy="1831040"/>
+          </a:xfrm>
+          <a:prstGeom prst="rect">
+            <a:avLst/>
+          </a:prstGeom>
+          <a:noFill/>
+          <a:extLst>
+            <a:ext uri="{909E8E84-426E-40DD-AFC4-6F175D3DCCD1}">
+              <a14:hiddenFill xmlns:a14="http://schemas.microsoft.com/office/drawing/2010/main">
+                <a:solidFill>
+                  <a:srgbClr val="FFFFFF"/>
+                </a:solidFill>
+              </a14:hiddenFill>
+            </a:ext>
+          </a:extLst>
+        </p:spPr>
+      </p:pic>
+      <p:grpSp>
+        <p:nvGrpSpPr>
+          <p:cNvPr id="17" name="Group 16"/>
+          <p:cNvGrpSpPr/>
+          <p:nvPr/>
+        </p:nvGrpSpPr>
+        <p:grpSpPr>
+          <a:xfrm>
+            <a:off x="6010834" y="847165"/>
+            <a:ext cx="2487707" cy="2460811"/>
+            <a:chOff x="6010834" y="847165"/>
+            <a:chExt cx="2487707" cy="2460811"/>
+          </a:xfrm>
+        </p:grpSpPr>
+        <p:pic>
+          <p:nvPicPr>
+            <p:cNvPr id="1028" name="Picture 4" descr="http://i.imgur.com/9Yw07oG.png"/>
+            <p:cNvPicPr>
+              <a:picLocks noChangeAspect="1" noChangeArrowheads="1"/>
+            </p:cNvPicPr>
+            <p:nvPr/>
+          </p:nvPicPr>
+          <p:blipFill rotWithShape="1">
+            <a:blip r:embed="rId5">
+              <a:extLst>
+                <a:ext uri="{28A0092B-C50C-407E-A947-70E740481C1C}">
+                  <a14:useLocalDpi xmlns:a14="http://schemas.microsoft.com/office/drawing/2010/main" val="0"/>
+                </a:ext>
+              </a:extLst>
+            </a:blip>
+            <a:srcRect l="3401" t="3866" r="2809" b="3358"/>
+            <a:stretch/>
+          </p:blipFill>
+          <p:spPr bwMode="auto">
+            <a:xfrm>
+              <a:off x="6010834" y="847165"/>
+              <a:ext cx="2487707" cy="2460811"/>
+            </a:xfrm>
+            <a:prstGeom prst="rect">
+              <a:avLst/>
+            </a:prstGeom>
+            <a:noFill/>
+            <a:extLst>
+              <a:ext uri="{909E8E84-426E-40DD-AFC4-6F175D3DCCD1}">
+                <a14:hiddenFill xmlns:a14="http://schemas.microsoft.com/office/drawing/2010/main">
+                  <a:solidFill>
+                    <a:srgbClr val="FFFFFF"/>
+                  </a:solidFill>
+                </a14:hiddenFill>
+              </a:ext>
+            </a:extLst>
+          </p:spPr>
+        </p:pic>
+        <p:sp>
+          <p:nvSpPr>
+            <p:cNvPr id="16" name="Oval 15"/>
+            <p:cNvSpPr/>
+            <p:nvPr/>
+          </p:nvSpPr>
+          <p:spPr>
+            <a:xfrm>
+              <a:off x="6027642" y="851644"/>
+              <a:ext cx="2438400" cy="2438400"/>
+            </a:xfrm>
+            <a:prstGeom prst="ellipse">
+              <a:avLst/>
+            </a:prstGeom>
+            <a:noFill/>
+            <a:ln>
+              <a:solidFill>
+                <a:schemeClr val="tx1"/>
+              </a:solidFill>
+            </a:ln>
+          </p:spPr>
+          <p:style>
+            <a:lnRef idx="2">
+              <a:schemeClr val="accent1">
+                <a:shade val="50000"/>
+              </a:schemeClr>
+            </a:lnRef>
+            <a:fillRef idx="1">
+              <a:schemeClr val="accent1"/>
+            </a:fillRef>
+            <a:effectRef idx="0">
+              <a:schemeClr val="accent1"/>
+            </a:effectRef>
+            <a:fontRef idx="minor">
+              <a:schemeClr val="lt1"/>
+            </a:fontRef>
+          </p:style>
+          <p:txBody>
+            <a:bodyPr rtlCol="0" anchor="ctr"/>
+            <a:lstStyle/>
+            <a:p>
+              <a:pPr algn="ctr"/>
+              <a:endParaRPr lang="en-US"/>
+            </a:p>
+          </p:txBody>
+        </p:sp>
+      </p:grpSp>
+      <p:sp>
+        <p:nvSpPr>
+          <p:cNvPr id="19" name="Oval 18"/>
+          <p:cNvSpPr/>
+          <p:nvPr/>
+        </p:nvSpPr>
+        <p:spPr>
+          <a:xfrm>
+            <a:off x="6027643" y="3827930"/>
+            <a:ext cx="2438399" cy="2438400"/>
+          </a:xfrm>
+          <a:prstGeom prst="ellipse">
+            <a:avLst/>
+          </a:prstGeom>
+          <a:solidFill>
+            <a:schemeClr val="tx1"/>
+          </a:solidFill>
+          <a:ln w="28575">
+            <a:noFill/>
+          </a:ln>
+        </p:spPr>
+        <p:style>
+          <a:lnRef idx="2">
+            <a:schemeClr val="accent1">
+              <a:shade val="50000"/>
+            </a:schemeClr>
+          </a:lnRef>
+          <a:fillRef idx="1">
+            <a:schemeClr val="accent1"/>
+          </a:fillRef>
+          <a:effectRef idx="0">
+            <a:schemeClr val="accent1"/>
+          </a:effectRef>
+          <a:fontRef idx="minor">
+            <a:schemeClr val="lt1"/>
+          </a:fontRef>
+        </p:style>
+        <p:txBody>
+          <a:bodyPr rtlCol="0" anchor="ctr"/>
+          <a:lstStyle/>
+          <a:p>
+            <a:pPr algn="ctr"/>
+            <a:r>
+              <a:rPr lang="en-US" sz="3200" b="1" dirty="0" smtClean="0">
+                <a:latin typeface="Segoe UI Light" panose="020B0502040204020203" pitchFamily="34" charset="0"/>
+                <a:cs typeface="Segoe UI Light" panose="020B0502040204020203" pitchFamily="34" charset="0"/>
+              </a:rPr>
+              <a:t>GitHub</a:t>
+            </a:r>
+            <a:endParaRPr lang="en-US" sz="3200" b="1" dirty="0">
+              <a:latin typeface="Segoe UI Light" panose="020B0502040204020203" pitchFamily="34" charset="0"/>
+              <a:cs typeface="Segoe UI Light" panose="020B0502040204020203" pitchFamily="34" charset="0"/>
+            </a:endParaRPr>
+          </a:p>
+        </p:txBody>
+      </p:sp>
+    </p:spTree>
+    <p:extLst>
+      <p:ext uri="{BB962C8B-B14F-4D97-AF65-F5344CB8AC3E}">
+        <p14:creationId xmlns:p14="http://schemas.microsoft.com/office/powerpoint/2010/main" val="2808581867"/>
+      </p:ext>
+    </p:extLst>
+  </p:cSld>
+  <p:clrMapOvr>
+    <a:masterClrMapping/>
+  </p:clrMapOvr>
+</p:sld>
+</file>
+
 <file path=ppt/theme/theme1.xml><?xml version="1.0" encoding="utf-8"?>
 <a:theme xmlns:a="http://schemas.openxmlformats.org/drawingml/2006/main" name="Office Theme">
   <a:themeElements>

--- a/img/button_hover.pptx
+++ b/img/button_hover.pptx
@@ -244,7 +244,7 @@
           <a:p>
             <a:fld id="{3B638056-2271-4463-BAE1-4AC5602DC725}" type="datetimeFigureOut">
               <a:rPr lang="en-US" smtClean="0"/>
-              <a:t>12/29/2015</a:t>
+              <a:t>12/30/2015</a:t>
             </a:fld>
             <a:endParaRPr lang="en-US"/>
           </a:p>
@@ -414,7 +414,7 @@
           <a:p>
             <a:fld id="{3B638056-2271-4463-BAE1-4AC5602DC725}" type="datetimeFigureOut">
               <a:rPr lang="en-US" smtClean="0"/>
-              <a:t>12/29/2015</a:t>
+              <a:t>12/30/2015</a:t>
             </a:fld>
             <a:endParaRPr lang="en-US"/>
           </a:p>
@@ -594,7 +594,7 @@
           <a:p>
             <a:fld id="{3B638056-2271-4463-BAE1-4AC5602DC725}" type="datetimeFigureOut">
               <a:rPr lang="en-US" smtClean="0"/>
-              <a:t>12/29/2015</a:t>
+              <a:t>12/30/2015</a:t>
             </a:fld>
             <a:endParaRPr lang="en-US"/>
           </a:p>
@@ -764,7 +764,7 @@
           <a:p>
             <a:fld id="{3B638056-2271-4463-BAE1-4AC5602DC725}" type="datetimeFigureOut">
               <a:rPr lang="en-US" smtClean="0"/>
-              <a:t>12/29/2015</a:t>
+              <a:t>12/30/2015</a:t>
             </a:fld>
             <a:endParaRPr lang="en-US"/>
           </a:p>
@@ -1010,7 +1010,7 @@
           <a:p>
             <a:fld id="{3B638056-2271-4463-BAE1-4AC5602DC725}" type="datetimeFigureOut">
               <a:rPr lang="en-US" smtClean="0"/>
-              <a:t>12/29/2015</a:t>
+              <a:t>12/30/2015</a:t>
             </a:fld>
             <a:endParaRPr lang="en-US"/>
           </a:p>
@@ -1242,7 +1242,7 @@
           <a:p>
             <a:fld id="{3B638056-2271-4463-BAE1-4AC5602DC725}" type="datetimeFigureOut">
               <a:rPr lang="en-US" smtClean="0"/>
-              <a:t>12/29/2015</a:t>
+              <a:t>12/30/2015</a:t>
             </a:fld>
             <a:endParaRPr lang="en-US"/>
           </a:p>
@@ -1609,7 +1609,7 @@
           <a:p>
             <a:fld id="{3B638056-2271-4463-BAE1-4AC5602DC725}" type="datetimeFigureOut">
               <a:rPr lang="en-US" smtClean="0"/>
-              <a:t>12/29/2015</a:t>
+              <a:t>12/30/2015</a:t>
             </a:fld>
             <a:endParaRPr lang="en-US"/>
           </a:p>
@@ -1727,7 +1727,7 @@
           <a:p>
             <a:fld id="{3B638056-2271-4463-BAE1-4AC5602DC725}" type="datetimeFigureOut">
               <a:rPr lang="en-US" smtClean="0"/>
-              <a:t>12/29/2015</a:t>
+              <a:t>12/30/2015</a:t>
             </a:fld>
             <a:endParaRPr lang="en-US"/>
           </a:p>
@@ -1822,7 +1822,7 @@
           <a:p>
             <a:fld id="{3B638056-2271-4463-BAE1-4AC5602DC725}" type="datetimeFigureOut">
               <a:rPr lang="en-US" smtClean="0"/>
-              <a:t>12/29/2015</a:t>
+              <a:t>12/30/2015</a:t>
             </a:fld>
             <a:endParaRPr lang="en-US"/>
           </a:p>
@@ -2099,7 +2099,7 @@
           <a:p>
             <a:fld id="{3B638056-2271-4463-BAE1-4AC5602DC725}" type="datetimeFigureOut">
               <a:rPr lang="en-US" smtClean="0"/>
-              <a:t>12/29/2015</a:t>
+              <a:t>12/30/2015</a:t>
             </a:fld>
             <a:endParaRPr lang="en-US"/>
           </a:p>
@@ -2352,7 +2352,7 @@
           <a:p>
             <a:fld id="{3B638056-2271-4463-BAE1-4AC5602DC725}" type="datetimeFigureOut">
               <a:rPr lang="en-US" smtClean="0"/>
-              <a:t>12/29/2015</a:t>
+              <a:t>12/30/2015</a:t>
             </a:fld>
             <a:endParaRPr lang="en-US"/>
           </a:p>
@@ -2565,7 +2565,7 @@
           <a:p>
             <a:fld id="{3B638056-2271-4463-BAE1-4AC5602DC725}" type="datetimeFigureOut">
               <a:rPr lang="en-US" smtClean="0"/>
-              <a:t>12/29/2015</a:t>
+              <a:t>12/30/2015</a:t>
             </a:fld>
             <a:endParaRPr lang="en-US"/>
           </a:p>
@@ -2988,9 +2988,7 @@
             <a:srgbClr val="23B4A4"/>
           </a:solidFill>
           <a:ln w="28575">
-            <a:solidFill>
-              <a:schemeClr val="bg1"/>
-            </a:solidFill>
+            <a:noFill/>
           </a:ln>
         </p:spPr>
         <p:style>
@@ -3046,9 +3044,7 @@
             <a:srgbClr val="23B4A4"/>
           </a:solidFill>
           <a:ln w="28575">
-            <a:solidFill>
-              <a:schemeClr val="bg1"/>
-            </a:solidFill>
+            <a:noFill/>
           </a:ln>
         </p:spPr>
         <p:style>
@@ -3104,9 +3100,7 @@
             <a:srgbClr val="23B4A4"/>
           </a:solidFill>
           <a:ln w="28575">
-            <a:solidFill>
-              <a:schemeClr val="bg1"/>
-            </a:solidFill>
+            <a:noFill/>
           </a:ln>
         </p:spPr>
         <p:style>
@@ -3162,9 +3156,7 @@
             <a:srgbClr val="23B4A4"/>
           </a:solidFill>
           <a:ln w="28575">
-            <a:solidFill>
-              <a:schemeClr val="bg1"/>
-            </a:solidFill>
+            <a:noFill/>
           </a:ln>
         </p:spPr>
         <p:style>
@@ -3751,7 +3743,7 @@
         </p:nvGrpSpPr>
         <p:grpSpPr>
           <a:xfrm>
-            <a:off x="3290048" y="851645"/>
+            <a:off x="3048001" y="856124"/>
             <a:ext cx="2442885" cy="2438400"/>
             <a:chOff x="4876800" y="2209800"/>
             <a:chExt cx="2442885" cy="2438400"/>
@@ -3842,7 +3834,7 @@
         </p:nvSpPr>
         <p:spPr>
           <a:xfrm>
-            <a:off x="3290048" y="3827930"/>
+            <a:off x="3048001" y="3832409"/>
             <a:ext cx="2438399" cy="2438400"/>
           </a:xfrm>
           <a:prstGeom prst="ellipse">
@@ -3890,47 +3882,6 @@
           </a:p>
         </p:txBody>
       </p:sp>
-      <p:pic>
-        <p:nvPicPr>
-          <p:cNvPr id="1026" name="Picture 2" descr="http://cdn.flaticon.com/png/256/25231.png"/>
-          <p:cNvPicPr>
-            <a:picLocks noChangeAspect="1" noChangeArrowheads="1"/>
-          </p:cNvPicPr>
-          <p:nvPr/>
-        </p:nvPicPr>
-        <p:blipFill>
-          <a:blip r:embed="rId4">
-            <a:extLst>
-              <a:ext uri="{28A0092B-C50C-407E-A947-70E740481C1C}">
-                <a14:useLocalDpi xmlns:a14="http://schemas.microsoft.com/office/drawing/2010/main" val="0"/>
-              </a:ext>
-            </a:extLst>
-          </a:blip>
-          <a:srcRect/>
-          <a:stretch>
-            <a:fillRect/>
-          </a:stretch>
-        </p:blipFill>
-        <p:spPr bwMode="auto">
-          <a:xfrm>
-            <a:off x="10015816" y="1034301"/>
-            <a:ext cx="1831040" cy="1831040"/>
-          </a:xfrm>
-          <a:prstGeom prst="rect">
-            <a:avLst/>
-          </a:prstGeom>
-          <a:noFill/>
-          <a:extLst>
-            <a:ext uri="{909E8E84-426E-40DD-AFC4-6F175D3DCCD1}">
-              <a14:hiddenFill xmlns:a14="http://schemas.microsoft.com/office/drawing/2010/main">
-                <a:solidFill>
-                  <a:srgbClr val="FFFFFF"/>
-                </a:solidFill>
-              </a14:hiddenFill>
-            </a:ext>
-          </a:extLst>
-        </p:spPr>
-      </p:pic>
       <p:grpSp>
         <p:nvGrpSpPr>
           <p:cNvPr id="17" name="Group 16"/>
@@ -3939,7 +3890,7 @@
         </p:nvGrpSpPr>
         <p:grpSpPr>
           <a:xfrm>
-            <a:off x="6010834" y="847165"/>
+            <a:off x="5768787" y="851644"/>
             <a:ext cx="2487707" cy="2460811"/>
             <a:chOff x="6010834" y="847165"/>
             <a:chExt cx="2487707" cy="2460811"/>
@@ -3954,7 +3905,7 @@
             <p:nvPr/>
           </p:nvPicPr>
           <p:blipFill rotWithShape="1">
-            <a:blip r:embed="rId5">
+            <a:blip r:embed="rId4">
               <a:extLst>
                 <a:ext uri="{28A0092B-C50C-407E-A947-70E740481C1C}">
                   <a14:useLocalDpi xmlns:a14="http://schemas.microsoft.com/office/drawing/2010/main" val="0"/>
@@ -4039,7 +3990,7 @@
         </p:nvSpPr>
         <p:spPr>
           <a:xfrm>
-            <a:off x="6027643" y="3827930"/>
+            <a:off x="5785596" y="3832409"/>
             <a:ext cx="2438399" cy="2438400"/>
           </a:xfrm>
           <a:prstGeom prst="ellipse">

--- a/img/button_hover.pptx
+++ b/img/button_hover.pptx
@@ -2,11 +2,12 @@
 <file path=ppt/presentation.xml><?xml version="1.0" encoding="utf-8"?>
 <p:presentation xmlns:a="http://schemas.openxmlformats.org/drawingml/2006/main" xmlns:r="http://schemas.openxmlformats.org/officeDocument/2006/relationships" xmlns:p="http://schemas.openxmlformats.org/presentationml/2006/main" saveSubsetFonts="1">
   <p:sldMasterIdLst>
-    <p:sldMasterId id="2147483648" r:id="rId1"/>
+    <p:sldMasterId id="2147483660" r:id="rId1"/>
   </p:sldMasterIdLst>
   <p:sldIdLst>
     <p:sldId id="256" r:id="rId2"/>
     <p:sldId id="257" r:id="rId3"/>
+    <p:sldId id="258" r:id="rId4"/>
   </p:sldIdLst>
   <p:sldSz cx="12192000" cy="6858000"/>
   <p:notesSz cx="6858000" cy="9144000"/>
@@ -142,15 +143,15 @@
         </p:nvSpPr>
         <p:spPr>
           <a:xfrm>
-            <a:off x="1524000" y="1122363"/>
-            <a:ext cx="9144000" cy="2387600"/>
+            <a:off x="1154955" y="1447800"/>
+            <a:ext cx="8825658" cy="3329581"/>
           </a:xfrm>
         </p:spPr>
         <p:txBody>
           <a:bodyPr anchor="b"/>
           <a:lstStyle>
-            <a:lvl1pPr algn="ctr">
-              <a:defRPr sz="6000"/>
+            <a:lvl1pPr>
+              <a:defRPr sz="7200"/>
             </a:lvl1pPr>
           </a:lstStyle>
           <a:p>
@@ -158,7 +159,7 @@
               <a:rPr lang="en-US" smtClean="0"/>
               <a:t>Click to edit Master title style</a:t>
             </a:r>
-            <a:endParaRPr lang="en-US"/>
+            <a:endParaRPr lang="en-US" dirty="0"/>
           </a:p>
         </p:txBody>
       </p:sp>
@@ -174,48 +175,103 @@
         </p:nvSpPr>
         <p:spPr>
           <a:xfrm>
-            <a:off x="1524000" y="3602038"/>
-            <a:ext cx="9144000" cy="1655762"/>
+            <a:off x="1154955" y="4777380"/>
+            <a:ext cx="8825658" cy="861420"/>
           </a:xfrm>
         </p:spPr>
         <p:txBody>
-          <a:bodyPr/>
+          <a:bodyPr anchor="t"/>
           <a:lstStyle>
-            <a:lvl1pPr marL="0" indent="0" algn="ctr">
-              <a:buNone/>
-              <a:defRPr sz="2400"/>
+            <a:lvl1pPr marL="0" indent="0" algn="l">
+              <a:buNone/>
+              <a:defRPr cap="all">
+                <a:solidFill>
+                  <a:schemeClr val="bg2">
+                    <a:lumMod val="40000"/>
+                    <a:lumOff val="60000"/>
+                  </a:schemeClr>
+                </a:solidFill>
+              </a:defRPr>
             </a:lvl1pPr>
             <a:lvl2pPr marL="457200" indent="0" algn="ctr">
               <a:buNone/>
-              <a:defRPr sz="2000"/>
+              <a:defRPr>
+                <a:solidFill>
+                  <a:schemeClr val="tx1">
+                    <a:tint val="75000"/>
+                  </a:schemeClr>
+                </a:solidFill>
+              </a:defRPr>
             </a:lvl2pPr>
             <a:lvl3pPr marL="914400" indent="0" algn="ctr">
               <a:buNone/>
-              <a:defRPr sz="1800"/>
+              <a:defRPr>
+                <a:solidFill>
+                  <a:schemeClr val="tx1">
+                    <a:tint val="75000"/>
+                  </a:schemeClr>
+                </a:solidFill>
+              </a:defRPr>
             </a:lvl3pPr>
             <a:lvl4pPr marL="1371600" indent="0" algn="ctr">
               <a:buNone/>
-              <a:defRPr sz="1600"/>
+              <a:defRPr>
+                <a:solidFill>
+                  <a:schemeClr val="tx1">
+                    <a:tint val="75000"/>
+                  </a:schemeClr>
+                </a:solidFill>
+              </a:defRPr>
             </a:lvl4pPr>
             <a:lvl5pPr marL="1828800" indent="0" algn="ctr">
               <a:buNone/>
-              <a:defRPr sz="1600"/>
+              <a:defRPr>
+                <a:solidFill>
+                  <a:schemeClr val="tx1">
+                    <a:tint val="75000"/>
+                  </a:schemeClr>
+                </a:solidFill>
+              </a:defRPr>
             </a:lvl5pPr>
             <a:lvl6pPr marL="2286000" indent="0" algn="ctr">
               <a:buNone/>
-              <a:defRPr sz="1600"/>
+              <a:defRPr>
+                <a:solidFill>
+                  <a:schemeClr val="tx1">
+                    <a:tint val="75000"/>
+                  </a:schemeClr>
+                </a:solidFill>
+              </a:defRPr>
             </a:lvl6pPr>
             <a:lvl7pPr marL="2743200" indent="0" algn="ctr">
               <a:buNone/>
-              <a:defRPr sz="1600"/>
+              <a:defRPr>
+                <a:solidFill>
+                  <a:schemeClr val="tx1">
+                    <a:tint val="75000"/>
+                  </a:schemeClr>
+                </a:solidFill>
+              </a:defRPr>
             </a:lvl7pPr>
             <a:lvl8pPr marL="3200400" indent="0" algn="ctr">
               <a:buNone/>
-              <a:defRPr sz="1600"/>
+              <a:defRPr>
+                <a:solidFill>
+                  <a:schemeClr val="tx1">
+                    <a:tint val="75000"/>
+                  </a:schemeClr>
+                </a:solidFill>
+              </a:defRPr>
             </a:lvl8pPr>
             <a:lvl9pPr marL="3657600" indent="0" algn="ctr">
               <a:buNone/>
-              <a:defRPr sz="1600"/>
+              <a:defRPr>
+                <a:solidFill>
+                  <a:schemeClr val="tx1">
+                    <a:tint val="75000"/>
+                  </a:schemeClr>
+                </a:solidFill>
+              </a:defRPr>
             </a:lvl9pPr>
           </a:lstStyle>
           <a:p>
@@ -223,7 +279,7 @@
               <a:rPr lang="en-US" smtClean="0"/>
               <a:t>Click to edit Master subtitle style</a:t>
             </a:r>
-            <a:endParaRPr lang="en-US"/>
+            <a:endParaRPr lang="en-US" dirty="0"/>
           </a:p>
         </p:txBody>
       </p:sp>
@@ -244,7 +300,7 @@
           <a:p>
             <a:fld id="{3B638056-2271-4463-BAE1-4AC5602DC725}" type="datetimeFigureOut">
               <a:rPr lang="en-US" smtClean="0"/>
-              <a:t>12/30/2015</a:t>
+              <a:t>12/31/2015</a:t>
             </a:fld>
             <a:endParaRPr lang="en-US"/>
           </a:p>
@@ -295,7 +351,7 @@
     </p:spTree>
     <p:extLst>
       <p:ext uri="{BB962C8B-B14F-4D97-AF65-F5344CB8AC3E}">
-        <p14:creationId xmlns:p14="http://schemas.microsoft.com/office/powerpoint/2010/main" val="3965876471"/>
+        <p14:creationId xmlns:p14="http://schemas.microsoft.com/office/powerpoint/2010/main" val="3404749378"/>
       </p:ext>
     </p:extLst>
   </p:cSld>
@@ -306,6 +362,2572 @@
 </file>
 
 <file path=ppt/slideLayouts/slideLayout10.xml><?xml version="1.0" encoding="utf-8"?>
+<p:sldLayout xmlns:a="http://schemas.openxmlformats.org/drawingml/2006/main" xmlns:r="http://schemas.openxmlformats.org/officeDocument/2006/relationships" xmlns:p="http://schemas.openxmlformats.org/presentationml/2006/main" preserve="1">
+  <p:cSld name="Panoramic Picture with Caption">
+    <p:spTree>
+      <p:nvGrpSpPr>
+        <p:cNvPr id="1" name=""/>
+        <p:cNvGrpSpPr/>
+        <p:nvPr/>
+      </p:nvGrpSpPr>
+      <p:grpSpPr>
+        <a:xfrm>
+          <a:off x="0" y="0"/>
+          <a:ext cx="0" cy="0"/>
+          <a:chOff x="0" y="0"/>
+          <a:chExt cx="0" cy="0"/>
+        </a:xfrm>
+      </p:grpSpPr>
+      <p:sp>
+        <p:nvSpPr>
+          <p:cNvPr id="2" name="Title 1"/>
+          <p:cNvSpPr>
+            <a:spLocks noGrp="1"/>
+          </p:cNvSpPr>
+          <p:nvPr>
+            <p:ph type="title"/>
+          </p:nvPr>
+        </p:nvSpPr>
+        <p:spPr>
+          <a:xfrm>
+            <a:off x="1154956" y="4800587"/>
+            <a:ext cx="8825657" cy="566738"/>
+          </a:xfrm>
+        </p:spPr>
+        <p:txBody>
+          <a:bodyPr anchor="b">
+            <a:normAutofit/>
+          </a:bodyPr>
+          <a:lstStyle>
+            <a:lvl1pPr algn="l">
+              <a:defRPr sz="2400" b="0"/>
+            </a:lvl1pPr>
+          </a:lstStyle>
+          <a:p>
+            <a:r>
+              <a:rPr lang="en-US" smtClean="0"/>
+              <a:t>Click to edit Master title style</a:t>
+            </a:r>
+            <a:endParaRPr lang="en-US" dirty="0"/>
+          </a:p>
+        </p:txBody>
+      </p:sp>
+      <p:sp>
+        <p:nvSpPr>
+          <p:cNvPr id="3" name="Picture Placeholder 2"/>
+          <p:cNvSpPr>
+            <a:spLocks noGrp="1" noChangeAspect="1"/>
+          </p:cNvSpPr>
+          <p:nvPr>
+            <p:ph type="pic" idx="1"/>
+          </p:nvPr>
+        </p:nvSpPr>
+        <p:spPr>
+          <a:xfrm>
+            <a:off x="1154955" y="685800"/>
+            <a:ext cx="8825658" cy="3640666"/>
+          </a:xfrm>
+          <a:prstGeom prst="roundRect">
+            <a:avLst>
+              <a:gd name="adj" fmla="val 1858"/>
+            </a:avLst>
+          </a:prstGeom>
+          <a:effectLst>
+            <a:outerShdw blurRad="50800" dist="50800" dir="5400000" algn="tl" rotWithShape="0">
+              <a:srgbClr val="000000">
+                <a:alpha val="43000"/>
+              </a:srgbClr>
+            </a:outerShdw>
+          </a:effectLst>
+        </p:spPr>
+        <p:txBody>
+          <a:bodyPr anchor="t">
+            <a:normAutofit/>
+          </a:bodyPr>
+          <a:lstStyle>
+            <a:lvl1pPr marL="0" indent="0" algn="ctr">
+              <a:buNone/>
+              <a:defRPr sz="1600"/>
+            </a:lvl1pPr>
+            <a:lvl2pPr marL="457200" indent="0">
+              <a:buNone/>
+              <a:defRPr sz="1600"/>
+            </a:lvl2pPr>
+            <a:lvl3pPr marL="914400" indent="0">
+              <a:buNone/>
+              <a:defRPr sz="1600"/>
+            </a:lvl3pPr>
+            <a:lvl4pPr marL="1371600" indent="0">
+              <a:buNone/>
+              <a:defRPr sz="1600"/>
+            </a:lvl4pPr>
+            <a:lvl5pPr marL="1828800" indent="0">
+              <a:buNone/>
+              <a:defRPr sz="1600"/>
+            </a:lvl5pPr>
+            <a:lvl6pPr marL="2286000" indent="0">
+              <a:buNone/>
+              <a:defRPr sz="1600"/>
+            </a:lvl6pPr>
+            <a:lvl7pPr marL="2743200" indent="0">
+              <a:buNone/>
+              <a:defRPr sz="1600"/>
+            </a:lvl7pPr>
+            <a:lvl8pPr marL="3200400" indent="0">
+              <a:buNone/>
+              <a:defRPr sz="1600"/>
+            </a:lvl8pPr>
+            <a:lvl9pPr marL="3657600" indent="0">
+              <a:buNone/>
+              <a:defRPr sz="1600"/>
+            </a:lvl9pPr>
+          </a:lstStyle>
+          <a:p>
+            <a:r>
+              <a:rPr lang="en-US" smtClean="0"/>
+              <a:t>Click icon to add picture</a:t>
+            </a:r>
+            <a:endParaRPr lang="en-US" dirty="0"/>
+          </a:p>
+        </p:txBody>
+      </p:sp>
+      <p:sp>
+        <p:nvSpPr>
+          <p:cNvPr id="4" name="Text Placeholder 3"/>
+          <p:cNvSpPr>
+            <a:spLocks noGrp="1"/>
+          </p:cNvSpPr>
+          <p:nvPr>
+            <p:ph type="body" sz="half" idx="2"/>
+          </p:nvPr>
+        </p:nvSpPr>
+        <p:spPr>
+          <a:xfrm>
+            <a:off x="1154956" y="5367325"/>
+            <a:ext cx="8825656" cy="493712"/>
+          </a:xfrm>
+        </p:spPr>
+        <p:txBody>
+          <a:bodyPr>
+            <a:normAutofit/>
+          </a:bodyPr>
+          <a:lstStyle>
+            <a:lvl1pPr marL="0" indent="0">
+              <a:buNone/>
+              <a:defRPr sz="1200"/>
+            </a:lvl1pPr>
+            <a:lvl2pPr marL="457200" indent="0">
+              <a:buNone/>
+              <a:defRPr sz="1200"/>
+            </a:lvl2pPr>
+            <a:lvl3pPr marL="914400" indent="0">
+              <a:buNone/>
+              <a:defRPr sz="1000"/>
+            </a:lvl3pPr>
+            <a:lvl4pPr marL="1371600" indent="0">
+              <a:buNone/>
+              <a:defRPr sz="900"/>
+            </a:lvl4pPr>
+            <a:lvl5pPr marL="1828800" indent="0">
+              <a:buNone/>
+              <a:defRPr sz="900"/>
+            </a:lvl5pPr>
+            <a:lvl6pPr marL="2286000" indent="0">
+              <a:buNone/>
+              <a:defRPr sz="900"/>
+            </a:lvl6pPr>
+            <a:lvl7pPr marL="2743200" indent="0">
+              <a:buNone/>
+              <a:defRPr sz="900"/>
+            </a:lvl7pPr>
+            <a:lvl8pPr marL="3200400" indent="0">
+              <a:buNone/>
+              <a:defRPr sz="900"/>
+            </a:lvl8pPr>
+            <a:lvl9pPr marL="3657600" indent="0">
+              <a:buNone/>
+              <a:defRPr sz="900"/>
+            </a:lvl9pPr>
+          </a:lstStyle>
+          <a:p>
+            <a:pPr lvl="0"/>
+            <a:r>
+              <a:rPr lang="en-US" smtClean="0"/>
+              <a:t>Click to edit Master text styles</a:t>
+            </a:r>
+          </a:p>
+        </p:txBody>
+      </p:sp>
+      <p:sp>
+        <p:nvSpPr>
+          <p:cNvPr id="5" name="Date Placeholder 4"/>
+          <p:cNvSpPr>
+            <a:spLocks noGrp="1"/>
+          </p:cNvSpPr>
+          <p:nvPr>
+            <p:ph type="dt" sz="half" idx="10"/>
+          </p:nvPr>
+        </p:nvSpPr>
+        <p:spPr/>
+        <p:txBody>
+          <a:bodyPr/>
+          <a:lstStyle/>
+          <a:p>
+            <a:fld id="{3B638056-2271-4463-BAE1-4AC5602DC725}" type="datetimeFigureOut">
+              <a:rPr lang="en-US" smtClean="0"/>
+              <a:t>12/31/2015</a:t>
+            </a:fld>
+            <a:endParaRPr lang="en-US"/>
+          </a:p>
+        </p:txBody>
+      </p:sp>
+      <p:sp>
+        <p:nvSpPr>
+          <p:cNvPr id="6" name="Footer Placeholder 5"/>
+          <p:cNvSpPr>
+            <a:spLocks noGrp="1"/>
+          </p:cNvSpPr>
+          <p:nvPr>
+            <p:ph type="ftr" sz="quarter" idx="11"/>
+          </p:nvPr>
+        </p:nvSpPr>
+        <p:spPr/>
+        <p:txBody>
+          <a:bodyPr/>
+          <a:lstStyle/>
+          <a:p>
+            <a:endParaRPr lang="en-US"/>
+          </a:p>
+        </p:txBody>
+      </p:sp>
+      <p:sp>
+        <p:nvSpPr>
+          <p:cNvPr id="7" name="Slide Number Placeholder 6"/>
+          <p:cNvSpPr>
+            <a:spLocks noGrp="1"/>
+          </p:cNvSpPr>
+          <p:nvPr>
+            <p:ph type="sldNum" sz="quarter" idx="12"/>
+          </p:nvPr>
+        </p:nvSpPr>
+        <p:spPr/>
+        <p:txBody>
+          <a:bodyPr/>
+          <a:lstStyle/>
+          <a:p>
+            <a:fld id="{0EC7EAB6-95B1-486F-8F06-36E4CD15C4D6}" type="slidenum">
+              <a:rPr lang="en-US" smtClean="0"/>
+              <a:t>‹#›</a:t>
+            </a:fld>
+            <a:endParaRPr lang="en-US"/>
+          </a:p>
+        </p:txBody>
+      </p:sp>
+    </p:spTree>
+    <p:extLst>
+      <p:ext uri="{BB962C8B-B14F-4D97-AF65-F5344CB8AC3E}">
+        <p14:creationId xmlns:p14="http://schemas.microsoft.com/office/powerpoint/2010/main" val="1933166740"/>
+      </p:ext>
+    </p:extLst>
+  </p:cSld>
+  <p:clrMapOvr>
+    <a:masterClrMapping/>
+  </p:clrMapOvr>
+</p:sldLayout>
+</file>
+
+<file path=ppt/slideLayouts/slideLayout11.xml><?xml version="1.0" encoding="utf-8"?>
+<p:sldLayout xmlns:a="http://schemas.openxmlformats.org/drawingml/2006/main" xmlns:r="http://schemas.openxmlformats.org/officeDocument/2006/relationships" xmlns:p="http://schemas.openxmlformats.org/presentationml/2006/main" preserve="1">
+  <p:cSld name="Title and Caption">
+    <p:spTree>
+      <p:nvGrpSpPr>
+        <p:cNvPr id="1" name=""/>
+        <p:cNvGrpSpPr/>
+        <p:nvPr/>
+      </p:nvGrpSpPr>
+      <p:grpSpPr>
+        <a:xfrm>
+          <a:off x="0" y="0"/>
+          <a:ext cx="0" cy="0"/>
+          <a:chOff x="0" y="0"/>
+          <a:chExt cx="0" cy="0"/>
+        </a:xfrm>
+      </p:grpSpPr>
+      <p:sp>
+        <p:nvSpPr>
+          <p:cNvPr id="2" name="Title 1"/>
+          <p:cNvSpPr>
+            <a:spLocks noGrp="1"/>
+          </p:cNvSpPr>
+          <p:nvPr>
+            <p:ph type="title"/>
+          </p:nvPr>
+        </p:nvSpPr>
+        <p:spPr>
+          <a:xfrm>
+            <a:off x="1154954" y="1447800"/>
+            <a:ext cx="8825659" cy="1981200"/>
+          </a:xfrm>
+        </p:spPr>
+        <p:txBody>
+          <a:bodyPr/>
+          <a:lstStyle>
+            <a:lvl1pPr>
+              <a:defRPr sz="4800"/>
+            </a:lvl1pPr>
+          </a:lstStyle>
+          <a:p>
+            <a:r>
+              <a:rPr lang="en-US" smtClean="0"/>
+              <a:t>Click to edit Master title style</a:t>
+            </a:r>
+            <a:endParaRPr lang="en-US" dirty="0"/>
+          </a:p>
+        </p:txBody>
+      </p:sp>
+      <p:sp>
+        <p:nvSpPr>
+          <p:cNvPr id="8" name="Text Placeholder 3"/>
+          <p:cNvSpPr>
+            <a:spLocks noGrp="1"/>
+          </p:cNvSpPr>
+          <p:nvPr>
+            <p:ph type="body" sz="half" idx="2"/>
+          </p:nvPr>
+        </p:nvSpPr>
+        <p:spPr>
+          <a:xfrm>
+            <a:off x="1154954" y="3657600"/>
+            <a:ext cx="8825659" cy="2362200"/>
+          </a:xfrm>
+        </p:spPr>
+        <p:txBody>
+          <a:bodyPr anchor="ctr">
+            <a:normAutofit/>
+          </a:bodyPr>
+          <a:lstStyle>
+            <a:lvl1pPr marL="0" indent="0">
+              <a:buNone/>
+              <a:defRPr sz="1800"/>
+            </a:lvl1pPr>
+            <a:lvl2pPr marL="457200" indent="0">
+              <a:buNone/>
+              <a:defRPr sz="1200"/>
+            </a:lvl2pPr>
+            <a:lvl3pPr marL="914400" indent="0">
+              <a:buNone/>
+              <a:defRPr sz="1000"/>
+            </a:lvl3pPr>
+            <a:lvl4pPr marL="1371600" indent="0">
+              <a:buNone/>
+              <a:defRPr sz="900"/>
+            </a:lvl4pPr>
+            <a:lvl5pPr marL="1828800" indent="0">
+              <a:buNone/>
+              <a:defRPr sz="900"/>
+            </a:lvl5pPr>
+            <a:lvl6pPr marL="2286000" indent="0">
+              <a:buNone/>
+              <a:defRPr sz="900"/>
+            </a:lvl6pPr>
+            <a:lvl7pPr marL="2743200" indent="0">
+              <a:buNone/>
+              <a:defRPr sz="900"/>
+            </a:lvl7pPr>
+            <a:lvl8pPr marL="3200400" indent="0">
+              <a:buNone/>
+              <a:defRPr sz="900"/>
+            </a:lvl8pPr>
+            <a:lvl9pPr marL="3657600" indent="0">
+              <a:buNone/>
+              <a:defRPr sz="900"/>
+            </a:lvl9pPr>
+          </a:lstStyle>
+          <a:p>
+            <a:pPr lvl="0"/>
+            <a:r>
+              <a:rPr lang="en-US" smtClean="0"/>
+              <a:t>Click to edit Master text styles</a:t>
+            </a:r>
+          </a:p>
+        </p:txBody>
+      </p:sp>
+      <p:sp>
+        <p:nvSpPr>
+          <p:cNvPr id="4" name="Date Placeholder 3"/>
+          <p:cNvSpPr>
+            <a:spLocks noGrp="1"/>
+          </p:cNvSpPr>
+          <p:nvPr>
+            <p:ph type="dt" sz="half" idx="10"/>
+          </p:nvPr>
+        </p:nvSpPr>
+        <p:spPr/>
+        <p:txBody>
+          <a:bodyPr/>
+          <a:lstStyle/>
+          <a:p>
+            <a:fld id="{3B638056-2271-4463-BAE1-4AC5602DC725}" type="datetimeFigureOut">
+              <a:rPr lang="en-US" smtClean="0"/>
+              <a:t>12/31/2015</a:t>
+            </a:fld>
+            <a:endParaRPr lang="en-US"/>
+          </a:p>
+        </p:txBody>
+      </p:sp>
+      <p:sp>
+        <p:nvSpPr>
+          <p:cNvPr id="5" name="Footer Placeholder 4"/>
+          <p:cNvSpPr>
+            <a:spLocks noGrp="1"/>
+          </p:cNvSpPr>
+          <p:nvPr>
+            <p:ph type="ftr" sz="quarter" idx="11"/>
+          </p:nvPr>
+        </p:nvSpPr>
+        <p:spPr/>
+        <p:txBody>
+          <a:bodyPr/>
+          <a:lstStyle/>
+          <a:p>
+            <a:endParaRPr lang="en-US"/>
+          </a:p>
+        </p:txBody>
+      </p:sp>
+      <p:sp>
+        <p:nvSpPr>
+          <p:cNvPr id="6" name="Slide Number Placeholder 5"/>
+          <p:cNvSpPr>
+            <a:spLocks noGrp="1"/>
+          </p:cNvSpPr>
+          <p:nvPr>
+            <p:ph type="sldNum" sz="quarter" idx="12"/>
+          </p:nvPr>
+        </p:nvSpPr>
+        <p:spPr/>
+        <p:txBody>
+          <a:bodyPr/>
+          <a:lstStyle/>
+          <a:p>
+            <a:fld id="{0EC7EAB6-95B1-486F-8F06-36E4CD15C4D6}" type="slidenum">
+              <a:rPr lang="en-US" smtClean="0"/>
+              <a:t>‹#›</a:t>
+            </a:fld>
+            <a:endParaRPr lang="en-US"/>
+          </a:p>
+        </p:txBody>
+      </p:sp>
+    </p:spTree>
+    <p:extLst>
+      <p:ext uri="{BB962C8B-B14F-4D97-AF65-F5344CB8AC3E}">
+        <p14:creationId xmlns:p14="http://schemas.microsoft.com/office/powerpoint/2010/main" val="473813703"/>
+      </p:ext>
+    </p:extLst>
+  </p:cSld>
+  <p:clrMapOvr>
+    <a:masterClrMapping/>
+  </p:clrMapOvr>
+</p:sldLayout>
+</file>
+
+<file path=ppt/slideLayouts/slideLayout12.xml><?xml version="1.0" encoding="utf-8"?>
+<p:sldLayout xmlns:a="http://schemas.openxmlformats.org/drawingml/2006/main" xmlns:r="http://schemas.openxmlformats.org/officeDocument/2006/relationships" xmlns:p="http://schemas.openxmlformats.org/presentationml/2006/main" preserve="1">
+  <p:cSld name="Quote with Caption">
+    <p:spTree>
+      <p:nvGrpSpPr>
+        <p:cNvPr id="1" name=""/>
+        <p:cNvGrpSpPr/>
+        <p:nvPr/>
+      </p:nvGrpSpPr>
+      <p:grpSpPr>
+        <a:xfrm>
+          <a:off x="0" y="0"/>
+          <a:ext cx="0" cy="0"/>
+          <a:chOff x="0" y="0"/>
+          <a:chExt cx="0" cy="0"/>
+        </a:xfrm>
+      </p:grpSpPr>
+      <p:sp>
+        <p:nvSpPr>
+          <p:cNvPr id="2" name="Title 1"/>
+          <p:cNvSpPr>
+            <a:spLocks noGrp="1"/>
+          </p:cNvSpPr>
+          <p:nvPr>
+            <p:ph type="title"/>
+          </p:nvPr>
+        </p:nvSpPr>
+        <p:spPr>
+          <a:xfrm>
+            <a:off x="1574801" y="1447800"/>
+            <a:ext cx="7999315" cy="2323374"/>
+          </a:xfrm>
+        </p:spPr>
+        <p:txBody>
+          <a:bodyPr/>
+          <a:lstStyle>
+            <a:lvl1pPr>
+              <a:defRPr sz="4800"/>
+            </a:lvl1pPr>
+          </a:lstStyle>
+          <a:p>
+            <a:r>
+              <a:rPr lang="en-US" smtClean="0"/>
+              <a:t>Click to edit Master title style</a:t>
+            </a:r>
+            <a:endParaRPr lang="en-US" dirty="0"/>
+          </a:p>
+        </p:txBody>
+      </p:sp>
+      <p:sp>
+        <p:nvSpPr>
+          <p:cNvPr id="11" name="Text Placeholder 3"/>
+          <p:cNvSpPr>
+            <a:spLocks noGrp="1"/>
+          </p:cNvSpPr>
+          <p:nvPr>
+            <p:ph type="body" sz="half" idx="14"/>
+          </p:nvPr>
+        </p:nvSpPr>
+        <p:spPr>
+          <a:xfrm>
+            <a:off x="1930400" y="3771174"/>
+            <a:ext cx="7279649" cy="342174"/>
+          </a:xfrm>
+        </p:spPr>
+        <p:txBody>
+          <a:bodyPr vert="horz" lIns="91440" tIns="45720" rIns="91440" bIns="45720" rtlCol="0" anchor="t">
+            <a:normAutofit/>
+          </a:bodyPr>
+          <a:lstStyle>
+            <a:lvl1pPr marL="0" indent="0">
+              <a:buNone/>
+              <a:defRPr lang="en-US" sz="1400" b="0" i="0" kern="1200" cap="small" dirty="0">
+                <a:solidFill>
+                  <a:schemeClr val="bg2">
+                    <a:lumMod val="40000"/>
+                    <a:lumOff val="60000"/>
+                  </a:schemeClr>
+                </a:solidFill>
+                <a:latin typeface="+mj-lt"/>
+                <a:ea typeface="+mj-ea"/>
+                <a:cs typeface="+mj-cs"/>
+              </a:defRPr>
+            </a:lvl1pPr>
+            <a:lvl2pPr marL="457200" indent="0">
+              <a:buNone/>
+              <a:defRPr sz="1200"/>
+            </a:lvl2pPr>
+            <a:lvl3pPr marL="914400" indent="0">
+              <a:buNone/>
+              <a:defRPr sz="1000"/>
+            </a:lvl3pPr>
+            <a:lvl4pPr marL="1371600" indent="0">
+              <a:buNone/>
+              <a:defRPr sz="900"/>
+            </a:lvl4pPr>
+            <a:lvl5pPr marL="1828800" indent="0">
+              <a:buNone/>
+              <a:defRPr sz="900"/>
+            </a:lvl5pPr>
+            <a:lvl6pPr marL="2286000" indent="0">
+              <a:buNone/>
+              <a:defRPr sz="900"/>
+            </a:lvl6pPr>
+            <a:lvl7pPr marL="2743200" indent="0">
+              <a:buNone/>
+              <a:defRPr sz="900"/>
+            </a:lvl7pPr>
+            <a:lvl8pPr marL="3200400" indent="0">
+              <a:buNone/>
+              <a:defRPr sz="900"/>
+            </a:lvl8pPr>
+            <a:lvl9pPr marL="3657600" indent="0">
+              <a:buNone/>
+              <a:defRPr sz="900"/>
+            </a:lvl9pPr>
+          </a:lstStyle>
+          <a:p>
+            <a:pPr marL="0" lvl="0" indent="0">
+              <a:buNone/>
+            </a:pPr>
+            <a:r>
+              <a:rPr lang="en-US" smtClean="0"/>
+              <a:t>Click to edit Master text styles</a:t>
+            </a:r>
+          </a:p>
+        </p:txBody>
+      </p:sp>
+      <p:sp>
+        <p:nvSpPr>
+          <p:cNvPr id="10" name="Text Placeholder 3"/>
+          <p:cNvSpPr>
+            <a:spLocks noGrp="1"/>
+          </p:cNvSpPr>
+          <p:nvPr>
+            <p:ph type="body" sz="half" idx="2"/>
+          </p:nvPr>
+        </p:nvSpPr>
+        <p:spPr>
+          <a:xfrm>
+            <a:off x="1154954" y="4350657"/>
+            <a:ext cx="8825659" cy="1676400"/>
+          </a:xfrm>
+        </p:spPr>
+        <p:txBody>
+          <a:bodyPr anchor="ctr">
+            <a:normAutofit/>
+          </a:bodyPr>
+          <a:lstStyle>
+            <a:lvl1pPr marL="0" indent="0">
+              <a:buNone/>
+              <a:defRPr sz="1800"/>
+            </a:lvl1pPr>
+            <a:lvl2pPr marL="457200" indent="0">
+              <a:buNone/>
+              <a:defRPr sz="1200"/>
+            </a:lvl2pPr>
+            <a:lvl3pPr marL="914400" indent="0">
+              <a:buNone/>
+              <a:defRPr sz="1000"/>
+            </a:lvl3pPr>
+            <a:lvl4pPr marL="1371600" indent="0">
+              <a:buNone/>
+              <a:defRPr sz="900"/>
+            </a:lvl4pPr>
+            <a:lvl5pPr marL="1828800" indent="0">
+              <a:buNone/>
+              <a:defRPr sz="900"/>
+            </a:lvl5pPr>
+            <a:lvl6pPr marL="2286000" indent="0">
+              <a:buNone/>
+              <a:defRPr sz="900"/>
+            </a:lvl6pPr>
+            <a:lvl7pPr marL="2743200" indent="0">
+              <a:buNone/>
+              <a:defRPr sz="900"/>
+            </a:lvl7pPr>
+            <a:lvl8pPr marL="3200400" indent="0">
+              <a:buNone/>
+              <a:defRPr sz="900"/>
+            </a:lvl8pPr>
+            <a:lvl9pPr marL="3657600" indent="0">
+              <a:buNone/>
+              <a:defRPr sz="900"/>
+            </a:lvl9pPr>
+          </a:lstStyle>
+          <a:p>
+            <a:pPr lvl="0"/>
+            <a:r>
+              <a:rPr lang="en-US" smtClean="0"/>
+              <a:t>Click to edit Master text styles</a:t>
+            </a:r>
+          </a:p>
+        </p:txBody>
+      </p:sp>
+      <p:sp>
+        <p:nvSpPr>
+          <p:cNvPr id="4" name="Date Placeholder 3"/>
+          <p:cNvSpPr>
+            <a:spLocks noGrp="1"/>
+          </p:cNvSpPr>
+          <p:nvPr>
+            <p:ph type="dt" sz="half" idx="10"/>
+          </p:nvPr>
+        </p:nvSpPr>
+        <p:spPr/>
+        <p:txBody>
+          <a:bodyPr/>
+          <a:lstStyle/>
+          <a:p>
+            <a:fld id="{3B638056-2271-4463-BAE1-4AC5602DC725}" type="datetimeFigureOut">
+              <a:rPr lang="en-US" smtClean="0"/>
+              <a:t>12/31/2015</a:t>
+            </a:fld>
+            <a:endParaRPr lang="en-US"/>
+          </a:p>
+        </p:txBody>
+      </p:sp>
+      <p:sp>
+        <p:nvSpPr>
+          <p:cNvPr id="5" name="Footer Placeholder 4"/>
+          <p:cNvSpPr>
+            <a:spLocks noGrp="1"/>
+          </p:cNvSpPr>
+          <p:nvPr>
+            <p:ph type="ftr" sz="quarter" idx="11"/>
+          </p:nvPr>
+        </p:nvSpPr>
+        <p:spPr/>
+        <p:txBody>
+          <a:bodyPr/>
+          <a:lstStyle/>
+          <a:p>
+            <a:endParaRPr lang="en-US"/>
+          </a:p>
+        </p:txBody>
+      </p:sp>
+      <p:sp>
+        <p:nvSpPr>
+          <p:cNvPr id="6" name="Slide Number Placeholder 5"/>
+          <p:cNvSpPr>
+            <a:spLocks noGrp="1"/>
+          </p:cNvSpPr>
+          <p:nvPr>
+            <p:ph type="sldNum" sz="quarter" idx="12"/>
+          </p:nvPr>
+        </p:nvSpPr>
+        <p:spPr/>
+        <p:txBody>
+          <a:bodyPr/>
+          <a:lstStyle/>
+          <a:p>
+            <a:fld id="{0EC7EAB6-95B1-486F-8F06-36E4CD15C4D6}" type="slidenum">
+              <a:rPr lang="en-US" smtClean="0"/>
+              <a:t>‹#›</a:t>
+            </a:fld>
+            <a:endParaRPr lang="en-US"/>
+          </a:p>
+        </p:txBody>
+      </p:sp>
+      <p:sp>
+        <p:nvSpPr>
+          <p:cNvPr id="12" name="TextBox 11"/>
+          <p:cNvSpPr txBox="1"/>
+          <p:nvPr/>
+        </p:nvSpPr>
+        <p:spPr>
+          <a:xfrm>
+            <a:off x="898295" y="971253"/>
+            <a:ext cx="801912" cy="1969770"/>
+          </a:xfrm>
+          <a:prstGeom prst="rect">
+            <a:avLst/>
+          </a:prstGeom>
+          <a:noFill/>
+        </p:spPr>
+        <p:txBody>
+          <a:bodyPr wrap="square" rtlCol="0">
+            <a:spAutoFit/>
+          </a:bodyPr>
+          <a:lstStyle>
+            <a:defPPr>
+              <a:defRPr lang="en-US"/>
+            </a:defPPr>
+            <a:lvl1pPr algn="r">
+              <a:defRPr sz="12200" b="0" i="0">
+                <a:solidFill>
+                  <a:schemeClr val="bg2">
+                    <a:lumMod val="40000"/>
+                    <a:lumOff val="60000"/>
+                  </a:schemeClr>
+                </a:solidFill>
+                <a:latin typeface="Arial"/>
+                <a:ea typeface="+mj-ea"/>
+                <a:cs typeface="+mj-cs"/>
+              </a:defRPr>
+            </a:lvl1pPr>
+          </a:lstStyle>
+          <a:p>
+            <a:pPr lvl="0"/>
+            <a:r>
+              <a:rPr lang="en-US" dirty="0"/>
+              <a:t>“</a:t>
+            </a:r>
+          </a:p>
+        </p:txBody>
+      </p:sp>
+      <p:sp>
+        <p:nvSpPr>
+          <p:cNvPr id="15" name="TextBox 14"/>
+          <p:cNvSpPr txBox="1"/>
+          <p:nvPr/>
+        </p:nvSpPr>
+        <p:spPr>
+          <a:xfrm>
+            <a:off x="9330490" y="2613787"/>
+            <a:ext cx="801912" cy="1969770"/>
+          </a:xfrm>
+          <a:prstGeom prst="rect">
+            <a:avLst/>
+          </a:prstGeom>
+          <a:noFill/>
+        </p:spPr>
+        <p:txBody>
+          <a:bodyPr wrap="square" rtlCol="0">
+            <a:spAutoFit/>
+          </a:bodyPr>
+          <a:lstStyle>
+            <a:defPPr>
+              <a:defRPr lang="en-US"/>
+            </a:defPPr>
+            <a:lvl1pPr algn="r">
+              <a:defRPr sz="12200" b="0" i="0">
+                <a:solidFill>
+                  <a:schemeClr val="bg2">
+                    <a:lumMod val="40000"/>
+                    <a:lumOff val="60000"/>
+                  </a:schemeClr>
+                </a:solidFill>
+                <a:latin typeface="Arial"/>
+                <a:ea typeface="+mj-ea"/>
+                <a:cs typeface="+mj-cs"/>
+              </a:defRPr>
+            </a:lvl1pPr>
+          </a:lstStyle>
+          <a:p>
+            <a:pPr lvl="0"/>
+            <a:r>
+              <a:rPr lang="en-US" dirty="0"/>
+              <a:t>”</a:t>
+            </a:r>
+          </a:p>
+        </p:txBody>
+      </p:sp>
+    </p:spTree>
+    <p:extLst>
+      <p:ext uri="{BB962C8B-B14F-4D97-AF65-F5344CB8AC3E}">
+        <p14:creationId xmlns:p14="http://schemas.microsoft.com/office/powerpoint/2010/main" val="3399831665"/>
+      </p:ext>
+    </p:extLst>
+  </p:cSld>
+  <p:clrMapOvr>
+    <a:masterClrMapping/>
+  </p:clrMapOvr>
+</p:sldLayout>
+</file>
+
+<file path=ppt/slideLayouts/slideLayout13.xml><?xml version="1.0" encoding="utf-8"?>
+<p:sldLayout xmlns:a="http://schemas.openxmlformats.org/drawingml/2006/main" xmlns:r="http://schemas.openxmlformats.org/officeDocument/2006/relationships" xmlns:p="http://schemas.openxmlformats.org/presentationml/2006/main" preserve="1">
+  <p:cSld name="Name Card">
+    <p:spTree>
+      <p:nvGrpSpPr>
+        <p:cNvPr id="1" name=""/>
+        <p:cNvGrpSpPr/>
+        <p:nvPr/>
+      </p:nvGrpSpPr>
+      <p:grpSpPr>
+        <a:xfrm>
+          <a:off x="0" y="0"/>
+          <a:ext cx="0" cy="0"/>
+          <a:chOff x="0" y="0"/>
+          <a:chExt cx="0" cy="0"/>
+        </a:xfrm>
+      </p:grpSpPr>
+      <p:sp>
+        <p:nvSpPr>
+          <p:cNvPr id="2" name="Title 1"/>
+          <p:cNvSpPr>
+            <a:spLocks noGrp="1"/>
+          </p:cNvSpPr>
+          <p:nvPr>
+            <p:ph type="title"/>
+          </p:nvPr>
+        </p:nvSpPr>
+        <p:spPr>
+          <a:xfrm>
+            <a:off x="1154954" y="3124201"/>
+            <a:ext cx="8825660" cy="1653180"/>
+          </a:xfrm>
+        </p:spPr>
+        <p:txBody>
+          <a:bodyPr anchor="b"/>
+          <a:lstStyle>
+            <a:lvl1pPr algn="l">
+              <a:defRPr sz="4000" b="0" cap="none"/>
+            </a:lvl1pPr>
+          </a:lstStyle>
+          <a:p>
+            <a:r>
+              <a:rPr lang="en-US" smtClean="0"/>
+              <a:t>Click to edit Master title style</a:t>
+            </a:r>
+            <a:endParaRPr lang="en-US" dirty="0"/>
+          </a:p>
+        </p:txBody>
+      </p:sp>
+      <p:sp>
+        <p:nvSpPr>
+          <p:cNvPr id="3" name="Text Placeholder 2"/>
+          <p:cNvSpPr>
+            <a:spLocks noGrp="1"/>
+          </p:cNvSpPr>
+          <p:nvPr>
+            <p:ph type="body" idx="1"/>
+          </p:nvPr>
+        </p:nvSpPr>
+        <p:spPr>
+          <a:xfrm>
+            <a:off x="1154954" y="4777381"/>
+            <a:ext cx="8825659" cy="860400"/>
+          </a:xfrm>
+        </p:spPr>
+        <p:txBody>
+          <a:bodyPr anchor="t"/>
+          <a:lstStyle>
+            <a:lvl1pPr marL="0" indent="0" algn="l">
+              <a:buNone/>
+              <a:defRPr sz="2000" cap="none">
+                <a:solidFill>
+                  <a:schemeClr val="bg2">
+                    <a:lumMod val="40000"/>
+                    <a:lumOff val="60000"/>
+                  </a:schemeClr>
+                </a:solidFill>
+              </a:defRPr>
+            </a:lvl1pPr>
+            <a:lvl2pPr marL="457200" indent="0">
+              <a:buNone/>
+              <a:defRPr sz="1800">
+                <a:solidFill>
+                  <a:schemeClr val="tx1">
+                    <a:tint val="75000"/>
+                  </a:schemeClr>
+                </a:solidFill>
+              </a:defRPr>
+            </a:lvl2pPr>
+            <a:lvl3pPr marL="914400" indent="0">
+              <a:buNone/>
+              <a:defRPr sz="1600">
+                <a:solidFill>
+                  <a:schemeClr val="tx1">
+                    <a:tint val="75000"/>
+                  </a:schemeClr>
+                </a:solidFill>
+              </a:defRPr>
+            </a:lvl3pPr>
+            <a:lvl4pPr marL="1371600" indent="0">
+              <a:buNone/>
+              <a:defRPr sz="1400">
+                <a:solidFill>
+                  <a:schemeClr val="tx1">
+                    <a:tint val="75000"/>
+                  </a:schemeClr>
+                </a:solidFill>
+              </a:defRPr>
+            </a:lvl4pPr>
+            <a:lvl5pPr marL="1828800" indent="0">
+              <a:buNone/>
+              <a:defRPr sz="1400">
+                <a:solidFill>
+                  <a:schemeClr val="tx1">
+                    <a:tint val="75000"/>
+                  </a:schemeClr>
+                </a:solidFill>
+              </a:defRPr>
+            </a:lvl5pPr>
+            <a:lvl6pPr marL="2286000" indent="0">
+              <a:buNone/>
+              <a:defRPr sz="1400">
+                <a:solidFill>
+                  <a:schemeClr val="tx1">
+                    <a:tint val="75000"/>
+                  </a:schemeClr>
+                </a:solidFill>
+              </a:defRPr>
+            </a:lvl6pPr>
+            <a:lvl7pPr marL="2743200" indent="0">
+              <a:buNone/>
+              <a:defRPr sz="1400">
+                <a:solidFill>
+                  <a:schemeClr val="tx1">
+                    <a:tint val="75000"/>
+                  </a:schemeClr>
+                </a:solidFill>
+              </a:defRPr>
+            </a:lvl7pPr>
+            <a:lvl8pPr marL="3200400" indent="0">
+              <a:buNone/>
+              <a:defRPr sz="1400">
+                <a:solidFill>
+                  <a:schemeClr val="tx1">
+                    <a:tint val="75000"/>
+                  </a:schemeClr>
+                </a:solidFill>
+              </a:defRPr>
+            </a:lvl8pPr>
+            <a:lvl9pPr marL="3657600" indent="0">
+              <a:buNone/>
+              <a:defRPr sz="1400">
+                <a:solidFill>
+                  <a:schemeClr val="tx1">
+                    <a:tint val="75000"/>
+                  </a:schemeClr>
+                </a:solidFill>
+              </a:defRPr>
+            </a:lvl9pPr>
+          </a:lstStyle>
+          <a:p>
+            <a:pPr lvl="0"/>
+            <a:r>
+              <a:rPr lang="en-US" smtClean="0"/>
+              <a:t>Click to edit Master text styles</a:t>
+            </a:r>
+          </a:p>
+        </p:txBody>
+      </p:sp>
+      <p:sp>
+        <p:nvSpPr>
+          <p:cNvPr id="4" name="Date Placeholder 3"/>
+          <p:cNvSpPr>
+            <a:spLocks noGrp="1"/>
+          </p:cNvSpPr>
+          <p:nvPr>
+            <p:ph type="dt" sz="half" idx="10"/>
+          </p:nvPr>
+        </p:nvSpPr>
+        <p:spPr/>
+        <p:txBody>
+          <a:bodyPr/>
+          <a:lstStyle/>
+          <a:p>
+            <a:fld id="{3B638056-2271-4463-BAE1-4AC5602DC725}" type="datetimeFigureOut">
+              <a:rPr lang="en-US" smtClean="0"/>
+              <a:t>12/31/2015</a:t>
+            </a:fld>
+            <a:endParaRPr lang="en-US"/>
+          </a:p>
+        </p:txBody>
+      </p:sp>
+      <p:sp>
+        <p:nvSpPr>
+          <p:cNvPr id="5" name="Footer Placeholder 4"/>
+          <p:cNvSpPr>
+            <a:spLocks noGrp="1"/>
+          </p:cNvSpPr>
+          <p:nvPr>
+            <p:ph type="ftr" sz="quarter" idx="11"/>
+          </p:nvPr>
+        </p:nvSpPr>
+        <p:spPr/>
+        <p:txBody>
+          <a:bodyPr/>
+          <a:lstStyle/>
+          <a:p>
+            <a:endParaRPr lang="en-US"/>
+          </a:p>
+        </p:txBody>
+      </p:sp>
+      <p:sp>
+        <p:nvSpPr>
+          <p:cNvPr id="6" name="Slide Number Placeholder 5"/>
+          <p:cNvSpPr>
+            <a:spLocks noGrp="1"/>
+          </p:cNvSpPr>
+          <p:nvPr>
+            <p:ph type="sldNum" sz="quarter" idx="12"/>
+          </p:nvPr>
+        </p:nvSpPr>
+        <p:spPr/>
+        <p:txBody>
+          <a:bodyPr/>
+          <a:lstStyle/>
+          <a:p>
+            <a:fld id="{0EC7EAB6-95B1-486F-8F06-36E4CD15C4D6}" type="slidenum">
+              <a:rPr lang="en-US" smtClean="0"/>
+              <a:t>‹#›</a:t>
+            </a:fld>
+            <a:endParaRPr lang="en-US"/>
+          </a:p>
+        </p:txBody>
+      </p:sp>
+    </p:spTree>
+    <p:extLst>
+      <p:ext uri="{BB962C8B-B14F-4D97-AF65-F5344CB8AC3E}">
+        <p14:creationId xmlns:p14="http://schemas.microsoft.com/office/powerpoint/2010/main" val="3094792062"/>
+      </p:ext>
+    </p:extLst>
+  </p:cSld>
+  <p:clrMapOvr>
+    <a:masterClrMapping/>
+  </p:clrMapOvr>
+</p:sldLayout>
+</file>
+
+<file path=ppt/slideLayouts/slideLayout14.xml><?xml version="1.0" encoding="utf-8"?>
+<p:sldLayout xmlns:a="http://schemas.openxmlformats.org/drawingml/2006/main" xmlns:r="http://schemas.openxmlformats.org/officeDocument/2006/relationships" xmlns:p="http://schemas.openxmlformats.org/presentationml/2006/main" preserve="1">
+  <p:cSld name="3 Column">
+    <p:spTree>
+      <p:nvGrpSpPr>
+        <p:cNvPr id="1" name=""/>
+        <p:cNvGrpSpPr/>
+        <p:nvPr/>
+      </p:nvGrpSpPr>
+      <p:grpSpPr>
+        <a:xfrm>
+          <a:off x="0" y="0"/>
+          <a:ext cx="0" cy="0"/>
+          <a:chOff x="0" y="0"/>
+          <a:chExt cx="0" cy="0"/>
+        </a:xfrm>
+      </p:grpSpPr>
+      <p:sp>
+        <p:nvSpPr>
+          <p:cNvPr id="2" name="Title 1"/>
+          <p:cNvSpPr>
+            <a:spLocks noGrp="1"/>
+          </p:cNvSpPr>
+          <p:nvPr>
+            <p:ph type="title"/>
+          </p:nvPr>
+        </p:nvSpPr>
+        <p:spPr/>
+        <p:txBody>
+          <a:bodyPr/>
+          <a:lstStyle>
+            <a:lvl1pPr>
+              <a:defRPr sz="4200"/>
+            </a:lvl1pPr>
+          </a:lstStyle>
+          <a:p>
+            <a:r>
+              <a:rPr lang="en-US" smtClean="0"/>
+              <a:t>Click to edit Master title style</a:t>
+            </a:r>
+            <a:endParaRPr lang="en-US" dirty="0"/>
+          </a:p>
+        </p:txBody>
+      </p:sp>
+      <p:sp>
+        <p:nvSpPr>
+          <p:cNvPr id="3" name="Text Placeholder 2"/>
+          <p:cNvSpPr>
+            <a:spLocks noGrp="1"/>
+          </p:cNvSpPr>
+          <p:nvPr>
+            <p:ph type="body" idx="1"/>
+          </p:nvPr>
+        </p:nvSpPr>
+        <p:spPr>
+          <a:xfrm>
+            <a:off x="632947" y="1981200"/>
+            <a:ext cx="2946866" cy="576262"/>
+          </a:xfrm>
+        </p:spPr>
+        <p:txBody>
+          <a:bodyPr anchor="b">
+            <a:noAutofit/>
+          </a:bodyPr>
+          <a:lstStyle>
+            <a:lvl1pPr marL="0" indent="0">
+              <a:buNone/>
+              <a:defRPr sz="2400" b="0">
+                <a:solidFill>
+                  <a:schemeClr val="bg2">
+                    <a:lumMod val="40000"/>
+                    <a:lumOff val="60000"/>
+                  </a:schemeClr>
+                </a:solidFill>
+              </a:defRPr>
+            </a:lvl1pPr>
+            <a:lvl2pPr marL="457200" indent="0">
+              <a:buNone/>
+              <a:defRPr sz="2000" b="1"/>
+            </a:lvl2pPr>
+            <a:lvl3pPr marL="914400" indent="0">
+              <a:buNone/>
+              <a:defRPr sz="1800" b="1"/>
+            </a:lvl3pPr>
+            <a:lvl4pPr marL="1371600" indent="0">
+              <a:buNone/>
+              <a:defRPr sz="1600" b="1"/>
+            </a:lvl4pPr>
+            <a:lvl5pPr marL="1828800" indent="0">
+              <a:buNone/>
+              <a:defRPr sz="1600" b="1"/>
+            </a:lvl5pPr>
+            <a:lvl6pPr marL="2286000" indent="0">
+              <a:buNone/>
+              <a:defRPr sz="1600" b="1"/>
+            </a:lvl6pPr>
+            <a:lvl7pPr marL="2743200" indent="0">
+              <a:buNone/>
+              <a:defRPr sz="1600" b="1"/>
+            </a:lvl7pPr>
+            <a:lvl8pPr marL="3200400" indent="0">
+              <a:buNone/>
+              <a:defRPr sz="1600" b="1"/>
+            </a:lvl8pPr>
+            <a:lvl9pPr marL="3657600" indent="0">
+              <a:buNone/>
+              <a:defRPr sz="1600" b="1"/>
+            </a:lvl9pPr>
+          </a:lstStyle>
+          <a:p>
+            <a:pPr lvl="0"/>
+            <a:r>
+              <a:rPr lang="en-US" smtClean="0"/>
+              <a:t>Click to edit Master text styles</a:t>
+            </a:r>
+          </a:p>
+        </p:txBody>
+      </p:sp>
+      <p:sp>
+        <p:nvSpPr>
+          <p:cNvPr id="16" name="Text Placeholder 3"/>
+          <p:cNvSpPr>
+            <a:spLocks noGrp="1"/>
+          </p:cNvSpPr>
+          <p:nvPr>
+            <p:ph type="body" sz="half" idx="15"/>
+          </p:nvPr>
+        </p:nvSpPr>
+        <p:spPr>
+          <a:xfrm>
+            <a:off x="652463" y="2667000"/>
+            <a:ext cx="2927350" cy="3589338"/>
+          </a:xfrm>
+        </p:spPr>
+        <p:txBody>
+          <a:bodyPr anchor="t">
+            <a:normAutofit/>
+          </a:bodyPr>
+          <a:lstStyle>
+            <a:lvl1pPr marL="0" indent="0">
+              <a:buNone/>
+              <a:defRPr sz="1400"/>
+            </a:lvl1pPr>
+            <a:lvl2pPr marL="457200" indent="0">
+              <a:buNone/>
+              <a:defRPr sz="1200"/>
+            </a:lvl2pPr>
+            <a:lvl3pPr marL="914400" indent="0">
+              <a:buNone/>
+              <a:defRPr sz="1000"/>
+            </a:lvl3pPr>
+            <a:lvl4pPr marL="1371600" indent="0">
+              <a:buNone/>
+              <a:defRPr sz="900"/>
+            </a:lvl4pPr>
+            <a:lvl5pPr marL="1828800" indent="0">
+              <a:buNone/>
+              <a:defRPr sz="900"/>
+            </a:lvl5pPr>
+            <a:lvl6pPr marL="2286000" indent="0">
+              <a:buNone/>
+              <a:defRPr sz="900"/>
+            </a:lvl6pPr>
+            <a:lvl7pPr marL="2743200" indent="0">
+              <a:buNone/>
+              <a:defRPr sz="900"/>
+            </a:lvl7pPr>
+            <a:lvl8pPr marL="3200400" indent="0">
+              <a:buNone/>
+              <a:defRPr sz="900"/>
+            </a:lvl8pPr>
+            <a:lvl9pPr marL="3657600" indent="0">
+              <a:buNone/>
+              <a:defRPr sz="900"/>
+            </a:lvl9pPr>
+          </a:lstStyle>
+          <a:p>
+            <a:pPr lvl="0"/>
+            <a:r>
+              <a:rPr lang="en-US" smtClean="0"/>
+              <a:t>Click to edit Master text styles</a:t>
+            </a:r>
+          </a:p>
+        </p:txBody>
+      </p:sp>
+      <p:sp>
+        <p:nvSpPr>
+          <p:cNvPr id="5" name="Text Placeholder 4"/>
+          <p:cNvSpPr>
+            <a:spLocks noGrp="1"/>
+          </p:cNvSpPr>
+          <p:nvPr>
+            <p:ph type="body" sz="quarter" idx="3"/>
+          </p:nvPr>
+        </p:nvSpPr>
+        <p:spPr>
+          <a:xfrm>
+            <a:off x="3883659" y="1981200"/>
+            <a:ext cx="2936241" cy="576262"/>
+          </a:xfrm>
+        </p:spPr>
+        <p:txBody>
+          <a:bodyPr anchor="b">
+            <a:noAutofit/>
+          </a:bodyPr>
+          <a:lstStyle>
+            <a:lvl1pPr marL="0" indent="0">
+              <a:buNone/>
+              <a:defRPr sz="2400" b="0">
+                <a:solidFill>
+                  <a:schemeClr val="bg2">
+                    <a:lumMod val="40000"/>
+                    <a:lumOff val="60000"/>
+                  </a:schemeClr>
+                </a:solidFill>
+              </a:defRPr>
+            </a:lvl1pPr>
+            <a:lvl2pPr marL="457200" indent="0">
+              <a:buNone/>
+              <a:defRPr sz="2000" b="1"/>
+            </a:lvl2pPr>
+            <a:lvl3pPr marL="914400" indent="0">
+              <a:buNone/>
+              <a:defRPr sz="1800" b="1"/>
+            </a:lvl3pPr>
+            <a:lvl4pPr marL="1371600" indent="0">
+              <a:buNone/>
+              <a:defRPr sz="1600" b="1"/>
+            </a:lvl4pPr>
+            <a:lvl5pPr marL="1828800" indent="0">
+              <a:buNone/>
+              <a:defRPr sz="1600" b="1"/>
+            </a:lvl5pPr>
+            <a:lvl6pPr marL="2286000" indent="0">
+              <a:buNone/>
+              <a:defRPr sz="1600" b="1"/>
+            </a:lvl6pPr>
+            <a:lvl7pPr marL="2743200" indent="0">
+              <a:buNone/>
+              <a:defRPr sz="1600" b="1"/>
+            </a:lvl7pPr>
+            <a:lvl8pPr marL="3200400" indent="0">
+              <a:buNone/>
+              <a:defRPr sz="1600" b="1"/>
+            </a:lvl8pPr>
+            <a:lvl9pPr marL="3657600" indent="0">
+              <a:buNone/>
+              <a:defRPr sz="1600" b="1"/>
+            </a:lvl9pPr>
+          </a:lstStyle>
+          <a:p>
+            <a:pPr lvl="0"/>
+            <a:r>
+              <a:rPr lang="en-US" smtClean="0"/>
+              <a:t>Click to edit Master text styles</a:t>
+            </a:r>
+          </a:p>
+        </p:txBody>
+      </p:sp>
+      <p:sp>
+        <p:nvSpPr>
+          <p:cNvPr id="19" name="Text Placeholder 3"/>
+          <p:cNvSpPr>
+            <a:spLocks noGrp="1"/>
+          </p:cNvSpPr>
+          <p:nvPr>
+            <p:ph type="body" sz="half" idx="16"/>
+          </p:nvPr>
+        </p:nvSpPr>
+        <p:spPr>
+          <a:xfrm>
+            <a:off x="3873106" y="2667000"/>
+            <a:ext cx="2946794" cy="3589338"/>
+          </a:xfrm>
+        </p:spPr>
+        <p:txBody>
+          <a:bodyPr anchor="t">
+            <a:normAutofit/>
+          </a:bodyPr>
+          <a:lstStyle>
+            <a:lvl1pPr marL="0" indent="0">
+              <a:buNone/>
+              <a:defRPr sz="1400"/>
+            </a:lvl1pPr>
+            <a:lvl2pPr marL="457200" indent="0">
+              <a:buNone/>
+              <a:defRPr sz="1200"/>
+            </a:lvl2pPr>
+            <a:lvl3pPr marL="914400" indent="0">
+              <a:buNone/>
+              <a:defRPr sz="1000"/>
+            </a:lvl3pPr>
+            <a:lvl4pPr marL="1371600" indent="0">
+              <a:buNone/>
+              <a:defRPr sz="900"/>
+            </a:lvl4pPr>
+            <a:lvl5pPr marL="1828800" indent="0">
+              <a:buNone/>
+              <a:defRPr sz="900"/>
+            </a:lvl5pPr>
+            <a:lvl6pPr marL="2286000" indent="0">
+              <a:buNone/>
+              <a:defRPr sz="900"/>
+            </a:lvl6pPr>
+            <a:lvl7pPr marL="2743200" indent="0">
+              <a:buNone/>
+              <a:defRPr sz="900"/>
+            </a:lvl7pPr>
+            <a:lvl8pPr marL="3200400" indent="0">
+              <a:buNone/>
+              <a:defRPr sz="900"/>
+            </a:lvl8pPr>
+            <a:lvl9pPr marL="3657600" indent="0">
+              <a:buNone/>
+              <a:defRPr sz="900"/>
+            </a:lvl9pPr>
+          </a:lstStyle>
+          <a:p>
+            <a:pPr lvl="0"/>
+            <a:r>
+              <a:rPr lang="en-US" smtClean="0"/>
+              <a:t>Click to edit Master text styles</a:t>
+            </a:r>
+          </a:p>
+        </p:txBody>
+      </p:sp>
+      <p:sp>
+        <p:nvSpPr>
+          <p:cNvPr id="14" name="Text Placeholder 4"/>
+          <p:cNvSpPr>
+            <a:spLocks noGrp="1"/>
+          </p:cNvSpPr>
+          <p:nvPr>
+            <p:ph type="body" sz="quarter" idx="13"/>
+          </p:nvPr>
+        </p:nvSpPr>
+        <p:spPr>
+          <a:xfrm>
+            <a:off x="7124700" y="1981200"/>
+            <a:ext cx="2932113" cy="576262"/>
+          </a:xfrm>
+        </p:spPr>
+        <p:txBody>
+          <a:bodyPr anchor="b">
+            <a:noAutofit/>
+          </a:bodyPr>
+          <a:lstStyle>
+            <a:lvl1pPr marL="0" indent="0">
+              <a:buNone/>
+              <a:defRPr sz="2400" b="0">
+                <a:solidFill>
+                  <a:schemeClr val="bg2">
+                    <a:lumMod val="40000"/>
+                    <a:lumOff val="60000"/>
+                  </a:schemeClr>
+                </a:solidFill>
+              </a:defRPr>
+            </a:lvl1pPr>
+            <a:lvl2pPr marL="457200" indent="0">
+              <a:buNone/>
+              <a:defRPr sz="2000" b="1"/>
+            </a:lvl2pPr>
+            <a:lvl3pPr marL="914400" indent="0">
+              <a:buNone/>
+              <a:defRPr sz="1800" b="1"/>
+            </a:lvl3pPr>
+            <a:lvl4pPr marL="1371600" indent="0">
+              <a:buNone/>
+              <a:defRPr sz="1600" b="1"/>
+            </a:lvl4pPr>
+            <a:lvl5pPr marL="1828800" indent="0">
+              <a:buNone/>
+              <a:defRPr sz="1600" b="1"/>
+            </a:lvl5pPr>
+            <a:lvl6pPr marL="2286000" indent="0">
+              <a:buNone/>
+              <a:defRPr sz="1600" b="1"/>
+            </a:lvl6pPr>
+            <a:lvl7pPr marL="2743200" indent="0">
+              <a:buNone/>
+              <a:defRPr sz="1600" b="1"/>
+            </a:lvl7pPr>
+            <a:lvl8pPr marL="3200400" indent="0">
+              <a:buNone/>
+              <a:defRPr sz="1600" b="1"/>
+            </a:lvl8pPr>
+            <a:lvl9pPr marL="3657600" indent="0">
+              <a:buNone/>
+              <a:defRPr sz="1600" b="1"/>
+            </a:lvl9pPr>
+          </a:lstStyle>
+          <a:p>
+            <a:pPr lvl="0"/>
+            <a:r>
+              <a:rPr lang="en-US" smtClean="0"/>
+              <a:t>Click to edit Master text styles</a:t>
+            </a:r>
+          </a:p>
+        </p:txBody>
+      </p:sp>
+      <p:sp>
+        <p:nvSpPr>
+          <p:cNvPr id="20" name="Text Placeholder 3"/>
+          <p:cNvSpPr>
+            <a:spLocks noGrp="1"/>
+          </p:cNvSpPr>
+          <p:nvPr>
+            <p:ph type="body" sz="half" idx="17"/>
+          </p:nvPr>
+        </p:nvSpPr>
+        <p:spPr>
+          <a:xfrm>
+            <a:off x="7124700" y="2667000"/>
+            <a:ext cx="2932113" cy="3589338"/>
+          </a:xfrm>
+        </p:spPr>
+        <p:txBody>
+          <a:bodyPr anchor="t">
+            <a:normAutofit/>
+          </a:bodyPr>
+          <a:lstStyle>
+            <a:lvl1pPr marL="0" indent="0">
+              <a:buNone/>
+              <a:defRPr sz="1400"/>
+            </a:lvl1pPr>
+            <a:lvl2pPr marL="457200" indent="0">
+              <a:buNone/>
+              <a:defRPr sz="1200"/>
+            </a:lvl2pPr>
+            <a:lvl3pPr marL="914400" indent="0">
+              <a:buNone/>
+              <a:defRPr sz="1000"/>
+            </a:lvl3pPr>
+            <a:lvl4pPr marL="1371600" indent="0">
+              <a:buNone/>
+              <a:defRPr sz="900"/>
+            </a:lvl4pPr>
+            <a:lvl5pPr marL="1828800" indent="0">
+              <a:buNone/>
+              <a:defRPr sz="900"/>
+            </a:lvl5pPr>
+            <a:lvl6pPr marL="2286000" indent="0">
+              <a:buNone/>
+              <a:defRPr sz="900"/>
+            </a:lvl6pPr>
+            <a:lvl7pPr marL="2743200" indent="0">
+              <a:buNone/>
+              <a:defRPr sz="900"/>
+            </a:lvl7pPr>
+            <a:lvl8pPr marL="3200400" indent="0">
+              <a:buNone/>
+              <a:defRPr sz="900"/>
+            </a:lvl8pPr>
+            <a:lvl9pPr marL="3657600" indent="0">
+              <a:buNone/>
+              <a:defRPr sz="900"/>
+            </a:lvl9pPr>
+          </a:lstStyle>
+          <a:p>
+            <a:pPr lvl="0"/>
+            <a:r>
+              <a:rPr lang="en-US" smtClean="0"/>
+              <a:t>Click to edit Master text styles</a:t>
+            </a:r>
+          </a:p>
+        </p:txBody>
+      </p:sp>
+      <p:cxnSp>
+        <p:nvCxnSpPr>
+          <p:cNvPr id="17" name="Straight Connector 16"/>
+          <p:cNvCxnSpPr/>
+          <p:nvPr/>
+        </p:nvCxnSpPr>
+        <p:spPr>
+          <a:xfrm>
+            <a:off x="3726142" y="2133600"/>
+            <a:ext cx="0" cy="3962400"/>
+          </a:xfrm>
+          <a:prstGeom prst="line">
+            <a:avLst/>
+          </a:prstGeom>
+          <a:ln w="12700" cmpd="sng">
+            <a:solidFill>
+              <a:schemeClr val="bg2">
+                <a:lumMod val="40000"/>
+                <a:lumOff val="60000"/>
+                <a:alpha val="40000"/>
+              </a:schemeClr>
+            </a:solidFill>
+          </a:ln>
+        </p:spPr>
+        <p:style>
+          <a:lnRef idx="2">
+            <a:schemeClr val="accent1"/>
+          </a:lnRef>
+          <a:fillRef idx="0">
+            <a:schemeClr val="accent1"/>
+          </a:fillRef>
+          <a:effectRef idx="1">
+            <a:schemeClr val="accent1"/>
+          </a:effectRef>
+          <a:fontRef idx="minor">
+            <a:schemeClr val="tx1"/>
+          </a:fontRef>
+        </p:style>
+      </p:cxnSp>
+      <p:cxnSp>
+        <p:nvCxnSpPr>
+          <p:cNvPr id="18" name="Straight Connector 17"/>
+          <p:cNvCxnSpPr/>
+          <p:nvPr/>
+        </p:nvCxnSpPr>
+        <p:spPr>
+          <a:xfrm>
+            <a:off x="6962227" y="2133600"/>
+            <a:ext cx="0" cy="3966882"/>
+          </a:xfrm>
+          <a:prstGeom prst="line">
+            <a:avLst/>
+          </a:prstGeom>
+          <a:ln w="12700" cmpd="sng">
+            <a:solidFill>
+              <a:schemeClr val="bg2">
+                <a:lumMod val="40000"/>
+                <a:lumOff val="60000"/>
+                <a:alpha val="40000"/>
+              </a:schemeClr>
+            </a:solidFill>
+          </a:ln>
+        </p:spPr>
+        <p:style>
+          <a:lnRef idx="2">
+            <a:schemeClr val="accent1"/>
+          </a:lnRef>
+          <a:fillRef idx="0">
+            <a:schemeClr val="accent1"/>
+          </a:fillRef>
+          <a:effectRef idx="1">
+            <a:schemeClr val="accent1"/>
+          </a:effectRef>
+          <a:fontRef idx="minor">
+            <a:schemeClr val="tx1"/>
+          </a:fontRef>
+        </p:style>
+      </p:cxnSp>
+      <p:sp>
+        <p:nvSpPr>
+          <p:cNvPr id="7" name="Date Placeholder 3"/>
+          <p:cNvSpPr>
+            <a:spLocks noGrp="1"/>
+          </p:cNvSpPr>
+          <p:nvPr>
+            <p:ph type="dt" sz="half" idx="10"/>
+          </p:nvPr>
+        </p:nvSpPr>
+        <p:spPr/>
+        <p:txBody>
+          <a:bodyPr/>
+          <a:lstStyle/>
+          <a:p>
+            <a:fld id="{3B638056-2271-4463-BAE1-4AC5602DC725}" type="datetimeFigureOut">
+              <a:rPr lang="en-US" smtClean="0"/>
+              <a:t>12/31/2015</a:t>
+            </a:fld>
+            <a:endParaRPr lang="en-US"/>
+          </a:p>
+        </p:txBody>
+      </p:sp>
+      <p:sp>
+        <p:nvSpPr>
+          <p:cNvPr id="4" name="Footer Placeholder 4"/>
+          <p:cNvSpPr>
+            <a:spLocks noGrp="1"/>
+          </p:cNvSpPr>
+          <p:nvPr>
+            <p:ph type="ftr" sz="quarter" idx="11"/>
+          </p:nvPr>
+        </p:nvSpPr>
+        <p:spPr/>
+        <p:txBody>
+          <a:bodyPr/>
+          <a:lstStyle/>
+          <a:p>
+            <a:endParaRPr lang="en-US"/>
+          </a:p>
+        </p:txBody>
+      </p:sp>
+      <p:sp>
+        <p:nvSpPr>
+          <p:cNvPr id="6" name="Slide Number Placeholder 5"/>
+          <p:cNvSpPr>
+            <a:spLocks noGrp="1"/>
+          </p:cNvSpPr>
+          <p:nvPr>
+            <p:ph type="sldNum" sz="quarter" idx="12"/>
+          </p:nvPr>
+        </p:nvSpPr>
+        <p:spPr/>
+        <p:txBody>
+          <a:bodyPr/>
+          <a:lstStyle/>
+          <a:p>
+            <a:fld id="{0EC7EAB6-95B1-486F-8F06-36E4CD15C4D6}" type="slidenum">
+              <a:rPr lang="en-US" smtClean="0"/>
+              <a:t>‹#›</a:t>
+            </a:fld>
+            <a:endParaRPr lang="en-US"/>
+          </a:p>
+        </p:txBody>
+      </p:sp>
+    </p:spTree>
+    <p:extLst>
+      <p:ext uri="{BB962C8B-B14F-4D97-AF65-F5344CB8AC3E}">
+        <p14:creationId xmlns:p14="http://schemas.microsoft.com/office/powerpoint/2010/main" val="4078698221"/>
+      </p:ext>
+    </p:extLst>
+  </p:cSld>
+  <p:clrMapOvr>
+    <a:masterClrMapping/>
+  </p:clrMapOvr>
+</p:sldLayout>
+</file>
+
+<file path=ppt/slideLayouts/slideLayout15.xml><?xml version="1.0" encoding="utf-8"?>
+<p:sldLayout xmlns:a="http://schemas.openxmlformats.org/drawingml/2006/main" xmlns:r="http://schemas.openxmlformats.org/officeDocument/2006/relationships" xmlns:p="http://schemas.openxmlformats.org/presentationml/2006/main" preserve="1">
+  <p:cSld name="3 Picture Column">
+    <p:spTree>
+      <p:nvGrpSpPr>
+        <p:cNvPr id="1" name=""/>
+        <p:cNvGrpSpPr/>
+        <p:nvPr/>
+      </p:nvGrpSpPr>
+      <p:grpSpPr>
+        <a:xfrm>
+          <a:off x="0" y="0"/>
+          <a:ext cx="0" cy="0"/>
+          <a:chOff x="0" y="0"/>
+          <a:chExt cx="0" cy="0"/>
+        </a:xfrm>
+      </p:grpSpPr>
+      <p:sp>
+        <p:nvSpPr>
+          <p:cNvPr id="2" name="Title 1"/>
+          <p:cNvSpPr>
+            <a:spLocks noGrp="1"/>
+          </p:cNvSpPr>
+          <p:nvPr>
+            <p:ph type="title"/>
+          </p:nvPr>
+        </p:nvSpPr>
+        <p:spPr/>
+        <p:txBody>
+          <a:bodyPr/>
+          <a:lstStyle>
+            <a:lvl1pPr>
+              <a:defRPr sz="4200"/>
+            </a:lvl1pPr>
+          </a:lstStyle>
+          <a:p>
+            <a:r>
+              <a:rPr lang="en-US" smtClean="0"/>
+              <a:t>Click to edit Master title style</a:t>
+            </a:r>
+            <a:endParaRPr lang="en-US" dirty="0"/>
+          </a:p>
+        </p:txBody>
+      </p:sp>
+      <p:sp>
+        <p:nvSpPr>
+          <p:cNvPr id="3" name="Text Placeholder 2"/>
+          <p:cNvSpPr>
+            <a:spLocks noGrp="1"/>
+          </p:cNvSpPr>
+          <p:nvPr>
+            <p:ph type="body" idx="1"/>
+          </p:nvPr>
+        </p:nvSpPr>
+        <p:spPr>
+          <a:xfrm>
+            <a:off x="652463" y="4250949"/>
+            <a:ext cx="2940050" cy="576262"/>
+          </a:xfrm>
+        </p:spPr>
+        <p:txBody>
+          <a:bodyPr anchor="b">
+            <a:noAutofit/>
+          </a:bodyPr>
+          <a:lstStyle>
+            <a:lvl1pPr marL="0" indent="0">
+              <a:buNone/>
+              <a:defRPr sz="2400" b="0">
+                <a:solidFill>
+                  <a:schemeClr val="bg2">
+                    <a:lumMod val="40000"/>
+                    <a:lumOff val="60000"/>
+                  </a:schemeClr>
+                </a:solidFill>
+              </a:defRPr>
+            </a:lvl1pPr>
+            <a:lvl2pPr marL="457200" indent="0">
+              <a:buNone/>
+              <a:defRPr sz="2000" b="1"/>
+            </a:lvl2pPr>
+            <a:lvl3pPr marL="914400" indent="0">
+              <a:buNone/>
+              <a:defRPr sz="1800" b="1"/>
+            </a:lvl3pPr>
+            <a:lvl4pPr marL="1371600" indent="0">
+              <a:buNone/>
+              <a:defRPr sz="1600" b="1"/>
+            </a:lvl4pPr>
+            <a:lvl5pPr marL="1828800" indent="0">
+              <a:buNone/>
+              <a:defRPr sz="1600" b="1"/>
+            </a:lvl5pPr>
+            <a:lvl6pPr marL="2286000" indent="0">
+              <a:buNone/>
+              <a:defRPr sz="1600" b="1"/>
+            </a:lvl6pPr>
+            <a:lvl7pPr marL="2743200" indent="0">
+              <a:buNone/>
+              <a:defRPr sz="1600" b="1"/>
+            </a:lvl7pPr>
+            <a:lvl8pPr marL="3200400" indent="0">
+              <a:buNone/>
+              <a:defRPr sz="1600" b="1"/>
+            </a:lvl8pPr>
+            <a:lvl9pPr marL="3657600" indent="0">
+              <a:buNone/>
+              <a:defRPr sz="1600" b="1"/>
+            </a:lvl9pPr>
+          </a:lstStyle>
+          <a:p>
+            <a:pPr lvl="0"/>
+            <a:r>
+              <a:rPr lang="en-US" smtClean="0"/>
+              <a:t>Click to edit Master text styles</a:t>
+            </a:r>
+          </a:p>
+        </p:txBody>
+      </p:sp>
+      <p:sp>
+        <p:nvSpPr>
+          <p:cNvPr id="29" name="Picture Placeholder 2"/>
+          <p:cNvSpPr>
+            <a:spLocks noGrp="1" noChangeAspect="1"/>
+          </p:cNvSpPr>
+          <p:nvPr>
+            <p:ph type="pic" idx="15"/>
+          </p:nvPr>
+        </p:nvSpPr>
+        <p:spPr>
+          <a:xfrm>
+            <a:off x="652463" y="2209800"/>
+            <a:ext cx="2940050" cy="1524000"/>
+          </a:xfrm>
+          <a:prstGeom prst="roundRect">
+            <a:avLst>
+              <a:gd name="adj" fmla="val 1858"/>
+            </a:avLst>
+          </a:prstGeom>
+          <a:effectLst>
+            <a:outerShdw blurRad="50800" dist="50800" dir="5400000" algn="tl" rotWithShape="0">
+              <a:srgbClr val="000000">
+                <a:alpha val="43000"/>
+              </a:srgbClr>
+            </a:outerShdw>
+          </a:effectLst>
+        </p:spPr>
+        <p:txBody>
+          <a:bodyPr anchor="t">
+            <a:normAutofit/>
+          </a:bodyPr>
+          <a:lstStyle>
+            <a:lvl1pPr marL="0" indent="0" algn="ctr">
+              <a:buNone/>
+              <a:defRPr sz="1600"/>
+            </a:lvl1pPr>
+            <a:lvl2pPr marL="457200" indent="0">
+              <a:buNone/>
+              <a:defRPr sz="1600"/>
+            </a:lvl2pPr>
+            <a:lvl3pPr marL="914400" indent="0">
+              <a:buNone/>
+              <a:defRPr sz="1600"/>
+            </a:lvl3pPr>
+            <a:lvl4pPr marL="1371600" indent="0">
+              <a:buNone/>
+              <a:defRPr sz="1600"/>
+            </a:lvl4pPr>
+            <a:lvl5pPr marL="1828800" indent="0">
+              <a:buNone/>
+              <a:defRPr sz="1600"/>
+            </a:lvl5pPr>
+            <a:lvl6pPr marL="2286000" indent="0">
+              <a:buNone/>
+              <a:defRPr sz="1600"/>
+            </a:lvl6pPr>
+            <a:lvl7pPr marL="2743200" indent="0">
+              <a:buNone/>
+              <a:defRPr sz="1600"/>
+            </a:lvl7pPr>
+            <a:lvl8pPr marL="3200400" indent="0">
+              <a:buNone/>
+              <a:defRPr sz="1600"/>
+            </a:lvl8pPr>
+            <a:lvl9pPr marL="3657600" indent="0">
+              <a:buNone/>
+              <a:defRPr sz="1600"/>
+            </a:lvl9pPr>
+          </a:lstStyle>
+          <a:p>
+            <a:r>
+              <a:rPr lang="en-US" smtClean="0"/>
+              <a:t>Click icon to add picture</a:t>
+            </a:r>
+            <a:endParaRPr lang="en-US" dirty="0"/>
+          </a:p>
+        </p:txBody>
+      </p:sp>
+      <p:sp>
+        <p:nvSpPr>
+          <p:cNvPr id="22" name="Text Placeholder 3"/>
+          <p:cNvSpPr>
+            <a:spLocks noGrp="1"/>
+          </p:cNvSpPr>
+          <p:nvPr>
+            <p:ph type="body" sz="half" idx="18"/>
+          </p:nvPr>
+        </p:nvSpPr>
+        <p:spPr>
+          <a:xfrm>
+            <a:off x="652463" y="4827211"/>
+            <a:ext cx="2940050" cy="659189"/>
+          </a:xfrm>
+        </p:spPr>
+        <p:txBody>
+          <a:bodyPr anchor="t">
+            <a:normAutofit/>
+          </a:bodyPr>
+          <a:lstStyle>
+            <a:lvl1pPr marL="0" indent="0">
+              <a:buNone/>
+              <a:defRPr sz="1400"/>
+            </a:lvl1pPr>
+            <a:lvl2pPr marL="457200" indent="0">
+              <a:buNone/>
+              <a:defRPr sz="1200"/>
+            </a:lvl2pPr>
+            <a:lvl3pPr marL="914400" indent="0">
+              <a:buNone/>
+              <a:defRPr sz="1000"/>
+            </a:lvl3pPr>
+            <a:lvl4pPr marL="1371600" indent="0">
+              <a:buNone/>
+              <a:defRPr sz="900"/>
+            </a:lvl4pPr>
+            <a:lvl5pPr marL="1828800" indent="0">
+              <a:buNone/>
+              <a:defRPr sz="900"/>
+            </a:lvl5pPr>
+            <a:lvl6pPr marL="2286000" indent="0">
+              <a:buNone/>
+              <a:defRPr sz="900"/>
+            </a:lvl6pPr>
+            <a:lvl7pPr marL="2743200" indent="0">
+              <a:buNone/>
+              <a:defRPr sz="900"/>
+            </a:lvl7pPr>
+            <a:lvl8pPr marL="3200400" indent="0">
+              <a:buNone/>
+              <a:defRPr sz="900"/>
+            </a:lvl8pPr>
+            <a:lvl9pPr marL="3657600" indent="0">
+              <a:buNone/>
+              <a:defRPr sz="900"/>
+            </a:lvl9pPr>
+          </a:lstStyle>
+          <a:p>
+            <a:pPr lvl="0"/>
+            <a:r>
+              <a:rPr lang="en-US" smtClean="0"/>
+              <a:t>Click to edit Master text styles</a:t>
+            </a:r>
+          </a:p>
+        </p:txBody>
+      </p:sp>
+      <p:sp>
+        <p:nvSpPr>
+          <p:cNvPr id="5" name="Text Placeholder 4"/>
+          <p:cNvSpPr>
+            <a:spLocks noGrp="1"/>
+          </p:cNvSpPr>
+          <p:nvPr>
+            <p:ph type="body" sz="quarter" idx="3"/>
+          </p:nvPr>
+        </p:nvSpPr>
+        <p:spPr>
+          <a:xfrm>
+            <a:off x="3889375" y="4250949"/>
+            <a:ext cx="2930525" cy="576262"/>
+          </a:xfrm>
+        </p:spPr>
+        <p:txBody>
+          <a:bodyPr anchor="b">
+            <a:noAutofit/>
+          </a:bodyPr>
+          <a:lstStyle>
+            <a:lvl1pPr marL="0" indent="0">
+              <a:buNone/>
+              <a:defRPr sz="2400" b="0">
+                <a:solidFill>
+                  <a:schemeClr val="bg2">
+                    <a:lumMod val="40000"/>
+                    <a:lumOff val="60000"/>
+                  </a:schemeClr>
+                </a:solidFill>
+              </a:defRPr>
+            </a:lvl1pPr>
+            <a:lvl2pPr marL="457200" indent="0">
+              <a:buNone/>
+              <a:defRPr sz="2000" b="1"/>
+            </a:lvl2pPr>
+            <a:lvl3pPr marL="914400" indent="0">
+              <a:buNone/>
+              <a:defRPr sz="1800" b="1"/>
+            </a:lvl3pPr>
+            <a:lvl4pPr marL="1371600" indent="0">
+              <a:buNone/>
+              <a:defRPr sz="1600" b="1"/>
+            </a:lvl4pPr>
+            <a:lvl5pPr marL="1828800" indent="0">
+              <a:buNone/>
+              <a:defRPr sz="1600" b="1"/>
+            </a:lvl5pPr>
+            <a:lvl6pPr marL="2286000" indent="0">
+              <a:buNone/>
+              <a:defRPr sz="1600" b="1"/>
+            </a:lvl6pPr>
+            <a:lvl7pPr marL="2743200" indent="0">
+              <a:buNone/>
+              <a:defRPr sz="1600" b="1"/>
+            </a:lvl7pPr>
+            <a:lvl8pPr marL="3200400" indent="0">
+              <a:buNone/>
+              <a:defRPr sz="1600" b="1"/>
+            </a:lvl8pPr>
+            <a:lvl9pPr marL="3657600" indent="0">
+              <a:buNone/>
+              <a:defRPr sz="1600" b="1"/>
+            </a:lvl9pPr>
+          </a:lstStyle>
+          <a:p>
+            <a:pPr lvl="0"/>
+            <a:r>
+              <a:rPr lang="en-US" smtClean="0"/>
+              <a:t>Click to edit Master text styles</a:t>
+            </a:r>
+          </a:p>
+        </p:txBody>
+      </p:sp>
+      <p:sp>
+        <p:nvSpPr>
+          <p:cNvPr id="30" name="Picture Placeholder 2"/>
+          <p:cNvSpPr>
+            <a:spLocks noGrp="1" noChangeAspect="1"/>
+          </p:cNvSpPr>
+          <p:nvPr>
+            <p:ph type="pic" idx="21"/>
+          </p:nvPr>
+        </p:nvSpPr>
+        <p:spPr>
+          <a:xfrm>
+            <a:off x="3889374" y="2209800"/>
+            <a:ext cx="2930525" cy="1524000"/>
+          </a:xfrm>
+          <a:prstGeom prst="roundRect">
+            <a:avLst>
+              <a:gd name="adj" fmla="val 1858"/>
+            </a:avLst>
+          </a:prstGeom>
+          <a:effectLst>
+            <a:outerShdw blurRad="50800" dist="50800" dir="5400000" algn="tl" rotWithShape="0">
+              <a:srgbClr val="000000">
+                <a:alpha val="43000"/>
+              </a:srgbClr>
+            </a:outerShdw>
+          </a:effectLst>
+        </p:spPr>
+        <p:txBody>
+          <a:bodyPr anchor="t">
+            <a:normAutofit/>
+          </a:bodyPr>
+          <a:lstStyle>
+            <a:lvl1pPr marL="0" indent="0" algn="ctr">
+              <a:buNone/>
+              <a:defRPr sz="1600"/>
+            </a:lvl1pPr>
+            <a:lvl2pPr marL="457200" indent="0">
+              <a:buNone/>
+              <a:defRPr sz="1600"/>
+            </a:lvl2pPr>
+            <a:lvl3pPr marL="914400" indent="0">
+              <a:buNone/>
+              <a:defRPr sz="1600"/>
+            </a:lvl3pPr>
+            <a:lvl4pPr marL="1371600" indent="0">
+              <a:buNone/>
+              <a:defRPr sz="1600"/>
+            </a:lvl4pPr>
+            <a:lvl5pPr marL="1828800" indent="0">
+              <a:buNone/>
+              <a:defRPr sz="1600"/>
+            </a:lvl5pPr>
+            <a:lvl6pPr marL="2286000" indent="0">
+              <a:buNone/>
+              <a:defRPr sz="1600"/>
+            </a:lvl6pPr>
+            <a:lvl7pPr marL="2743200" indent="0">
+              <a:buNone/>
+              <a:defRPr sz="1600"/>
+            </a:lvl7pPr>
+            <a:lvl8pPr marL="3200400" indent="0">
+              <a:buNone/>
+              <a:defRPr sz="1600"/>
+            </a:lvl8pPr>
+            <a:lvl9pPr marL="3657600" indent="0">
+              <a:buNone/>
+              <a:defRPr sz="1600"/>
+            </a:lvl9pPr>
+          </a:lstStyle>
+          <a:p>
+            <a:r>
+              <a:rPr lang="en-US" smtClean="0"/>
+              <a:t>Click icon to add picture</a:t>
+            </a:r>
+            <a:endParaRPr lang="en-US" dirty="0"/>
+          </a:p>
+        </p:txBody>
+      </p:sp>
+      <p:sp>
+        <p:nvSpPr>
+          <p:cNvPr id="23" name="Text Placeholder 3"/>
+          <p:cNvSpPr>
+            <a:spLocks noGrp="1"/>
+          </p:cNvSpPr>
+          <p:nvPr>
+            <p:ph type="body" sz="half" idx="19"/>
+          </p:nvPr>
+        </p:nvSpPr>
+        <p:spPr>
+          <a:xfrm>
+            <a:off x="3888022" y="4827210"/>
+            <a:ext cx="2934406" cy="659189"/>
+          </a:xfrm>
+        </p:spPr>
+        <p:txBody>
+          <a:bodyPr anchor="t">
+            <a:normAutofit/>
+          </a:bodyPr>
+          <a:lstStyle>
+            <a:lvl1pPr marL="0" indent="0">
+              <a:buNone/>
+              <a:defRPr sz="1400"/>
+            </a:lvl1pPr>
+            <a:lvl2pPr marL="457200" indent="0">
+              <a:buNone/>
+              <a:defRPr sz="1200"/>
+            </a:lvl2pPr>
+            <a:lvl3pPr marL="914400" indent="0">
+              <a:buNone/>
+              <a:defRPr sz="1000"/>
+            </a:lvl3pPr>
+            <a:lvl4pPr marL="1371600" indent="0">
+              <a:buNone/>
+              <a:defRPr sz="900"/>
+            </a:lvl4pPr>
+            <a:lvl5pPr marL="1828800" indent="0">
+              <a:buNone/>
+              <a:defRPr sz="900"/>
+            </a:lvl5pPr>
+            <a:lvl6pPr marL="2286000" indent="0">
+              <a:buNone/>
+              <a:defRPr sz="900"/>
+            </a:lvl6pPr>
+            <a:lvl7pPr marL="2743200" indent="0">
+              <a:buNone/>
+              <a:defRPr sz="900"/>
+            </a:lvl7pPr>
+            <a:lvl8pPr marL="3200400" indent="0">
+              <a:buNone/>
+              <a:defRPr sz="900"/>
+            </a:lvl8pPr>
+            <a:lvl9pPr marL="3657600" indent="0">
+              <a:buNone/>
+              <a:defRPr sz="900"/>
+            </a:lvl9pPr>
+          </a:lstStyle>
+          <a:p>
+            <a:pPr lvl="0"/>
+            <a:r>
+              <a:rPr lang="en-US" smtClean="0"/>
+              <a:t>Click to edit Master text styles</a:t>
+            </a:r>
+          </a:p>
+        </p:txBody>
+      </p:sp>
+      <p:sp>
+        <p:nvSpPr>
+          <p:cNvPr id="14" name="Text Placeholder 4"/>
+          <p:cNvSpPr>
+            <a:spLocks noGrp="1"/>
+          </p:cNvSpPr>
+          <p:nvPr>
+            <p:ph type="body" sz="quarter" idx="13"/>
+          </p:nvPr>
+        </p:nvSpPr>
+        <p:spPr>
+          <a:xfrm>
+            <a:off x="7124700" y="4250949"/>
+            <a:ext cx="2932113" cy="576262"/>
+          </a:xfrm>
+        </p:spPr>
+        <p:txBody>
+          <a:bodyPr anchor="b">
+            <a:noAutofit/>
+          </a:bodyPr>
+          <a:lstStyle>
+            <a:lvl1pPr marL="0" indent="0">
+              <a:buNone/>
+              <a:defRPr sz="2400" b="0">
+                <a:solidFill>
+                  <a:schemeClr val="bg2">
+                    <a:lumMod val="40000"/>
+                    <a:lumOff val="60000"/>
+                  </a:schemeClr>
+                </a:solidFill>
+              </a:defRPr>
+            </a:lvl1pPr>
+            <a:lvl2pPr marL="457200" indent="0">
+              <a:buNone/>
+              <a:defRPr sz="2000" b="1"/>
+            </a:lvl2pPr>
+            <a:lvl3pPr marL="914400" indent="0">
+              <a:buNone/>
+              <a:defRPr sz="1800" b="1"/>
+            </a:lvl3pPr>
+            <a:lvl4pPr marL="1371600" indent="0">
+              <a:buNone/>
+              <a:defRPr sz="1600" b="1"/>
+            </a:lvl4pPr>
+            <a:lvl5pPr marL="1828800" indent="0">
+              <a:buNone/>
+              <a:defRPr sz="1600" b="1"/>
+            </a:lvl5pPr>
+            <a:lvl6pPr marL="2286000" indent="0">
+              <a:buNone/>
+              <a:defRPr sz="1600" b="1"/>
+            </a:lvl6pPr>
+            <a:lvl7pPr marL="2743200" indent="0">
+              <a:buNone/>
+              <a:defRPr sz="1600" b="1"/>
+            </a:lvl7pPr>
+            <a:lvl8pPr marL="3200400" indent="0">
+              <a:buNone/>
+              <a:defRPr sz="1600" b="1"/>
+            </a:lvl8pPr>
+            <a:lvl9pPr marL="3657600" indent="0">
+              <a:buNone/>
+              <a:defRPr sz="1600" b="1"/>
+            </a:lvl9pPr>
+          </a:lstStyle>
+          <a:p>
+            <a:pPr lvl="0"/>
+            <a:r>
+              <a:rPr lang="en-US" smtClean="0"/>
+              <a:t>Click to edit Master text styles</a:t>
+            </a:r>
+          </a:p>
+        </p:txBody>
+      </p:sp>
+      <p:sp>
+        <p:nvSpPr>
+          <p:cNvPr id="31" name="Picture Placeholder 2"/>
+          <p:cNvSpPr>
+            <a:spLocks noGrp="1" noChangeAspect="1"/>
+          </p:cNvSpPr>
+          <p:nvPr>
+            <p:ph type="pic" idx="22"/>
+          </p:nvPr>
+        </p:nvSpPr>
+        <p:spPr>
+          <a:xfrm>
+            <a:off x="7124699" y="2209800"/>
+            <a:ext cx="2932113" cy="1524000"/>
+          </a:xfrm>
+          <a:prstGeom prst="roundRect">
+            <a:avLst>
+              <a:gd name="adj" fmla="val 1858"/>
+            </a:avLst>
+          </a:prstGeom>
+          <a:effectLst>
+            <a:outerShdw blurRad="50800" dist="50800" dir="5400000" algn="tl" rotWithShape="0">
+              <a:srgbClr val="000000">
+                <a:alpha val="43000"/>
+              </a:srgbClr>
+            </a:outerShdw>
+          </a:effectLst>
+        </p:spPr>
+        <p:txBody>
+          <a:bodyPr anchor="t">
+            <a:normAutofit/>
+          </a:bodyPr>
+          <a:lstStyle>
+            <a:lvl1pPr marL="0" indent="0" algn="ctr">
+              <a:buNone/>
+              <a:defRPr sz="1600"/>
+            </a:lvl1pPr>
+            <a:lvl2pPr marL="457200" indent="0">
+              <a:buNone/>
+              <a:defRPr sz="1600"/>
+            </a:lvl2pPr>
+            <a:lvl3pPr marL="914400" indent="0">
+              <a:buNone/>
+              <a:defRPr sz="1600"/>
+            </a:lvl3pPr>
+            <a:lvl4pPr marL="1371600" indent="0">
+              <a:buNone/>
+              <a:defRPr sz="1600"/>
+            </a:lvl4pPr>
+            <a:lvl5pPr marL="1828800" indent="0">
+              <a:buNone/>
+              <a:defRPr sz="1600"/>
+            </a:lvl5pPr>
+            <a:lvl6pPr marL="2286000" indent="0">
+              <a:buNone/>
+              <a:defRPr sz="1600"/>
+            </a:lvl6pPr>
+            <a:lvl7pPr marL="2743200" indent="0">
+              <a:buNone/>
+              <a:defRPr sz="1600"/>
+            </a:lvl7pPr>
+            <a:lvl8pPr marL="3200400" indent="0">
+              <a:buNone/>
+              <a:defRPr sz="1600"/>
+            </a:lvl8pPr>
+            <a:lvl9pPr marL="3657600" indent="0">
+              <a:buNone/>
+              <a:defRPr sz="1600"/>
+            </a:lvl9pPr>
+          </a:lstStyle>
+          <a:p>
+            <a:r>
+              <a:rPr lang="en-US" smtClean="0"/>
+              <a:t>Click icon to add picture</a:t>
+            </a:r>
+            <a:endParaRPr lang="en-US" dirty="0"/>
+          </a:p>
+        </p:txBody>
+      </p:sp>
+      <p:sp>
+        <p:nvSpPr>
+          <p:cNvPr id="24" name="Text Placeholder 3"/>
+          <p:cNvSpPr>
+            <a:spLocks noGrp="1"/>
+          </p:cNvSpPr>
+          <p:nvPr>
+            <p:ph type="body" sz="half" idx="20"/>
+          </p:nvPr>
+        </p:nvSpPr>
+        <p:spPr>
+          <a:xfrm>
+            <a:off x="7124575" y="4827208"/>
+            <a:ext cx="2935997" cy="659189"/>
+          </a:xfrm>
+        </p:spPr>
+        <p:txBody>
+          <a:bodyPr anchor="t">
+            <a:normAutofit/>
+          </a:bodyPr>
+          <a:lstStyle>
+            <a:lvl1pPr marL="0" indent="0">
+              <a:buNone/>
+              <a:defRPr sz="1400"/>
+            </a:lvl1pPr>
+            <a:lvl2pPr marL="457200" indent="0">
+              <a:buNone/>
+              <a:defRPr sz="1200"/>
+            </a:lvl2pPr>
+            <a:lvl3pPr marL="914400" indent="0">
+              <a:buNone/>
+              <a:defRPr sz="1000"/>
+            </a:lvl3pPr>
+            <a:lvl4pPr marL="1371600" indent="0">
+              <a:buNone/>
+              <a:defRPr sz="900"/>
+            </a:lvl4pPr>
+            <a:lvl5pPr marL="1828800" indent="0">
+              <a:buNone/>
+              <a:defRPr sz="900"/>
+            </a:lvl5pPr>
+            <a:lvl6pPr marL="2286000" indent="0">
+              <a:buNone/>
+              <a:defRPr sz="900"/>
+            </a:lvl6pPr>
+            <a:lvl7pPr marL="2743200" indent="0">
+              <a:buNone/>
+              <a:defRPr sz="900"/>
+            </a:lvl7pPr>
+            <a:lvl8pPr marL="3200400" indent="0">
+              <a:buNone/>
+              <a:defRPr sz="900"/>
+            </a:lvl8pPr>
+            <a:lvl9pPr marL="3657600" indent="0">
+              <a:buNone/>
+              <a:defRPr sz="900"/>
+            </a:lvl9pPr>
+          </a:lstStyle>
+          <a:p>
+            <a:pPr lvl="0"/>
+            <a:r>
+              <a:rPr lang="en-US" smtClean="0"/>
+              <a:t>Click to edit Master text styles</a:t>
+            </a:r>
+          </a:p>
+        </p:txBody>
+      </p:sp>
+      <p:cxnSp>
+        <p:nvCxnSpPr>
+          <p:cNvPr id="19" name="Straight Connector 18"/>
+          <p:cNvCxnSpPr/>
+          <p:nvPr/>
+        </p:nvCxnSpPr>
+        <p:spPr>
+          <a:xfrm>
+            <a:off x="3726142" y="2133600"/>
+            <a:ext cx="0" cy="3962400"/>
+          </a:xfrm>
+          <a:prstGeom prst="line">
+            <a:avLst/>
+          </a:prstGeom>
+          <a:ln w="12700" cmpd="sng">
+            <a:solidFill>
+              <a:schemeClr val="bg2">
+                <a:lumMod val="40000"/>
+                <a:lumOff val="60000"/>
+                <a:alpha val="40000"/>
+              </a:schemeClr>
+            </a:solidFill>
+          </a:ln>
+        </p:spPr>
+        <p:style>
+          <a:lnRef idx="2">
+            <a:schemeClr val="accent1"/>
+          </a:lnRef>
+          <a:fillRef idx="0">
+            <a:schemeClr val="accent1"/>
+          </a:fillRef>
+          <a:effectRef idx="1">
+            <a:schemeClr val="accent1"/>
+          </a:effectRef>
+          <a:fontRef idx="minor">
+            <a:schemeClr val="tx1"/>
+          </a:fontRef>
+        </p:style>
+      </p:cxnSp>
+      <p:cxnSp>
+        <p:nvCxnSpPr>
+          <p:cNvPr id="20" name="Straight Connector 19"/>
+          <p:cNvCxnSpPr/>
+          <p:nvPr/>
+        </p:nvCxnSpPr>
+        <p:spPr>
+          <a:xfrm>
+            <a:off x="6962227" y="2133600"/>
+            <a:ext cx="0" cy="3966882"/>
+          </a:xfrm>
+          <a:prstGeom prst="line">
+            <a:avLst/>
+          </a:prstGeom>
+          <a:ln w="12700" cmpd="sng">
+            <a:solidFill>
+              <a:schemeClr val="bg2">
+                <a:lumMod val="40000"/>
+                <a:lumOff val="60000"/>
+                <a:alpha val="40000"/>
+              </a:schemeClr>
+            </a:solidFill>
+          </a:ln>
+        </p:spPr>
+        <p:style>
+          <a:lnRef idx="2">
+            <a:schemeClr val="accent1"/>
+          </a:lnRef>
+          <a:fillRef idx="0">
+            <a:schemeClr val="accent1"/>
+          </a:fillRef>
+          <a:effectRef idx="1">
+            <a:schemeClr val="accent1"/>
+          </a:effectRef>
+          <a:fontRef idx="minor">
+            <a:schemeClr val="tx1"/>
+          </a:fontRef>
+        </p:style>
+      </p:cxnSp>
+      <p:sp>
+        <p:nvSpPr>
+          <p:cNvPr id="7" name="Date Placeholder 3"/>
+          <p:cNvSpPr>
+            <a:spLocks noGrp="1"/>
+          </p:cNvSpPr>
+          <p:nvPr>
+            <p:ph type="dt" sz="half" idx="10"/>
+          </p:nvPr>
+        </p:nvSpPr>
+        <p:spPr/>
+        <p:txBody>
+          <a:bodyPr/>
+          <a:lstStyle/>
+          <a:p>
+            <a:fld id="{3B638056-2271-4463-BAE1-4AC5602DC725}" type="datetimeFigureOut">
+              <a:rPr lang="en-US" smtClean="0"/>
+              <a:t>12/31/2015</a:t>
+            </a:fld>
+            <a:endParaRPr lang="en-US"/>
+          </a:p>
+        </p:txBody>
+      </p:sp>
+      <p:sp>
+        <p:nvSpPr>
+          <p:cNvPr id="4" name="Footer Placeholder 4"/>
+          <p:cNvSpPr>
+            <a:spLocks noGrp="1"/>
+          </p:cNvSpPr>
+          <p:nvPr>
+            <p:ph type="ftr" sz="quarter" idx="11"/>
+          </p:nvPr>
+        </p:nvSpPr>
+        <p:spPr/>
+        <p:txBody>
+          <a:bodyPr/>
+          <a:lstStyle/>
+          <a:p>
+            <a:endParaRPr lang="en-US"/>
+          </a:p>
+        </p:txBody>
+      </p:sp>
+      <p:sp>
+        <p:nvSpPr>
+          <p:cNvPr id="6" name="Slide Number Placeholder 5"/>
+          <p:cNvSpPr>
+            <a:spLocks noGrp="1"/>
+          </p:cNvSpPr>
+          <p:nvPr>
+            <p:ph type="sldNum" sz="quarter" idx="12"/>
+          </p:nvPr>
+        </p:nvSpPr>
+        <p:spPr/>
+        <p:txBody>
+          <a:bodyPr/>
+          <a:lstStyle/>
+          <a:p>
+            <a:fld id="{0EC7EAB6-95B1-486F-8F06-36E4CD15C4D6}" type="slidenum">
+              <a:rPr lang="en-US" smtClean="0"/>
+              <a:t>‹#›</a:t>
+            </a:fld>
+            <a:endParaRPr lang="en-US"/>
+          </a:p>
+        </p:txBody>
+      </p:sp>
+    </p:spTree>
+    <p:extLst>
+      <p:ext uri="{BB962C8B-B14F-4D97-AF65-F5344CB8AC3E}">
+        <p14:creationId xmlns:p14="http://schemas.microsoft.com/office/powerpoint/2010/main" val="412307457"/>
+      </p:ext>
+    </p:extLst>
+  </p:cSld>
+  <p:clrMapOvr>
+    <a:masterClrMapping/>
+  </p:clrMapOvr>
+</p:sldLayout>
+</file>
+
+<file path=ppt/slideLayouts/slideLayout16.xml><?xml version="1.0" encoding="utf-8"?>
 <p:sldLayout xmlns:a="http://schemas.openxmlformats.org/drawingml/2006/main" xmlns:r="http://schemas.openxmlformats.org/officeDocument/2006/relationships" xmlns:p="http://schemas.openxmlformats.org/presentationml/2006/main" type="vertTx" preserve="1">
   <p:cSld name="Title and Vertical Text">
     <p:spTree>
@@ -341,7 +2963,7 @@
               <a:rPr lang="en-US" smtClean="0"/>
               <a:t>Click to edit Master title style</a:t>
             </a:r>
-            <a:endParaRPr lang="en-US"/>
+            <a:endParaRPr lang="en-US" dirty="0"/>
           </a:p>
         </p:txBody>
       </p:sp>
@@ -357,7 +2979,7 @@
         </p:nvSpPr>
         <p:spPr/>
         <p:txBody>
-          <a:bodyPr vert="eaVert"/>
+          <a:bodyPr vert="eaVert" anchor="t" anchorCtr="0"/>
           <a:lstStyle/>
           <a:p>
             <a:pPr lvl="0"/>
@@ -393,7 +3015,7 @@
               <a:rPr lang="en-US" smtClean="0"/>
               <a:t>Fifth level</a:t>
             </a:r>
-            <a:endParaRPr lang="en-US"/>
+            <a:endParaRPr lang="en-US" dirty="0"/>
           </a:p>
         </p:txBody>
       </p:sp>
@@ -414,7 +3036,7 @@
           <a:p>
             <a:fld id="{3B638056-2271-4463-BAE1-4AC5602DC725}" type="datetimeFigureOut">
               <a:rPr lang="en-US" smtClean="0"/>
-              <a:t>12/30/2015</a:t>
+              <a:t>12/31/2015</a:t>
             </a:fld>
             <a:endParaRPr lang="en-US"/>
           </a:p>
@@ -465,7 +3087,7 @@
     </p:spTree>
     <p:extLst>
       <p:ext uri="{BB962C8B-B14F-4D97-AF65-F5344CB8AC3E}">
-        <p14:creationId xmlns:p14="http://schemas.microsoft.com/office/powerpoint/2010/main" val="2880587502"/>
+        <p14:creationId xmlns:p14="http://schemas.microsoft.com/office/powerpoint/2010/main" val="4075390310"/>
       </p:ext>
     </p:extLst>
   </p:cSld>
@@ -475,7 +3097,7 @@
 </p:sldLayout>
 </file>
 
-<file path=ppt/slideLayouts/slideLayout11.xml><?xml version="1.0" encoding="utf-8"?>
+<file path=ppt/slideLayouts/slideLayout17.xml><?xml version="1.0" encoding="utf-8"?>
 <p:sldLayout xmlns:a="http://schemas.openxmlformats.org/drawingml/2006/main" xmlns:r="http://schemas.openxmlformats.org/officeDocument/2006/relationships" xmlns:p="http://schemas.openxmlformats.org/presentationml/2006/main" type="vertTitleAndTx" preserve="1">
   <p:cSld name="Vertical Title and Text">
     <p:spTree>
@@ -504,42 +3126,42 @@
         </p:nvSpPr>
         <p:spPr>
           <a:xfrm>
-            <a:off x="8724900" y="365125"/>
-            <a:ext cx="2628900" cy="5811838"/>
+            <a:off x="8304212" y="430213"/>
+            <a:ext cx="1752601" cy="5826125"/>
+          </a:xfrm>
+        </p:spPr>
+        <p:txBody>
+          <a:bodyPr vert="eaVert" anchor="b" anchorCtr="0"/>
+          <a:lstStyle/>
+          <a:p>
+            <a:r>
+              <a:rPr lang="en-US" smtClean="0"/>
+              <a:t>Click to edit Master title style</a:t>
+            </a:r>
+            <a:endParaRPr lang="en-US" dirty="0"/>
+          </a:p>
+        </p:txBody>
+      </p:sp>
+      <p:sp>
+        <p:nvSpPr>
+          <p:cNvPr id="3" name="Vertical Text Placeholder 2"/>
+          <p:cNvSpPr>
+            <a:spLocks noGrp="1"/>
+          </p:cNvSpPr>
+          <p:nvPr>
+            <p:ph type="body" orient="vert" idx="1"/>
+          </p:nvPr>
+        </p:nvSpPr>
+        <p:spPr>
+          <a:xfrm>
+            <a:off x="652463" y="887414"/>
+            <a:ext cx="7423149" cy="5368924"/>
           </a:xfrm>
         </p:spPr>
         <p:txBody>
           <a:bodyPr vert="eaVert"/>
           <a:lstStyle/>
           <a:p>
-            <a:r>
-              <a:rPr lang="en-US" smtClean="0"/>
-              <a:t>Click to edit Master title style</a:t>
-            </a:r>
-            <a:endParaRPr lang="en-US"/>
-          </a:p>
-        </p:txBody>
-      </p:sp>
-      <p:sp>
-        <p:nvSpPr>
-          <p:cNvPr id="3" name="Vertical Text Placeholder 2"/>
-          <p:cNvSpPr>
-            <a:spLocks noGrp="1"/>
-          </p:cNvSpPr>
-          <p:nvPr>
-            <p:ph type="body" orient="vert" idx="1"/>
-          </p:nvPr>
-        </p:nvSpPr>
-        <p:spPr>
-          <a:xfrm>
-            <a:off x="838200" y="365125"/>
-            <a:ext cx="7734300" cy="5811838"/>
-          </a:xfrm>
-        </p:spPr>
-        <p:txBody>
-          <a:bodyPr vert="eaVert"/>
-          <a:lstStyle/>
-          <a:p>
             <a:pPr lvl="0"/>
             <a:r>
               <a:rPr lang="en-US" smtClean="0"/>
@@ -573,7 +3195,7 @@
               <a:rPr lang="en-US" smtClean="0"/>
               <a:t>Fifth level</a:t>
             </a:r>
-            <a:endParaRPr lang="en-US"/>
+            <a:endParaRPr lang="en-US" dirty="0"/>
           </a:p>
         </p:txBody>
       </p:sp>
@@ -594,7 +3216,7 @@
           <a:p>
             <a:fld id="{3B638056-2271-4463-BAE1-4AC5602DC725}" type="datetimeFigureOut">
               <a:rPr lang="en-US" smtClean="0"/>
-              <a:t>12/30/2015</a:t>
+              <a:t>12/31/2015</a:t>
             </a:fld>
             <a:endParaRPr lang="en-US"/>
           </a:p>
@@ -645,7 +3267,7 @@
     </p:spTree>
     <p:extLst>
       <p:ext uri="{BB962C8B-B14F-4D97-AF65-F5344CB8AC3E}">
-        <p14:creationId xmlns:p14="http://schemas.microsoft.com/office/powerpoint/2010/main" val="1494465594"/>
+        <p14:creationId xmlns:p14="http://schemas.microsoft.com/office/powerpoint/2010/main" val="1207986455"/>
       </p:ext>
     </p:extLst>
   </p:cSld>
@@ -691,7 +3313,7 @@
               <a:rPr lang="en-US" smtClean="0"/>
               <a:t>Click to edit Master title style</a:t>
             </a:r>
-            <a:endParaRPr lang="en-US"/>
+            <a:endParaRPr lang="en-US" dirty="0"/>
           </a:p>
         </p:txBody>
       </p:sp>
@@ -743,13 +3365,13 @@
               <a:rPr lang="en-US" smtClean="0"/>
               <a:t>Fifth level</a:t>
             </a:r>
-            <a:endParaRPr lang="en-US"/>
-          </a:p>
-        </p:txBody>
-      </p:sp>
-      <p:sp>
-        <p:nvSpPr>
-          <p:cNvPr id="4" name="Date Placeholder 3"/>
+            <a:endParaRPr lang="en-US" dirty="0"/>
+          </a:p>
+        </p:txBody>
+      </p:sp>
+      <p:sp>
+        <p:nvSpPr>
+          <p:cNvPr id="7" name="Date Placeholder 3"/>
           <p:cNvSpPr>
             <a:spLocks noGrp="1"/>
           </p:cNvSpPr>
@@ -764,7 +3386,7 @@
           <a:p>
             <a:fld id="{3B638056-2271-4463-BAE1-4AC5602DC725}" type="datetimeFigureOut">
               <a:rPr lang="en-US" smtClean="0"/>
-              <a:t>12/30/2015</a:t>
+              <a:t>12/31/2015</a:t>
             </a:fld>
             <a:endParaRPr lang="en-US"/>
           </a:p>
@@ -815,7 +3437,7 @@
     </p:spTree>
     <p:extLst>
       <p:ext uri="{BB962C8B-B14F-4D97-AF65-F5344CB8AC3E}">
-        <p14:creationId xmlns:p14="http://schemas.microsoft.com/office/powerpoint/2010/main" val="1689207608"/>
+        <p14:creationId xmlns:p14="http://schemas.microsoft.com/office/powerpoint/2010/main" val="3598933075"/>
       </p:ext>
     </p:extLst>
   </p:cSld>
@@ -854,15 +3476,15 @@
         </p:nvSpPr>
         <p:spPr>
           <a:xfrm>
-            <a:off x="831850" y="1709738"/>
-            <a:ext cx="10515600" cy="2852737"/>
+            <a:off x="1154956" y="2861733"/>
+            <a:ext cx="8825657" cy="1915647"/>
           </a:xfrm>
         </p:spPr>
         <p:txBody>
           <a:bodyPr anchor="b"/>
           <a:lstStyle>
-            <a:lvl1pPr>
-              <a:defRPr sz="6000"/>
+            <a:lvl1pPr algn="l">
+              <a:defRPr sz="4000" b="0" cap="none"/>
             </a:lvl1pPr>
           </a:lstStyle>
           <a:p>
@@ -870,7 +3492,7 @@
               <a:rPr lang="en-US" smtClean="0"/>
               <a:t>Click to edit Master title style</a:t>
             </a:r>
-            <a:endParaRPr lang="en-US"/>
+            <a:endParaRPr lang="en-US" dirty="0"/>
           </a:p>
         </p:txBody>
       </p:sp>
@@ -886,26 +3508,27 @@
         </p:nvSpPr>
         <p:spPr>
           <a:xfrm>
-            <a:off x="831850" y="4589463"/>
-            <a:ext cx="10515600" cy="1500187"/>
+            <a:off x="1154955" y="4777381"/>
+            <a:ext cx="8825658" cy="860400"/>
           </a:xfrm>
         </p:spPr>
         <p:txBody>
-          <a:bodyPr/>
+          <a:bodyPr anchor="t"/>
           <a:lstStyle>
-            <a:lvl1pPr marL="0" indent="0">
-              <a:buNone/>
-              <a:defRPr sz="2400">
+            <a:lvl1pPr marL="0" indent="0" algn="l">
+              <a:buNone/>
+              <a:defRPr sz="2000" cap="all">
                 <a:solidFill>
-                  <a:schemeClr val="tx1">
-                    <a:tint val="75000"/>
+                  <a:schemeClr val="bg2">
+                    <a:lumMod val="40000"/>
+                    <a:lumOff val="60000"/>
                   </a:schemeClr>
                 </a:solidFill>
               </a:defRPr>
             </a:lvl1pPr>
             <a:lvl2pPr marL="457200" indent="0">
               <a:buNone/>
-              <a:defRPr sz="2000">
+              <a:defRPr sz="1800">
                 <a:solidFill>
                   <a:schemeClr val="tx1">
                     <a:tint val="75000"/>
@@ -915,7 +3538,7 @@
             </a:lvl2pPr>
             <a:lvl3pPr marL="914400" indent="0">
               <a:buNone/>
-              <a:defRPr sz="1800">
+              <a:defRPr sz="1600">
                 <a:solidFill>
                   <a:schemeClr val="tx1">
                     <a:tint val="75000"/>
@@ -925,7 +3548,7 @@
             </a:lvl3pPr>
             <a:lvl4pPr marL="1371600" indent="0">
               <a:buNone/>
-              <a:defRPr sz="1600">
+              <a:defRPr sz="1400">
                 <a:solidFill>
                   <a:schemeClr val="tx1">
                     <a:tint val="75000"/>
@@ -935,7 +3558,7 @@
             </a:lvl4pPr>
             <a:lvl5pPr marL="1828800" indent="0">
               <a:buNone/>
-              <a:defRPr sz="1600">
+              <a:defRPr sz="1400">
                 <a:solidFill>
                   <a:schemeClr val="tx1">
                     <a:tint val="75000"/>
@@ -945,7 +3568,7 @@
             </a:lvl5pPr>
             <a:lvl6pPr marL="2286000" indent="0">
               <a:buNone/>
-              <a:defRPr sz="1600">
+              <a:defRPr sz="1400">
                 <a:solidFill>
                   <a:schemeClr val="tx1">
                     <a:tint val="75000"/>
@@ -955,7 +3578,7 @@
             </a:lvl6pPr>
             <a:lvl7pPr marL="2743200" indent="0">
               <a:buNone/>
-              <a:defRPr sz="1600">
+              <a:defRPr sz="1400">
                 <a:solidFill>
                   <a:schemeClr val="tx1">
                     <a:tint val="75000"/>
@@ -965,7 +3588,7 @@
             </a:lvl7pPr>
             <a:lvl8pPr marL="3200400" indent="0">
               <a:buNone/>
-              <a:defRPr sz="1600">
+              <a:defRPr sz="1400">
                 <a:solidFill>
                   <a:schemeClr val="tx1">
                     <a:tint val="75000"/>
@@ -975,7 +3598,7 @@
             </a:lvl8pPr>
             <a:lvl9pPr marL="3657600" indent="0">
               <a:buNone/>
-              <a:defRPr sz="1600">
+              <a:defRPr sz="1400">
                 <a:solidFill>
                   <a:schemeClr val="tx1">
                     <a:tint val="75000"/>
@@ -1010,7 +3633,7 @@
           <a:p>
             <a:fld id="{3B638056-2271-4463-BAE1-4AC5602DC725}" type="datetimeFigureOut">
               <a:rPr lang="en-US" smtClean="0"/>
-              <a:t>12/30/2015</a:t>
+              <a:t>12/31/2015</a:t>
             </a:fld>
             <a:endParaRPr lang="en-US"/>
           </a:p>
@@ -1061,7 +3684,7 @@
     </p:spTree>
     <p:extLst>
       <p:ext uri="{BB962C8B-B14F-4D97-AF65-F5344CB8AC3E}">
-        <p14:creationId xmlns:p14="http://schemas.microsoft.com/office/powerpoint/2010/main" val="3075204016"/>
+        <p14:creationId xmlns:p14="http://schemas.microsoft.com/office/powerpoint/2010/main" val="3292832027"/>
       </p:ext>
     </p:extLst>
   </p:cSld>
@@ -1107,7 +3730,7 @@
               <a:rPr lang="en-US" smtClean="0"/>
               <a:t>Click to edit Master title style</a:t>
             </a:r>
-            <a:endParaRPr lang="en-US"/>
+            <a:endParaRPr lang="en-US" dirty="0"/>
           </a:p>
         </p:txBody>
       </p:sp>
@@ -1123,126 +3746,186 @@
         </p:nvSpPr>
         <p:spPr>
           <a:xfrm>
-            <a:off x="838200" y="1825625"/>
-            <a:ext cx="5181600" cy="4351338"/>
+            <a:off x="1103312" y="2060575"/>
+            <a:ext cx="4396339" cy="4195763"/>
           </a:xfrm>
         </p:spPr>
+        <p:txBody>
+          <a:bodyPr>
+            <a:normAutofit/>
+          </a:bodyPr>
+          <a:lstStyle>
+            <a:lvl1pPr>
+              <a:defRPr sz="1800"/>
+            </a:lvl1pPr>
+            <a:lvl2pPr>
+              <a:defRPr sz="1600"/>
+            </a:lvl2pPr>
+            <a:lvl3pPr>
+              <a:defRPr sz="1400"/>
+            </a:lvl3pPr>
+            <a:lvl4pPr>
+              <a:defRPr sz="1200"/>
+            </a:lvl4pPr>
+            <a:lvl5pPr>
+              <a:defRPr sz="1200"/>
+            </a:lvl5pPr>
+            <a:lvl6pPr>
+              <a:defRPr sz="1200"/>
+            </a:lvl6pPr>
+            <a:lvl7pPr>
+              <a:defRPr sz="1200"/>
+            </a:lvl7pPr>
+            <a:lvl8pPr>
+              <a:defRPr sz="1200"/>
+            </a:lvl8pPr>
+            <a:lvl9pPr>
+              <a:defRPr sz="1200"/>
+            </a:lvl9pPr>
+          </a:lstStyle>
+          <a:p>
+            <a:pPr lvl="0"/>
+            <a:r>
+              <a:rPr lang="en-US" smtClean="0"/>
+              <a:t>Click to edit Master text styles</a:t>
+            </a:r>
+          </a:p>
+          <a:p>
+            <a:pPr lvl="1"/>
+            <a:r>
+              <a:rPr lang="en-US" smtClean="0"/>
+              <a:t>Second level</a:t>
+            </a:r>
+          </a:p>
+          <a:p>
+            <a:pPr lvl="2"/>
+            <a:r>
+              <a:rPr lang="en-US" smtClean="0"/>
+              <a:t>Third level</a:t>
+            </a:r>
+          </a:p>
+          <a:p>
+            <a:pPr lvl="3"/>
+            <a:r>
+              <a:rPr lang="en-US" smtClean="0"/>
+              <a:t>Fourth level</a:t>
+            </a:r>
+          </a:p>
+          <a:p>
+            <a:pPr lvl="4"/>
+            <a:r>
+              <a:rPr lang="en-US" smtClean="0"/>
+              <a:t>Fifth level</a:t>
+            </a:r>
+            <a:endParaRPr lang="en-US" dirty="0"/>
+          </a:p>
+        </p:txBody>
+      </p:sp>
+      <p:sp>
+        <p:nvSpPr>
+          <p:cNvPr id="4" name="Content Placeholder 3"/>
+          <p:cNvSpPr>
+            <a:spLocks noGrp="1"/>
+          </p:cNvSpPr>
+          <p:nvPr>
+            <p:ph sz="half" idx="2"/>
+          </p:nvPr>
+        </p:nvSpPr>
+        <p:spPr>
+          <a:xfrm>
+            <a:off x="5654493" y="2056092"/>
+            <a:ext cx="4396341" cy="4200245"/>
+          </a:xfrm>
+        </p:spPr>
+        <p:txBody>
+          <a:bodyPr>
+            <a:normAutofit/>
+          </a:bodyPr>
+          <a:lstStyle>
+            <a:lvl1pPr>
+              <a:defRPr sz="1800"/>
+            </a:lvl1pPr>
+            <a:lvl2pPr>
+              <a:defRPr sz="1600"/>
+            </a:lvl2pPr>
+            <a:lvl3pPr>
+              <a:defRPr sz="1400"/>
+            </a:lvl3pPr>
+            <a:lvl4pPr>
+              <a:defRPr sz="1200"/>
+            </a:lvl4pPr>
+            <a:lvl5pPr>
+              <a:defRPr sz="1200"/>
+            </a:lvl5pPr>
+            <a:lvl6pPr>
+              <a:defRPr sz="1200"/>
+            </a:lvl6pPr>
+            <a:lvl7pPr>
+              <a:defRPr sz="1200"/>
+            </a:lvl7pPr>
+            <a:lvl8pPr>
+              <a:defRPr sz="1200"/>
+            </a:lvl8pPr>
+            <a:lvl9pPr>
+              <a:defRPr sz="1200"/>
+            </a:lvl9pPr>
+          </a:lstStyle>
+          <a:p>
+            <a:pPr lvl="0"/>
+            <a:r>
+              <a:rPr lang="en-US" smtClean="0"/>
+              <a:t>Click to edit Master text styles</a:t>
+            </a:r>
+          </a:p>
+          <a:p>
+            <a:pPr lvl="1"/>
+            <a:r>
+              <a:rPr lang="en-US" smtClean="0"/>
+              <a:t>Second level</a:t>
+            </a:r>
+          </a:p>
+          <a:p>
+            <a:pPr lvl="2"/>
+            <a:r>
+              <a:rPr lang="en-US" smtClean="0"/>
+              <a:t>Third level</a:t>
+            </a:r>
+          </a:p>
+          <a:p>
+            <a:pPr lvl="3"/>
+            <a:r>
+              <a:rPr lang="en-US" smtClean="0"/>
+              <a:t>Fourth level</a:t>
+            </a:r>
+          </a:p>
+          <a:p>
+            <a:pPr lvl="4"/>
+            <a:r>
+              <a:rPr lang="en-US" smtClean="0"/>
+              <a:t>Fifth level</a:t>
+            </a:r>
+            <a:endParaRPr lang="en-US" dirty="0"/>
+          </a:p>
+        </p:txBody>
+      </p:sp>
+      <p:sp>
+        <p:nvSpPr>
+          <p:cNvPr id="5" name="Date Placeholder 4"/>
+          <p:cNvSpPr>
+            <a:spLocks noGrp="1"/>
+          </p:cNvSpPr>
+          <p:nvPr>
+            <p:ph type="dt" sz="half" idx="10"/>
+          </p:nvPr>
+        </p:nvSpPr>
+        <p:spPr/>
         <p:txBody>
           <a:bodyPr/>
           <a:lstStyle/>
           <a:p>
-            <a:pPr lvl="0"/>
-            <a:r>
-              <a:rPr lang="en-US" smtClean="0"/>
-              <a:t>Click to edit Master text styles</a:t>
-            </a:r>
-          </a:p>
-          <a:p>
-            <a:pPr lvl="1"/>
-            <a:r>
-              <a:rPr lang="en-US" smtClean="0"/>
-              <a:t>Second level</a:t>
-            </a:r>
-          </a:p>
-          <a:p>
-            <a:pPr lvl="2"/>
-            <a:r>
-              <a:rPr lang="en-US" smtClean="0"/>
-              <a:t>Third level</a:t>
-            </a:r>
-          </a:p>
-          <a:p>
-            <a:pPr lvl="3"/>
-            <a:r>
-              <a:rPr lang="en-US" smtClean="0"/>
-              <a:t>Fourth level</a:t>
-            </a:r>
-          </a:p>
-          <a:p>
-            <a:pPr lvl="4"/>
-            <a:r>
-              <a:rPr lang="en-US" smtClean="0"/>
-              <a:t>Fifth level</a:t>
-            </a:r>
-            <a:endParaRPr lang="en-US"/>
-          </a:p>
-        </p:txBody>
-      </p:sp>
-      <p:sp>
-        <p:nvSpPr>
-          <p:cNvPr id="4" name="Content Placeholder 3"/>
-          <p:cNvSpPr>
-            <a:spLocks noGrp="1"/>
-          </p:cNvSpPr>
-          <p:nvPr>
-            <p:ph sz="half" idx="2"/>
-          </p:nvPr>
-        </p:nvSpPr>
-        <p:spPr>
-          <a:xfrm>
-            <a:off x="6172200" y="1825625"/>
-            <a:ext cx="5181600" cy="4351338"/>
-          </a:xfrm>
-        </p:spPr>
-        <p:txBody>
-          <a:bodyPr/>
-          <a:lstStyle/>
-          <a:p>
-            <a:pPr lvl="0"/>
-            <a:r>
-              <a:rPr lang="en-US" smtClean="0"/>
-              <a:t>Click to edit Master text styles</a:t>
-            </a:r>
-          </a:p>
-          <a:p>
-            <a:pPr lvl="1"/>
-            <a:r>
-              <a:rPr lang="en-US" smtClean="0"/>
-              <a:t>Second level</a:t>
-            </a:r>
-          </a:p>
-          <a:p>
-            <a:pPr lvl="2"/>
-            <a:r>
-              <a:rPr lang="en-US" smtClean="0"/>
-              <a:t>Third level</a:t>
-            </a:r>
-          </a:p>
-          <a:p>
-            <a:pPr lvl="3"/>
-            <a:r>
-              <a:rPr lang="en-US" smtClean="0"/>
-              <a:t>Fourth level</a:t>
-            </a:r>
-          </a:p>
-          <a:p>
-            <a:pPr lvl="4"/>
-            <a:r>
-              <a:rPr lang="en-US" smtClean="0"/>
-              <a:t>Fifth level</a:t>
-            </a:r>
-            <a:endParaRPr lang="en-US"/>
-          </a:p>
-        </p:txBody>
-      </p:sp>
-      <p:sp>
-        <p:nvSpPr>
-          <p:cNvPr id="5" name="Date Placeholder 4"/>
-          <p:cNvSpPr>
-            <a:spLocks noGrp="1"/>
-          </p:cNvSpPr>
-          <p:nvPr>
-            <p:ph type="dt" sz="half" idx="10"/>
-          </p:nvPr>
-        </p:nvSpPr>
-        <p:spPr/>
-        <p:txBody>
-          <a:bodyPr/>
-          <a:lstStyle/>
-          <a:p>
             <a:fld id="{3B638056-2271-4463-BAE1-4AC5602DC725}" type="datetimeFigureOut">
               <a:rPr lang="en-US" smtClean="0"/>
-              <a:t>12/30/2015</a:t>
+              <a:t>12/31/2015</a:t>
             </a:fld>
             <a:endParaRPr lang="en-US"/>
           </a:p>
@@ -1293,7 +3976,7 @@
     </p:spTree>
     <p:extLst>
       <p:ext uri="{BB962C8B-B14F-4D97-AF65-F5344CB8AC3E}">
-        <p14:creationId xmlns:p14="http://schemas.microsoft.com/office/powerpoint/2010/main" val="2795071716"/>
+        <p14:creationId xmlns:p14="http://schemas.microsoft.com/office/powerpoint/2010/main" val="4138663741"/>
       </p:ext>
     </p:extLst>
   </p:cSld>
@@ -1330,46 +4013,54 @@
             <p:ph type="title"/>
           </p:nvPr>
         </p:nvSpPr>
+        <p:spPr/>
+        <p:txBody>
+          <a:bodyPr/>
+          <a:lstStyle>
+            <a:lvl1pPr>
+              <a:defRPr/>
+            </a:lvl1pPr>
+          </a:lstStyle>
+          <a:p>
+            <a:r>
+              <a:rPr lang="en-US" smtClean="0"/>
+              <a:t>Click to edit Master title style</a:t>
+            </a:r>
+            <a:endParaRPr lang="en-US" dirty="0"/>
+          </a:p>
+        </p:txBody>
+      </p:sp>
+      <p:sp>
+        <p:nvSpPr>
+          <p:cNvPr id="3" name="Text Placeholder 2"/>
+          <p:cNvSpPr>
+            <a:spLocks noGrp="1"/>
+          </p:cNvSpPr>
+          <p:nvPr>
+            <p:ph type="body" idx="1"/>
+          </p:nvPr>
+        </p:nvSpPr>
         <p:spPr>
           <a:xfrm>
-            <a:off x="839788" y="365125"/>
-            <a:ext cx="10515600" cy="1325563"/>
+            <a:off x="1103313" y="1905000"/>
+            <a:ext cx="4396338" cy="576262"/>
           </a:xfrm>
         </p:spPr>
         <p:txBody>
-          <a:bodyPr/>
-          <a:lstStyle/>
-          <a:p>
-            <a:r>
-              <a:rPr lang="en-US" smtClean="0"/>
-              <a:t>Click to edit Master title style</a:t>
-            </a:r>
-            <a:endParaRPr lang="en-US"/>
-          </a:p>
-        </p:txBody>
-      </p:sp>
-      <p:sp>
-        <p:nvSpPr>
-          <p:cNvPr id="3" name="Text Placeholder 2"/>
-          <p:cNvSpPr>
-            <a:spLocks noGrp="1"/>
-          </p:cNvSpPr>
-          <p:nvPr>
-            <p:ph type="body" idx="1"/>
-          </p:nvPr>
-        </p:nvSpPr>
-        <p:spPr>
-          <a:xfrm>
-            <a:off x="839788" y="1681163"/>
-            <a:ext cx="5157787" cy="823912"/>
-          </a:xfrm>
-        </p:spPr>
-        <p:txBody>
-          <a:bodyPr anchor="b"/>
+          <a:bodyPr anchor="b">
+            <a:noAutofit/>
+          </a:bodyPr>
           <a:lstStyle>
             <a:lvl1pPr marL="0" indent="0">
               <a:buNone/>
-              <a:defRPr sz="2400" b="1"/>
+              <a:defRPr sz="2400" b="0">
+                <a:solidFill>
+                  <a:schemeClr val="bg2">
+                    <a:lumMod val="40000"/>
+                    <a:lumOff val="60000"/>
+                  </a:schemeClr>
+                </a:solidFill>
+              </a:defRPr>
             </a:lvl1pPr>
             <a:lvl2pPr marL="457200" indent="0">
               <a:buNone/>
@@ -1425,13 +4116,43 @@
         </p:nvSpPr>
         <p:spPr>
           <a:xfrm>
-            <a:off x="839788" y="2505075"/>
-            <a:ext cx="5157787" cy="3684588"/>
+            <a:off x="1103312" y="2514600"/>
+            <a:ext cx="4396339" cy="3741738"/>
           </a:xfrm>
         </p:spPr>
         <p:txBody>
-          <a:bodyPr/>
-          <a:lstStyle/>
+          <a:bodyPr>
+            <a:normAutofit/>
+          </a:bodyPr>
+          <a:lstStyle>
+            <a:lvl1pPr>
+              <a:defRPr sz="1800"/>
+            </a:lvl1pPr>
+            <a:lvl2pPr>
+              <a:defRPr sz="1600"/>
+            </a:lvl2pPr>
+            <a:lvl3pPr>
+              <a:defRPr sz="1400"/>
+            </a:lvl3pPr>
+            <a:lvl4pPr>
+              <a:defRPr sz="1200"/>
+            </a:lvl4pPr>
+            <a:lvl5pPr>
+              <a:defRPr sz="1200"/>
+            </a:lvl5pPr>
+            <a:lvl6pPr>
+              <a:defRPr sz="1200"/>
+            </a:lvl6pPr>
+            <a:lvl7pPr>
+              <a:defRPr sz="1200"/>
+            </a:lvl7pPr>
+            <a:lvl8pPr>
+              <a:defRPr sz="1200"/>
+            </a:lvl8pPr>
+            <a:lvl9pPr>
+              <a:defRPr sz="1200"/>
+            </a:lvl9pPr>
+          </a:lstStyle>
           <a:p>
             <a:pPr lvl="0"/>
             <a:r>
@@ -1466,7 +4187,7 @@
               <a:rPr lang="en-US" smtClean="0"/>
               <a:t>Fifth level</a:t>
             </a:r>
-            <a:endParaRPr lang="en-US"/>
+            <a:endParaRPr lang="en-US" dirty="0"/>
           </a:p>
         </p:txBody>
       </p:sp>
@@ -1482,16 +4203,25 @@
         </p:nvSpPr>
         <p:spPr>
           <a:xfrm>
-            <a:off x="6172200" y="1681163"/>
-            <a:ext cx="5183188" cy="823912"/>
+            <a:off x="5654495" y="1905000"/>
+            <a:ext cx="4396339" cy="576262"/>
           </a:xfrm>
         </p:spPr>
         <p:txBody>
-          <a:bodyPr anchor="b"/>
+          <a:bodyPr anchor="b">
+            <a:noAutofit/>
+          </a:bodyPr>
           <a:lstStyle>
             <a:lvl1pPr marL="0" indent="0">
               <a:buNone/>
-              <a:defRPr sz="2400" b="1"/>
+              <a:defRPr sz="2400" b="0">
+                <a:solidFill>
+                  <a:schemeClr val="bg2">
+                    <a:lumMod val="40000"/>
+                    <a:lumOff val="60000"/>
+                  </a:schemeClr>
+                </a:solidFill>
+              </a:defRPr>
             </a:lvl1pPr>
             <a:lvl2pPr marL="457200" indent="0">
               <a:buNone/>
@@ -1547,69 +4277,99 @@
         </p:nvSpPr>
         <p:spPr>
           <a:xfrm>
-            <a:off x="6172200" y="2505075"/>
-            <a:ext cx="5183188" cy="3684588"/>
+            <a:off x="5654495" y="2514600"/>
+            <a:ext cx="4396339" cy="3741738"/>
           </a:xfrm>
         </p:spPr>
+        <p:txBody>
+          <a:bodyPr>
+            <a:normAutofit/>
+          </a:bodyPr>
+          <a:lstStyle>
+            <a:lvl1pPr>
+              <a:defRPr sz="1800"/>
+            </a:lvl1pPr>
+            <a:lvl2pPr>
+              <a:defRPr sz="1600"/>
+            </a:lvl2pPr>
+            <a:lvl3pPr>
+              <a:defRPr sz="1400"/>
+            </a:lvl3pPr>
+            <a:lvl4pPr>
+              <a:defRPr sz="1200"/>
+            </a:lvl4pPr>
+            <a:lvl5pPr>
+              <a:defRPr sz="1200"/>
+            </a:lvl5pPr>
+            <a:lvl6pPr>
+              <a:defRPr sz="1200"/>
+            </a:lvl6pPr>
+            <a:lvl7pPr>
+              <a:defRPr sz="1200"/>
+            </a:lvl7pPr>
+            <a:lvl8pPr>
+              <a:defRPr sz="1200"/>
+            </a:lvl8pPr>
+            <a:lvl9pPr>
+              <a:defRPr sz="1200"/>
+            </a:lvl9pPr>
+          </a:lstStyle>
+          <a:p>
+            <a:pPr lvl="0"/>
+            <a:r>
+              <a:rPr lang="en-US" smtClean="0"/>
+              <a:t>Click to edit Master text styles</a:t>
+            </a:r>
+          </a:p>
+          <a:p>
+            <a:pPr lvl="1"/>
+            <a:r>
+              <a:rPr lang="en-US" smtClean="0"/>
+              <a:t>Second level</a:t>
+            </a:r>
+          </a:p>
+          <a:p>
+            <a:pPr lvl="2"/>
+            <a:r>
+              <a:rPr lang="en-US" smtClean="0"/>
+              <a:t>Third level</a:t>
+            </a:r>
+          </a:p>
+          <a:p>
+            <a:pPr lvl="3"/>
+            <a:r>
+              <a:rPr lang="en-US" smtClean="0"/>
+              <a:t>Fourth level</a:t>
+            </a:r>
+          </a:p>
+          <a:p>
+            <a:pPr lvl="4"/>
+            <a:r>
+              <a:rPr lang="en-US" smtClean="0"/>
+              <a:t>Fifth level</a:t>
+            </a:r>
+            <a:endParaRPr lang="en-US" dirty="0"/>
+          </a:p>
+        </p:txBody>
+      </p:sp>
+      <p:sp>
+        <p:nvSpPr>
+          <p:cNvPr id="7" name="Date Placeholder 6"/>
+          <p:cNvSpPr>
+            <a:spLocks noGrp="1"/>
+          </p:cNvSpPr>
+          <p:nvPr>
+            <p:ph type="dt" sz="half" idx="10"/>
+          </p:nvPr>
+        </p:nvSpPr>
+        <p:spPr/>
         <p:txBody>
           <a:bodyPr/>
           <a:lstStyle/>
           <a:p>
-            <a:pPr lvl="0"/>
-            <a:r>
-              <a:rPr lang="en-US" smtClean="0"/>
-              <a:t>Click to edit Master text styles</a:t>
-            </a:r>
-          </a:p>
-          <a:p>
-            <a:pPr lvl="1"/>
-            <a:r>
-              <a:rPr lang="en-US" smtClean="0"/>
-              <a:t>Second level</a:t>
-            </a:r>
-          </a:p>
-          <a:p>
-            <a:pPr lvl="2"/>
-            <a:r>
-              <a:rPr lang="en-US" smtClean="0"/>
-              <a:t>Third level</a:t>
-            </a:r>
-          </a:p>
-          <a:p>
-            <a:pPr lvl="3"/>
-            <a:r>
-              <a:rPr lang="en-US" smtClean="0"/>
-              <a:t>Fourth level</a:t>
-            </a:r>
-          </a:p>
-          <a:p>
-            <a:pPr lvl="4"/>
-            <a:r>
-              <a:rPr lang="en-US" smtClean="0"/>
-              <a:t>Fifth level</a:t>
-            </a:r>
-            <a:endParaRPr lang="en-US"/>
-          </a:p>
-        </p:txBody>
-      </p:sp>
-      <p:sp>
-        <p:nvSpPr>
-          <p:cNvPr id="7" name="Date Placeholder 6"/>
-          <p:cNvSpPr>
-            <a:spLocks noGrp="1"/>
-          </p:cNvSpPr>
-          <p:nvPr>
-            <p:ph type="dt" sz="half" idx="10"/>
-          </p:nvPr>
-        </p:nvSpPr>
-        <p:spPr/>
-        <p:txBody>
-          <a:bodyPr/>
-          <a:lstStyle/>
-          <a:p>
             <a:fld id="{3B638056-2271-4463-BAE1-4AC5602DC725}" type="datetimeFigureOut">
               <a:rPr lang="en-US" smtClean="0"/>
-              <a:t>12/30/2015</a:t>
+              <a:t>12/31/2015</a:t>
             </a:fld>
             <a:endParaRPr lang="en-US"/>
           </a:p>
@@ -1660,7 +4420,7 @@
     </p:spTree>
     <p:extLst>
       <p:ext uri="{BB962C8B-B14F-4D97-AF65-F5344CB8AC3E}">
-        <p14:creationId xmlns:p14="http://schemas.microsoft.com/office/powerpoint/2010/main" val="445101411"/>
+        <p14:creationId xmlns:p14="http://schemas.microsoft.com/office/powerpoint/2010/main" val="2603550389"/>
       </p:ext>
     </p:extLst>
   </p:cSld>
@@ -1706,13 +4466,13 @@
               <a:rPr lang="en-US" smtClean="0"/>
               <a:t>Click to edit Master title style</a:t>
             </a:r>
-            <a:endParaRPr lang="en-US"/>
-          </a:p>
-        </p:txBody>
-      </p:sp>
-      <p:sp>
-        <p:nvSpPr>
-          <p:cNvPr id="3" name="Date Placeholder 2"/>
+            <a:endParaRPr lang="en-US" dirty="0"/>
+          </a:p>
+        </p:txBody>
+      </p:sp>
+      <p:sp>
+        <p:nvSpPr>
+          <p:cNvPr id="7" name="Date Placeholder 2"/>
           <p:cNvSpPr>
             <a:spLocks noGrp="1"/>
           </p:cNvSpPr>
@@ -1727,7 +4487,7 @@
           <a:p>
             <a:fld id="{3B638056-2271-4463-BAE1-4AC5602DC725}" type="datetimeFigureOut">
               <a:rPr lang="en-US" smtClean="0"/>
-              <a:t>12/30/2015</a:t>
+              <a:t>12/31/2015</a:t>
             </a:fld>
             <a:endParaRPr lang="en-US"/>
           </a:p>
@@ -1735,7 +4495,7 @@
       </p:sp>
       <p:sp>
         <p:nvSpPr>
-          <p:cNvPr id="4" name="Footer Placeholder 3"/>
+          <p:cNvPr id="5" name="Footer Placeholder 3"/>
           <p:cNvSpPr>
             <a:spLocks noGrp="1"/>
           </p:cNvSpPr>
@@ -1754,7 +4514,7 @@
       </p:sp>
       <p:sp>
         <p:nvSpPr>
-          <p:cNvPr id="5" name="Slide Number Placeholder 4"/>
+          <p:cNvPr id="6" name="Slide Number Placeholder 4"/>
           <p:cNvSpPr>
             <a:spLocks noGrp="1"/>
           </p:cNvSpPr>
@@ -1778,7 +4538,7 @@
     </p:spTree>
     <p:extLst>
       <p:ext uri="{BB962C8B-B14F-4D97-AF65-F5344CB8AC3E}">
-        <p14:creationId xmlns:p14="http://schemas.microsoft.com/office/powerpoint/2010/main" val="2299089898"/>
+        <p14:creationId xmlns:p14="http://schemas.microsoft.com/office/powerpoint/2010/main" val="3454628205"/>
       </p:ext>
     </p:extLst>
   </p:cSld>
@@ -1807,7 +4567,7 @@
       </p:grpSpPr>
       <p:sp>
         <p:nvSpPr>
-          <p:cNvPr id="2" name="Date Placeholder 1"/>
+          <p:cNvPr id="7" name="Date Placeholder 1"/>
           <p:cNvSpPr>
             <a:spLocks noGrp="1"/>
           </p:cNvSpPr>
@@ -1822,7 +4582,7 @@
           <a:p>
             <a:fld id="{3B638056-2271-4463-BAE1-4AC5602DC725}" type="datetimeFigureOut">
               <a:rPr lang="en-US" smtClean="0"/>
-              <a:t>12/30/2015</a:t>
+              <a:t>12/31/2015</a:t>
             </a:fld>
             <a:endParaRPr lang="en-US"/>
           </a:p>
@@ -1830,7 +4590,7 @@
       </p:sp>
       <p:sp>
         <p:nvSpPr>
-          <p:cNvPr id="3" name="Footer Placeholder 2"/>
+          <p:cNvPr id="5" name="Footer Placeholder 2"/>
           <p:cNvSpPr>
             <a:spLocks noGrp="1"/>
           </p:cNvSpPr>
@@ -1849,7 +4609,7 @@
       </p:sp>
       <p:sp>
         <p:nvSpPr>
-          <p:cNvPr id="4" name="Slide Number Placeholder 3"/>
+          <p:cNvPr id="6" name="Slide Number Placeholder 3"/>
           <p:cNvSpPr>
             <a:spLocks noGrp="1"/>
           </p:cNvSpPr>
@@ -1873,7 +4633,7 @@
     </p:spTree>
     <p:extLst>
       <p:ext uri="{BB962C8B-B14F-4D97-AF65-F5344CB8AC3E}">
-        <p14:creationId xmlns:p14="http://schemas.microsoft.com/office/powerpoint/2010/main" val="3597314765"/>
+        <p14:creationId xmlns:p14="http://schemas.microsoft.com/office/powerpoint/2010/main" val="1404458572"/>
       </p:ext>
     </p:extLst>
   </p:cSld>
@@ -1912,15 +4672,15 @@
         </p:nvSpPr>
         <p:spPr>
           <a:xfrm>
-            <a:off x="839788" y="457200"/>
-            <a:ext cx="3932237" cy="1600200"/>
+            <a:off x="1154953" y="1447800"/>
+            <a:ext cx="3401064" cy="1447800"/>
           </a:xfrm>
         </p:spPr>
         <p:txBody>
           <a:bodyPr anchor="b"/>
           <a:lstStyle>
-            <a:lvl1pPr>
-              <a:defRPr sz="3200"/>
+            <a:lvl1pPr algn="l">
+              <a:defRPr sz="2400" b="0"/>
             </a:lvl1pPr>
           </a:lstStyle>
           <a:p>
@@ -1928,7 +4688,7 @@
               <a:rPr lang="en-US" smtClean="0"/>
               <a:t>Click to edit Master title style</a:t>
             </a:r>
-            <a:endParaRPr lang="en-US"/>
+            <a:endParaRPr lang="en-US" dirty="0"/>
           </a:p>
         </p:txBody>
       </p:sp>
@@ -1944,39 +4704,41 @@
         </p:nvSpPr>
         <p:spPr>
           <a:xfrm>
-            <a:off x="5183188" y="987425"/>
-            <a:ext cx="6172200" cy="4873625"/>
+            <a:off x="4784616" y="1447800"/>
+            <a:ext cx="5195997" cy="4572000"/>
           </a:xfrm>
         </p:spPr>
         <p:txBody>
-          <a:bodyPr/>
+          <a:bodyPr anchor="ctr">
+            <a:normAutofit/>
+          </a:bodyPr>
           <a:lstStyle>
             <a:lvl1pPr>
-              <a:defRPr sz="3200"/>
+              <a:defRPr sz="2000"/>
             </a:lvl1pPr>
             <a:lvl2pPr>
-              <a:defRPr sz="2800"/>
+              <a:defRPr sz="1800"/>
             </a:lvl2pPr>
             <a:lvl3pPr>
-              <a:defRPr sz="2400"/>
+              <a:defRPr sz="1600"/>
             </a:lvl3pPr>
             <a:lvl4pPr>
-              <a:defRPr sz="2000"/>
+              <a:defRPr sz="1400"/>
             </a:lvl4pPr>
             <a:lvl5pPr>
-              <a:defRPr sz="2000"/>
+              <a:defRPr sz="1400"/>
             </a:lvl5pPr>
             <a:lvl6pPr>
-              <a:defRPr sz="2000"/>
+              <a:defRPr sz="1400"/>
             </a:lvl6pPr>
             <a:lvl7pPr>
-              <a:defRPr sz="2000"/>
+              <a:defRPr sz="1400"/>
             </a:lvl7pPr>
             <a:lvl8pPr>
-              <a:defRPr sz="2000"/>
+              <a:defRPr sz="1400"/>
             </a:lvl8pPr>
             <a:lvl9pPr>
-              <a:defRPr sz="2000"/>
+              <a:defRPr sz="1400"/>
             </a:lvl9pPr>
           </a:lstStyle>
           <a:p>
@@ -2013,7 +4775,7 @@
               <a:rPr lang="en-US" smtClean="0"/>
               <a:t>Fifth level</a:t>
             </a:r>
-            <a:endParaRPr lang="en-US"/>
+            <a:endParaRPr lang="en-US" dirty="0"/>
           </a:p>
         </p:txBody>
       </p:sp>
@@ -2029,8 +4791,8 @@
         </p:nvSpPr>
         <p:spPr>
           <a:xfrm>
-            <a:off x="839788" y="2057400"/>
-            <a:ext cx="3932237" cy="3811588"/>
+            <a:off x="1154953" y="3129280"/>
+            <a:ext cx="3401063" cy="2895599"/>
           </a:xfrm>
         </p:spPr>
         <p:txBody>
@@ -2038,39 +4800,39 @@
           <a:lstStyle>
             <a:lvl1pPr marL="0" indent="0">
               <a:buNone/>
-              <a:defRPr sz="1600"/>
+              <a:defRPr sz="1400"/>
             </a:lvl1pPr>
             <a:lvl2pPr marL="457200" indent="0">
               <a:buNone/>
-              <a:defRPr sz="1400"/>
+              <a:defRPr sz="1200"/>
             </a:lvl2pPr>
             <a:lvl3pPr marL="914400" indent="0">
               <a:buNone/>
-              <a:defRPr sz="1200"/>
+              <a:defRPr sz="1000"/>
             </a:lvl3pPr>
             <a:lvl4pPr marL="1371600" indent="0">
               <a:buNone/>
-              <a:defRPr sz="1000"/>
+              <a:defRPr sz="900"/>
             </a:lvl4pPr>
             <a:lvl5pPr marL="1828800" indent="0">
               <a:buNone/>
-              <a:defRPr sz="1000"/>
+              <a:defRPr sz="900"/>
             </a:lvl5pPr>
             <a:lvl6pPr marL="2286000" indent="0">
               <a:buNone/>
-              <a:defRPr sz="1000"/>
+              <a:defRPr sz="900"/>
             </a:lvl6pPr>
             <a:lvl7pPr marL="2743200" indent="0">
               <a:buNone/>
-              <a:defRPr sz="1000"/>
+              <a:defRPr sz="900"/>
             </a:lvl7pPr>
             <a:lvl8pPr marL="3200400" indent="0">
               <a:buNone/>
-              <a:defRPr sz="1000"/>
+              <a:defRPr sz="900"/>
             </a:lvl8pPr>
             <a:lvl9pPr marL="3657600" indent="0">
               <a:buNone/>
-              <a:defRPr sz="1000"/>
+              <a:defRPr sz="900"/>
             </a:lvl9pPr>
           </a:lstStyle>
           <a:p>
@@ -2084,7 +4846,7 @@
       </p:sp>
       <p:sp>
         <p:nvSpPr>
-          <p:cNvPr id="5" name="Date Placeholder 4"/>
+          <p:cNvPr id="7" name="Date Placeholder 4"/>
           <p:cNvSpPr>
             <a:spLocks noGrp="1"/>
           </p:cNvSpPr>
@@ -2099,7 +4861,7 @@
           <a:p>
             <a:fld id="{3B638056-2271-4463-BAE1-4AC5602DC725}" type="datetimeFigureOut">
               <a:rPr lang="en-US" smtClean="0"/>
-              <a:t>12/30/2015</a:t>
+              <a:t>12/31/2015</a:t>
             </a:fld>
             <a:endParaRPr lang="en-US"/>
           </a:p>
@@ -2107,7 +4869,7 @@
       </p:sp>
       <p:sp>
         <p:nvSpPr>
-          <p:cNvPr id="6" name="Footer Placeholder 5"/>
+          <p:cNvPr id="5" name="Footer Placeholder 5"/>
           <p:cNvSpPr>
             <a:spLocks noGrp="1"/>
           </p:cNvSpPr>
@@ -2126,7 +4888,7 @@
       </p:sp>
       <p:sp>
         <p:nvSpPr>
-          <p:cNvPr id="7" name="Slide Number Placeholder 6"/>
+          <p:cNvPr id="6" name="Slide Number Placeholder 6"/>
           <p:cNvSpPr>
             <a:spLocks noGrp="1"/>
           </p:cNvSpPr>
@@ -2150,7 +4912,7 @@
     </p:spTree>
     <p:extLst>
       <p:ext uri="{BB962C8B-B14F-4D97-AF65-F5344CB8AC3E}">
-        <p14:creationId xmlns:p14="http://schemas.microsoft.com/office/powerpoint/2010/main" val="2461836770"/>
+        <p14:creationId xmlns:p14="http://schemas.microsoft.com/office/powerpoint/2010/main" val="595187967"/>
       </p:ext>
     </p:extLst>
   </p:cSld>
@@ -2189,15 +4951,17 @@
         </p:nvSpPr>
         <p:spPr>
           <a:xfrm>
-            <a:off x="839788" y="457200"/>
-            <a:ext cx="3932237" cy="1600200"/>
+            <a:off x="1153907" y="1854192"/>
+            <a:ext cx="5092906" cy="1574808"/>
           </a:xfrm>
         </p:spPr>
         <p:txBody>
-          <a:bodyPr anchor="b"/>
+          <a:bodyPr anchor="b">
+            <a:normAutofit/>
+          </a:bodyPr>
           <a:lstStyle>
-            <a:lvl1pPr>
-              <a:defRPr sz="3200"/>
+            <a:lvl1pPr algn="l">
+              <a:defRPr sz="3600" b="0"/>
             </a:lvl1pPr>
           </a:lstStyle>
           <a:p>
@@ -2205,7 +4969,7 @@
               <a:rPr lang="en-US" smtClean="0"/>
               <a:t>Click to edit Master title style</a:t>
             </a:r>
-            <a:endParaRPr lang="en-US"/>
+            <a:endParaRPr lang="en-US" dirty="0"/>
           </a:p>
         </p:txBody>
       </p:sp>
@@ -2213,7 +4977,7 @@
         <p:nvSpPr>
           <p:cNvPr id="3" name="Picture Placeholder 2"/>
           <p:cNvSpPr>
-            <a:spLocks noGrp="1"/>
+            <a:spLocks noGrp="1" noChangeAspect="1"/>
           </p:cNvSpPr>
           <p:nvPr>
             <p:ph type="pic" idx="1"/>
@@ -2221,112 +4985,132 @@
         </p:nvSpPr>
         <p:spPr>
           <a:xfrm>
-            <a:off x="5183188" y="987425"/>
-            <a:ext cx="6172200" cy="4873625"/>
-          </a:xfrm>
+            <a:off x="6949546" y="1143000"/>
+            <a:ext cx="3200400" cy="4572000"/>
+          </a:xfrm>
+          <a:prstGeom prst="roundRect">
+            <a:avLst>
+              <a:gd name="adj" fmla="val 1858"/>
+            </a:avLst>
+          </a:prstGeom>
+          <a:effectLst>
+            <a:outerShdw blurRad="50800" dist="50800" dir="5400000" algn="tl" rotWithShape="0">
+              <a:srgbClr val="000000">
+                <a:alpha val="43000"/>
+              </a:srgbClr>
+            </a:outerShdw>
+          </a:effectLst>
         </p:spPr>
         <p:txBody>
-          <a:bodyPr/>
+          <a:bodyPr anchor="t">
+            <a:normAutofit/>
+          </a:bodyPr>
           <a:lstStyle>
-            <a:lvl1pPr marL="0" indent="0">
-              <a:buNone/>
-              <a:defRPr sz="3200"/>
-            </a:lvl1pPr>
-            <a:lvl2pPr marL="457200" indent="0">
-              <a:buNone/>
-              <a:defRPr sz="2800"/>
-            </a:lvl2pPr>
-            <a:lvl3pPr marL="914400" indent="0">
-              <a:buNone/>
-              <a:defRPr sz="2400"/>
-            </a:lvl3pPr>
-            <a:lvl4pPr marL="1371600" indent="0">
-              <a:buNone/>
-              <a:defRPr sz="2000"/>
-            </a:lvl4pPr>
-            <a:lvl5pPr marL="1828800" indent="0">
-              <a:buNone/>
-              <a:defRPr sz="2000"/>
-            </a:lvl5pPr>
-            <a:lvl6pPr marL="2286000" indent="0">
-              <a:buNone/>
-              <a:defRPr sz="2000"/>
-            </a:lvl6pPr>
-            <a:lvl7pPr marL="2743200" indent="0">
-              <a:buNone/>
-              <a:defRPr sz="2000"/>
-            </a:lvl7pPr>
-            <a:lvl8pPr marL="3200400" indent="0">
-              <a:buNone/>
-              <a:defRPr sz="2000"/>
-            </a:lvl8pPr>
-            <a:lvl9pPr marL="3657600" indent="0">
-              <a:buNone/>
-              <a:defRPr sz="2000"/>
-            </a:lvl9pPr>
-          </a:lstStyle>
-          <a:p>
-            <a:endParaRPr lang="en-US"/>
-          </a:p>
-        </p:txBody>
-      </p:sp>
-      <p:sp>
-        <p:nvSpPr>
-          <p:cNvPr id="4" name="Text Placeholder 3"/>
-          <p:cNvSpPr>
-            <a:spLocks noGrp="1"/>
-          </p:cNvSpPr>
-          <p:nvPr>
-            <p:ph type="body" sz="half" idx="2"/>
-          </p:nvPr>
-        </p:nvSpPr>
-        <p:spPr>
-          <a:xfrm>
-            <a:off x="839788" y="2057400"/>
-            <a:ext cx="3932237" cy="3811588"/>
-          </a:xfrm>
-        </p:spPr>
-        <p:txBody>
-          <a:bodyPr/>
-          <a:lstStyle>
-            <a:lvl1pPr marL="0" indent="0">
+            <a:lvl1pPr marL="0" indent="0" algn="ctr">
               <a:buNone/>
               <a:defRPr sz="1600"/>
             </a:lvl1pPr>
             <a:lvl2pPr marL="457200" indent="0">
               <a:buNone/>
-              <a:defRPr sz="1400"/>
+              <a:defRPr sz="1600"/>
             </a:lvl2pPr>
             <a:lvl3pPr marL="914400" indent="0">
               <a:buNone/>
-              <a:defRPr sz="1200"/>
+              <a:defRPr sz="1600"/>
             </a:lvl3pPr>
             <a:lvl4pPr marL="1371600" indent="0">
               <a:buNone/>
-              <a:defRPr sz="1000"/>
+              <a:defRPr sz="1600"/>
             </a:lvl4pPr>
             <a:lvl5pPr marL="1828800" indent="0">
               <a:buNone/>
-              <a:defRPr sz="1000"/>
+              <a:defRPr sz="1600"/>
             </a:lvl5pPr>
             <a:lvl6pPr marL="2286000" indent="0">
               <a:buNone/>
-              <a:defRPr sz="1000"/>
+              <a:defRPr sz="1600"/>
             </a:lvl6pPr>
             <a:lvl7pPr marL="2743200" indent="0">
               <a:buNone/>
-              <a:defRPr sz="1000"/>
+              <a:defRPr sz="1600"/>
             </a:lvl7pPr>
             <a:lvl8pPr marL="3200400" indent="0">
               <a:buNone/>
-              <a:defRPr sz="1000"/>
+              <a:defRPr sz="1600"/>
             </a:lvl8pPr>
             <a:lvl9pPr marL="3657600" indent="0">
               <a:buNone/>
-              <a:defRPr sz="1000"/>
+              <a:defRPr sz="1600"/>
             </a:lvl9pPr>
           </a:lstStyle>
           <a:p>
+            <a:r>
+              <a:rPr lang="en-US" smtClean="0"/>
+              <a:t>Click icon to add picture</a:t>
+            </a:r>
+            <a:endParaRPr lang="en-US" dirty="0"/>
+          </a:p>
+        </p:txBody>
+      </p:sp>
+      <p:sp>
+        <p:nvSpPr>
+          <p:cNvPr id="4" name="Text Placeholder 3"/>
+          <p:cNvSpPr>
+            <a:spLocks noGrp="1"/>
+          </p:cNvSpPr>
+          <p:nvPr>
+            <p:ph type="body" sz="half" idx="2"/>
+          </p:nvPr>
+        </p:nvSpPr>
+        <p:spPr>
+          <a:xfrm>
+            <a:off x="1154954" y="3657600"/>
+            <a:ext cx="5084979" cy="1371600"/>
+          </a:xfrm>
+        </p:spPr>
+        <p:txBody>
+          <a:bodyPr>
+            <a:normAutofit/>
+          </a:bodyPr>
+          <a:lstStyle>
+            <a:lvl1pPr marL="0" indent="0">
+              <a:buNone/>
+              <a:defRPr sz="1400"/>
+            </a:lvl1pPr>
+            <a:lvl2pPr marL="457200" indent="0">
+              <a:buNone/>
+              <a:defRPr sz="1200"/>
+            </a:lvl2pPr>
+            <a:lvl3pPr marL="914400" indent="0">
+              <a:buNone/>
+              <a:defRPr sz="1000"/>
+            </a:lvl3pPr>
+            <a:lvl4pPr marL="1371600" indent="0">
+              <a:buNone/>
+              <a:defRPr sz="900"/>
+            </a:lvl4pPr>
+            <a:lvl5pPr marL="1828800" indent="0">
+              <a:buNone/>
+              <a:defRPr sz="900"/>
+            </a:lvl5pPr>
+            <a:lvl6pPr marL="2286000" indent="0">
+              <a:buNone/>
+              <a:defRPr sz="900"/>
+            </a:lvl6pPr>
+            <a:lvl7pPr marL="2743200" indent="0">
+              <a:buNone/>
+              <a:defRPr sz="900"/>
+            </a:lvl7pPr>
+            <a:lvl8pPr marL="3200400" indent="0">
+              <a:buNone/>
+              <a:defRPr sz="900"/>
+            </a:lvl8pPr>
+            <a:lvl9pPr marL="3657600" indent="0">
+              <a:buNone/>
+              <a:defRPr sz="900"/>
+            </a:lvl9pPr>
+          </a:lstStyle>
+          <a:p>
             <a:pPr lvl="0"/>
             <a:r>
               <a:rPr lang="en-US" smtClean="0"/>
@@ -2352,7 +5136,7 @@
           <a:p>
             <a:fld id="{3B638056-2271-4463-BAE1-4AC5602DC725}" type="datetimeFigureOut">
               <a:rPr lang="en-US" smtClean="0"/>
-              <a:t>12/30/2015</a:t>
+              <a:t>12/31/2015</a:t>
             </a:fld>
             <a:endParaRPr lang="en-US"/>
           </a:p>
@@ -2403,7 +5187,7 @@
     </p:spTree>
     <p:extLst>
       <p:ext uri="{BB962C8B-B14F-4D97-AF65-F5344CB8AC3E}">
-        <p14:creationId xmlns:p14="http://schemas.microsoft.com/office/powerpoint/2010/main" val="50326869"/>
+        <p14:creationId xmlns:p14="http://schemas.microsoft.com/office/powerpoint/2010/main" val="1983293208"/>
       </p:ext>
     </p:extLst>
   </p:cSld>
@@ -2417,8 +5201,8 @@
 <p:sldMaster xmlns:a="http://schemas.openxmlformats.org/drawingml/2006/main" xmlns:r="http://schemas.openxmlformats.org/officeDocument/2006/relationships" xmlns:p="http://schemas.openxmlformats.org/presentationml/2006/main">
   <p:cSld>
     <p:bg>
-      <p:bgRef idx="1001">
-        <a:schemeClr val="bg1"/>
+      <p:bgRef idx="1003">
+        <a:schemeClr val="bg2"/>
       </p:bgRef>
     </p:bg>
     <p:spTree>
@@ -2435,58 +5219,273 @@
           <a:chExt cx="0" cy="0"/>
         </a:xfrm>
       </p:grpSpPr>
-      <p:sp>
-        <p:nvSpPr>
-          <p:cNvPr id="2" name="Title Placeholder 1"/>
-          <p:cNvSpPr>
-            <a:spLocks noGrp="1"/>
-          </p:cNvSpPr>
-          <p:nvPr>
-            <p:ph type="title"/>
-          </p:nvPr>
-        </p:nvSpPr>
+      <p:pic>
+        <p:nvPicPr>
+          <p:cNvPr id="8" name="Picture 7"/>
+          <p:cNvPicPr>
+            <a:picLocks noChangeAspect="1"/>
+          </p:cNvPicPr>
+          <p:nvPr/>
+        </p:nvPicPr>
+        <p:blipFill rotWithShape="1">
+          <a:blip r:embed="rId19">
+            <a:extLst>
+              <a:ext uri="{28A0092B-C50C-407E-A947-70E740481C1C}">
+                <a14:useLocalDpi xmlns:a14="http://schemas.microsoft.com/office/drawing/2010/main" val="0"/>
+              </a:ext>
+            </a:extLst>
+          </a:blip>
+          <a:srcRect l="3613"/>
+          <a:stretch/>
+        </p:blipFill>
         <p:spPr>
           <a:xfrm>
-            <a:off x="838200" y="365125"/>
-            <a:ext cx="10515600" cy="1325563"/>
+            <a:off x="0" y="2669685"/>
+            <a:ext cx="4037012" cy="4188315"/>
           </a:xfrm>
           <a:prstGeom prst="rect">
             <a:avLst/>
           </a:prstGeom>
         </p:spPr>
-        <p:txBody>
-          <a:bodyPr vert="horz" lIns="91440" tIns="45720" rIns="91440" bIns="45720" rtlCol="0" anchor="ctr">
-            <a:normAutofit/>
-          </a:bodyPr>
-          <a:lstStyle/>
-          <a:p>
-            <a:r>
-              <a:rPr lang="en-US" smtClean="0"/>
-              <a:t>Click to edit Master title style</a:t>
-            </a:r>
-            <a:endParaRPr lang="en-US"/>
-          </a:p>
-        </p:txBody>
-      </p:sp>
-      <p:sp>
-        <p:nvSpPr>
-          <p:cNvPr id="3" name="Text Placeholder 2"/>
-          <p:cNvSpPr>
-            <a:spLocks noGrp="1"/>
-          </p:cNvSpPr>
-          <p:nvPr>
-            <p:ph type="body" idx="1"/>
-          </p:nvPr>
-        </p:nvSpPr>
+      </p:pic>
+      <p:pic>
+        <p:nvPicPr>
+          <p:cNvPr id="7" name="Picture 6"/>
+          <p:cNvPicPr>
+            <a:picLocks noChangeAspect="1"/>
+          </p:cNvPicPr>
+          <p:nvPr/>
+        </p:nvPicPr>
+        <p:blipFill rotWithShape="1">
+          <a:blip r:embed="rId20">
+            <a:extLst>
+              <a:ext uri="{28A0092B-C50C-407E-A947-70E740481C1C}">
+                <a14:useLocalDpi xmlns:a14="http://schemas.microsoft.com/office/drawing/2010/main" val="0"/>
+              </a:ext>
+            </a:extLst>
+          </a:blip>
+          <a:srcRect l="35640"/>
+          <a:stretch/>
+        </p:blipFill>
         <p:spPr>
           <a:xfrm>
-            <a:off x="838200" y="1825625"/>
-            <a:ext cx="10515600" cy="4351338"/>
+            <a:off x="0" y="2892347"/>
+            <a:ext cx="1522412" cy="2365453"/>
           </a:xfrm>
           <a:prstGeom prst="rect">
             <a:avLst/>
           </a:prstGeom>
         </p:spPr>
+      </p:pic>
+      <p:sp>
+        <p:nvSpPr>
+          <p:cNvPr id="16" name="Oval 15"/>
+          <p:cNvSpPr/>
+          <p:nvPr/>
+        </p:nvSpPr>
+        <p:spPr>
+          <a:xfrm>
+            <a:off x="8609012" y="1676400"/>
+            <a:ext cx="2819400" cy="2819400"/>
+          </a:xfrm>
+          <a:prstGeom prst="ellipse">
+            <a:avLst/>
+          </a:prstGeom>
+          <a:gradFill flip="none" rotWithShape="1">
+            <a:gsLst>
+              <a:gs pos="0">
+                <a:schemeClr val="bg2">
+                  <a:lumMod val="60000"/>
+                  <a:lumOff val="40000"/>
+                  <a:alpha val="7000"/>
+                </a:schemeClr>
+              </a:gs>
+              <a:gs pos="69000">
+                <a:schemeClr val="bg2">
+                  <a:lumMod val="60000"/>
+                  <a:lumOff val="40000"/>
+                  <a:alpha val="0"/>
+                </a:schemeClr>
+              </a:gs>
+              <a:gs pos="36000">
+                <a:schemeClr val="bg2">
+                  <a:lumMod val="60000"/>
+                  <a:lumOff val="40000"/>
+                  <a:alpha val="6000"/>
+                </a:schemeClr>
+              </a:gs>
+            </a:gsLst>
+            <a:path path="circle">
+              <a:fillToRect l="50000" t="50000" r="50000" b="50000"/>
+            </a:path>
+            <a:tileRect/>
+          </a:gradFill>
+          <a:ln>
+            <a:noFill/>
+          </a:ln>
+          <a:effectLst/>
+        </p:spPr>
+        <p:style>
+          <a:lnRef idx="1">
+            <a:schemeClr val="accent1"/>
+          </a:lnRef>
+          <a:fillRef idx="3">
+            <a:schemeClr val="accent1"/>
+          </a:fillRef>
+          <a:effectRef idx="2">
+            <a:schemeClr val="accent1"/>
+          </a:effectRef>
+          <a:fontRef idx="minor">
+            <a:schemeClr val="lt1"/>
+          </a:fontRef>
+        </p:style>
+      </p:sp>
+      <p:pic>
+        <p:nvPicPr>
+          <p:cNvPr id="9" name="Picture 8"/>
+          <p:cNvPicPr>
+            <a:picLocks noChangeAspect="1"/>
+          </p:cNvPicPr>
+          <p:nvPr/>
+        </p:nvPicPr>
+        <p:blipFill rotWithShape="1">
+          <a:blip r:embed="rId21">
+            <a:extLst>
+              <a:ext uri="{28A0092B-C50C-407E-A947-70E740481C1C}">
+                <a14:useLocalDpi xmlns:a14="http://schemas.microsoft.com/office/drawing/2010/main" val="0"/>
+              </a:ext>
+            </a:extLst>
+          </a:blip>
+          <a:srcRect t="28813"/>
+          <a:stretch/>
+        </p:blipFill>
+        <p:spPr>
+          <a:xfrm>
+            <a:off x="7999412" y="0"/>
+            <a:ext cx="1603387" cy="1141407"/>
+          </a:xfrm>
+          <a:prstGeom prst="rect">
+            <a:avLst/>
+          </a:prstGeom>
+        </p:spPr>
+      </p:pic>
+      <p:pic>
+        <p:nvPicPr>
+          <p:cNvPr id="10" name="Picture 9"/>
+          <p:cNvPicPr>
+            <a:picLocks noChangeAspect="1"/>
+          </p:cNvPicPr>
+          <p:nvPr/>
+        </p:nvPicPr>
+        <p:blipFill rotWithShape="1">
+          <a:blip r:embed="rId22">
+            <a:extLst>
+              <a:ext uri="{28A0092B-C50C-407E-A947-70E740481C1C}">
+                <a14:useLocalDpi xmlns:a14="http://schemas.microsoft.com/office/drawing/2010/main" val="0"/>
+              </a:ext>
+            </a:extLst>
+          </a:blip>
+          <a:srcRect b="23320"/>
+          <a:stretch/>
+        </p:blipFill>
+        <p:spPr>
+          <a:xfrm>
+            <a:off x="8605878" y="6096000"/>
+            <a:ext cx="993734" cy="762000"/>
+          </a:xfrm>
+          <a:prstGeom prst="rect">
+            <a:avLst/>
+          </a:prstGeom>
+        </p:spPr>
+      </p:pic>
+      <p:sp>
+        <p:nvSpPr>
+          <p:cNvPr id="14" name="Rectangle 13"/>
+          <p:cNvSpPr/>
+          <p:nvPr/>
+        </p:nvSpPr>
+        <p:spPr>
+          <a:xfrm>
+            <a:off x="10437812" y="0"/>
+            <a:ext cx="685800" cy="1143000"/>
+          </a:xfrm>
+          <a:prstGeom prst="rect">
+            <a:avLst/>
+          </a:prstGeom>
+          <a:solidFill>
+            <a:schemeClr val="accent1"/>
+          </a:solidFill>
+          <a:ln>
+            <a:noFill/>
+          </a:ln>
+        </p:spPr>
+        <p:style>
+          <a:lnRef idx="1">
+            <a:schemeClr val="accent1"/>
+          </a:lnRef>
+          <a:fillRef idx="3">
+            <a:schemeClr val="accent1"/>
+          </a:fillRef>
+          <a:effectRef idx="2">
+            <a:schemeClr val="accent1"/>
+          </a:effectRef>
+          <a:fontRef idx="minor">
+            <a:schemeClr val="lt1"/>
+          </a:fontRef>
+        </p:style>
+      </p:sp>
+      <p:sp>
+        <p:nvSpPr>
+          <p:cNvPr id="2" name="Title Placeholder 1"/>
+          <p:cNvSpPr>
+            <a:spLocks noGrp="1"/>
+          </p:cNvSpPr>
+          <p:nvPr>
+            <p:ph type="title"/>
+          </p:nvPr>
+        </p:nvSpPr>
+        <p:spPr>
+          <a:xfrm>
+            <a:off x="646111" y="452718"/>
+            <a:ext cx="9404723" cy="1400530"/>
+          </a:xfrm>
+          <a:prstGeom prst="rect">
+            <a:avLst/>
+          </a:prstGeom>
+        </p:spPr>
+        <p:txBody>
+          <a:bodyPr vert="horz" lIns="91440" tIns="45720" rIns="91440" bIns="45720" rtlCol="0" anchor="t">
+            <a:noAutofit/>
+          </a:bodyPr>
+          <a:lstStyle/>
+          <a:p>
+            <a:r>
+              <a:rPr lang="en-US" smtClean="0"/>
+              <a:t>Click to edit Master title style</a:t>
+            </a:r>
+            <a:endParaRPr lang="en-US" dirty="0"/>
+          </a:p>
+        </p:txBody>
+      </p:sp>
+      <p:sp>
+        <p:nvSpPr>
+          <p:cNvPr id="3" name="Text Placeholder 2"/>
+          <p:cNvSpPr>
+            <a:spLocks noGrp="1"/>
+          </p:cNvSpPr>
+          <p:nvPr>
+            <p:ph type="body" idx="1"/>
+          </p:nvPr>
+        </p:nvSpPr>
+        <p:spPr>
+          <a:xfrm>
+            <a:off x="1103312" y="2052918"/>
+            <a:ext cx="8946541" cy="4195481"/>
+          </a:xfrm>
+          <a:prstGeom prst="rect">
+            <a:avLst/>
+          </a:prstGeom>
+        </p:spPr>
         <p:txBody>
           <a:bodyPr vert="horz" lIns="91440" tIns="45720" rIns="91440" bIns="45720" rtlCol="0">
             <a:normAutofit/>
@@ -2526,7 +5525,7 @@
               <a:rPr lang="en-US" smtClean="0"/>
               <a:t>Fifth level</a:t>
             </a:r>
-            <a:endParaRPr lang="en-US"/>
+            <a:endParaRPr lang="en-US" dirty="0"/>
           </a:p>
         </p:txBody>
       </p:sp>
@@ -2541,19 +5540,99 @@
           </p:nvPr>
         </p:nvSpPr>
         <p:spPr>
-          <a:xfrm>
-            <a:off x="838200" y="6356350"/>
-            <a:ext cx="2743200" cy="365125"/>
+          <a:xfrm rot="5400000">
+            <a:off x="10155639" y="1790701"/>
+            <a:ext cx="990599" cy="304799"/>
           </a:xfrm>
           <a:prstGeom prst="rect">
             <a:avLst/>
           </a:prstGeom>
         </p:spPr>
         <p:txBody>
-          <a:bodyPr vert="horz" lIns="91440" tIns="45720" rIns="91440" bIns="45720" rtlCol="0" anchor="ctr"/>
+          <a:bodyPr vert="horz" lIns="91440" tIns="45720" rIns="91440" bIns="45720" rtlCol="0" anchor="t"/>
           <a:lstStyle>
             <a:lvl1pPr algn="l">
-              <a:defRPr sz="1200">
+              <a:defRPr sz="1100" b="0" i="0">
+                <a:solidFill>
+                  <a:schemeClr val="tx1">
+                    <a:tint val="75000"/>
+                    <a:alpha val="60000"/>
+                  </a:schemeClr>
+                </a:solidFill>
+              </a:defRPr>
+            </a:lvl1pPr>
+          </a:lstStyle>
+          <a:p>
+            <a:fld id="{3B638056-2271-4463-BAE1-4AC5602DC725}" type="datetimeFigureOut">
+              <a:rPr lang="en-US" smtClean="0"/>
+              <a:t>12/31/2015</a:t>
+            </a:fld>
+            <a:endParaRPr lang="en-US"/>
+          </a:p>
+        </p:txBody>
+      </p:sp>
+      <p:sp>
+        <p:nvSpPr>
+          <p:cNvPr id="5" name="Footer Placeholder 4"/>
+          <p:cNvSpPr>
+            <a:spLocks noGrp="1"/>
+          </p:cNvSpPr>
+          <p:nvPr>
+            <p:ph type="ftr" sz="quarter" idx="3"/>
+          </p:nvPr>
+        </p:nvSpPr>
+        <p:spPr>
+          <a:xfrm rot="5400000">
+            <a:off x="8951573" y="3225297"/>
+            <a:ext cx="3859795" cy="304801"/>
+          </a:xfrm>
+          <a:prstGeom prst="rect">
+            <a:avLst/>
+          </a:prstGeom>
+        </p:spPr>
+        <p:txBody>
+          <a:bodyPr vert="horz" lIns="91440" tIns="45720" rIns="91440" bIns="45720" rtlCol="0" anchor="b"/>
+          <a:lstStyle>
+            <a:lvl1pPr algn="l">
+              <a:defRPr sz="1100" b="0" i="0">
+                <a:solidFill>
+                  <a:schemeClr val="tx1">
+                    <a:tint val="75000"/>
+                    <a:alpha val="60000"/>
+                  </a:schemeClr>
+                </a:solidFill>
+              </a:defRPr>
+            </a:lvl1pPr>
+          </a:lstStyle>
+          <a:p>
+            <a:endParaRPr lang="en-US"/>
+          </a:p>
+        </p:txBody>
+      </p:sp>
+      <p:sp>
+        <p:nvSpPr>
+          <p:cNvPr id="6" name="Slide Number Placeholder 5"/>
+          <p:cNvSpPr>
+            <a:spLocks noGrp="1"/>
+          </p:cNvSpPr>
+          <p:nvPr>
+            <p:ph type="sldNum" sz="quarter" idx="4"/>
+          </p:nvPr>
+        </p:nvSpPr>
+        <p:spPr bwMode="gray">
+          <a:xfrm>
+            <a:off x="10352540" y="295729"/>
+            <a:ext cx="838199" cy="767687"/>
+          </a:xfrm>
+          <a:prstGeom prst="rect">
+            <a:avLst/>
+          </a:prstGeom>
+        </p:spPr>
+        <p:txBody>
+          <a:bodyPr vert="horz" lIns="91440" tIns="45720" rIns="91440" bIns="45720" rtlCol="0" anchor="b"/>
+          <a:lstStyle>
+            <a:lvl1pPr algn="ctr">
+              <a:defRPr sz="2800" b="0" i="0">
                 <a:solidFill>
                   <a:schemeClr val="tx1">
                     <a:tint val="75000"/>
@@ -2563,84 +5642,6 @@
             </a:lvl1pPr>
           </a:lstStyle>
           <a:p>
-            <a:fld id="{3B638056-2271-4463-BAE1-4AC5602DC725}" type="datetimeFigureOut">
-              <a:rPr lang="en-US" smtClean="0"/>
-              <a:t>12/30/2015</a:t>
-            </a:fld>
-            <a:endParaRPr lang="en-US"/>
-          </a:p>
-        </p:txBody>
-      </p:sp>
-      <p:sp>
-        <p:nvSpPr>
-          <p:cNvPr id="5" name="Footer Placeholder 4"/>
-          <p:cNvSpPr>
-            <a:spLocks noGrp="1"/>
-          </p:cNvSpPr>
-          <p:nvPr>
-            <p:ph type="ftr" sz="quarter" idx="3"/>
-          </p:nvPr>
-        </p:nvSpPr>
-        <p:spPr>
-          <a:xfrm>
-            <a:off x="4038600" y="6356350"/>
-            <a:ext cx="4114800" cy="365125"/>
-          </a:xfrm>
-          <a:prstGeom prst="rect">
-            <a:avLst/>
-          </a:prstGeom>
-        </p:spPr>
-        <p:txBody>
-          <a:bodyPr vert="horz" lIns="91440" tIns="45720" rIns="91440" bIns="45720" rtlCol="0" anchor="ctr"/>
-          <a:lstStyle>
-            <a:lvl1pPr algn="ctr">
-              <a:defRPr sz="1200">
-                <a:solidFill>
-                  <a:schemeClr val="tx1">
-                    <a:tint val="75000"/>
-                  </a:schemeClr>
-                </a:solidFill>
-              </a:defRPr>
-            </a:lvl1pPr>
-          </a:lstStyle>
-          <a:p>
-            <a:endParaRPr lang="en-US"/>
-          </a:p>
-        </p:txBody>
-      </p:sp>
-      <p:sp>
-        <p:nvSpPr>
-          <p:cNvPr id="6" name="Slide Number Placeholder 5"/>
-          <p:cNvSpPr>
-            <a:spLocks noGrp="1"/>
-          </p:cNvSpPr>
-          <p:nvPr>
-            <p:ph type="sldNum" sz="quarter" idx="4"/>
-          </p:nvPr>
-        </p:nvSpPr>
-        <p:spPr>
-          <a:xfrm>
-            <a:off x="8610600" y="6356350"/>
-            <a:ext cx="2743200" cy="365125"/>
-          </a:xfrm>
-          <a:prstGeom prst="rect">
-            <a:avLst/>
-          </a:prstGeom>
-        </p:spPr>
-        <p:txBody>
-          <a:bodyPr vert="horz" lIns="91440" tIns="45720" rIns="91440" bIns="45720" rtlCol="0" anchor="ctr"/>
-          <a:lstStyle>
-            <a:lvl1pPr algn="r">
-              <a:defRPr sz="1200">
-                <a:solidFill>
-                  <a:schemeClr val="tx1">
-                    <a:tint val="75000"/>
-                  </a:schemeClr>
-                </a:solidFill>
-              </a:defRPr>
-            </a:lvl1pPr>
-          </a:lstStyle>
-          <a:p>
             <a:fld id="{0EC7EAB6-95B1-486F-8F06-36E4CD15C4D6}" type="slidenum">
               <a:rPr lang="en-US" smtClean="0"/>
               <a:t>‹#›</a:t>
@@ -2652,35 +5653,121 @@
     </p:spTree>
     <p:extLst>
       <p:ext uri="{BB962C8B-B14F-4D97-AF65-F5344CB8AC3E}">
-        <p14:creationId xmlns:p14="http://schemas.microsoft.com/office/powerpoint/2010/main" val="198993169"/>
+        <p14:creationId xmlns:p14="http://schemas.microsoft.com/office/powerpoint/2010/main" val="671540607"/>
       </p:ext>
     </p:extLst>
   </p:cSld>
-  <p:clrMap bg1="lt1" tx1="dk1" bg2="lt2" tx2="dk2" accent1="accent1" accent2="accent2" accent3="accent3" accent4="accent4" accent5="accent5" accent6="accent6" hlink="hlink" folHlink="folHlink"/>
+  <p:clrMap bg1="dk1" tx1="lt1" bg2="dk2" tx2="lt2" accent1="accent1" accent2="accent2" accent3="accent3" accent4="accent4" accent5="accent5" accent6="accent6" hlink="hlink" folHlink="folHlink"/>
   <p:sldLayoutIdLst>
-    <p:sldLayoutId id="2147483649" r:id="rId1"/>
-    <p:sldLayoutId id="2147483650" r:id="rId2"/>
-    <p:sldLayoutId id="2147483651" r:id="rId3"/>
-    <p:sldLayoutId id="2147483652" r:id="rId4"/>
-    <p:sldLayoutId id="2147483653" r:id="rId5"/>
-    <p:sldLayoutId id="2147483654" r:id="rId6"/>
-    <p:sldLayoutId id="2147483655" r:id="rId7"/>
-    <p:sldLayoutId id="2147483656" r:id="rId8"/>
-    <p:sldLayoutId id="2147483657" r:id="rId9"/>
-    <p:sldLayoutId id="2147483658" r:id="rId10"/>
-    <p:sldLayoutId id="2147483659" r:id="rId11"/>
+    <p:sldLayoutId id="2147483661" r:id="rId1"/>
+    <p:sldLayoutId id="2147483662" r:id="rId2"/>
+    <p:sldLayoutId id="2147483663" r:id="rId3"/>
+    <p:sldLayoutId id="2147483664" r:id="rId4"/>
+    <p:sldLayoutId id="2147483665" r:id="rId5"/>
+    <p:sldLayoutId id="2147483666" r:id="rId6"/>
+    <p:sldLayoutId id="2147483667" r:id="rId7"/>
+    <p:sldLayoutId id="2147483668" r:id="rId8"/>
+    <p:sldLayoutId id="2147483669" r:id="rId9"/>
+    <p:sldLayoutId id="2147483670" r:id="rId10"/>
+    <p:sldLayoutId id="2147483671" r:id="rId11"/>
+    <p:sldLayoutId id="2147483672" r:id="rId12"/>
+    <p:sldLayoutId id="2147483673" r:id="rId13"/>
+    <p:sldLayoutId id="2147483674" r:id="rId14"/>
+    <p:sldLayoutId id="2147483675" r:id="rId15"/>
+    <p:sldLayoutId id="2147483676" r:id="rId16"/>
+    <p:sldLayoutId id="2147483677" r:id="rId17"/>
   </p:sldLayoutIdLst>
   <p:txStyles>
     <p:titleStyle>
-      <a:lvl1pPr algn="l" defTabSz="914400" rtl="0" eaLnBrk="1" latinLnBrk="0" hangingPunct="1">
-        <a:lnSpc>
-          <a:spcPct val="90000"/>
-        </a:lnSpc>
+      <a:lvl1pPr algn="l" defTabSz="457200" rtl="0" eaLnBrk="1" latinLnBrk="0" hangingPunct="1">
         <a:spcBef>
           <a:spcPct val="0"/>
         </a:spcBef>
         <a:buNone/>
-        <a:defRPr sz="4400" kern="1200">
+        <a:defRPr sz="4200" b="0" i="0" kern="1200">
+          <a:solidFill>
+            <a:schemeClr val="tx2"/>
+          </a:solidFill>
+          <a:latin typeface="+mj-lt"/>
+          <a:ea typeface="+mj-ea"/>
+          <a:cs typeface="+mj-cs"/>
+        </a:defRPr>
+      </a:lvl1pPr>
+      <a:lvl2pPr eaLnBrk="1" hangingPunct="1">
+        <a:defRPr>
+          <a:solidFill>
+            <a:schemeClr val="tx2"/>
+          </a:solidFill>
+        </a:defRPr>
+      </a:lvl2pPr>
+      <a:lvl3pPr eaLnBrk="1" hangingPunct="1">
+        <a:defRPr>
+          <a:solidFill>
+            <a:schemeClr val="tx2"/>
+          </a:solidFill>
+        </a:defRPr>
+      </a:lvl3pPr>
+      <a:lvl4pPr eaLnBrk="1" hangingPunct="1">
+        <a:defRPr>
+          <a:solidFill>
+            <a:schemeClr val="tx2"/>
+          </a:solidFill>
+        </a:defRPr>
+      </a:lvl4pPr>
+      <a:lvl5pPr eaLnBrk="1" hangingPunct="1">
+        <a:defRPr>
+          <a:solidFill>
+            <a:schemeClr val="tx2"/>
+          </a:solidFill>
+        </a:defRPr>
+      </a:lvl5pPr>
+      <a:lvl6pPr eaLnBrk="1" hangingPunct="1">
+        <a:defRPr>
+          <a:solidFill>
+            <a:schemeClr val="tx2"/>
+          </a:solidFill>
+        </a:defRPr>
+      </a:lvl6pPr>
+      <a:lvl7pPr eaLnBrk="1" hangingPunct="1">
+        <a:defRPr>
+          <a:solidFill>
+            <a:schemeClr val="tx2"/>
+          </a:solidFill>
+        </a:defRPr>
+      </a:lvl7pPr>
+      <a:lvl8pPr eaLnBrk="1" hangingPunct="1">
+        <a:defRPr>
+          <a:solidFill>
+            <a:schemeClr val="tx2"/>
+          </a:solidFill>
+        </a:defRPr>
+      </a:lvl8pPr>
+      <a:lvl9pPr eaLnBrk="1" hangingPunct="1">
+        <a:defRPr>
+          <a:solidFill>
+            <a:schemeClr val="tx2"/>
+          </a:solidFill>
+        </a:defRPr>
+      </a:lvl9pPr>
+    </p:titleStyle>
+    <p:bodyStyle>
+      <a:lvl1pPr marL="342900" indent="-342900" algn="l" defTabSz="457200" rtl="0" eaLnBrk="1" latinLnBrk="0" hangingPunct="1">
+        <a:spcBef>
+          <a:spcPts val="1000"/>
+        </a:spcBef>
+        <a:spcAft>
+          <a:spcPts val="0"/>
+        </a:spcAft>
+        <a:buClr>
+          <a:schemeClr val="bg2">
+            <a:lumMod val="40000"/>
+            <a:lumOff val="60000"/>
+          </a:schemeClr>
+        </a:buClr>
+        <a:buSzPct val="80000"/>
+        <a:buFont typeface="Wingdings 3" charset="2"/>
+        <a:buChar char=""/>
+        <a:defRPr sz="2000" b="0" i="0" kern="1200">
           <a:solidFill>
             <a:schemeClr val="tx1"/>
           </a:solidFill>
@@ -2689,18 +5776,213 @@
           <a:cs typeface="+mj-cs"/>
         </a:defRPr>
       </a:lvl1pPr>
-    </p:titleStyle>
-    <p:bodyStyle>
-      <a:lvl1pPr marL="228600" indent="-228600" algn="l" defTabSz="914400" rtl="0" eaLnBrk="1" latinLnBrk="0" hangingPunct="1">
-        <a:lnSpc>
-          <a:spcPct val="90000"/>
-        </a:lnSpc>
+      <a:lvl2pPr marL="742950" indent="-285750" algn="l" defTabSz="457200" rtl="0" eaLnBrk="1" latinLnBrk="0" hangingPunct="1">
         <a:spcBef>
           <a:spcPts val="1000"/>
         </a:spcBef>
-        <a:buFont typeface="Arial" panose="020B0604020202020204" pitchFamily="34" charset="0"/>
-        <a:buChar char="•"/>
-        <a:defRPr sz="2800" kern="1200">
+        <a:spcAft>
+          <a:spcPts val="0"/>
+        </a:spcAft>
+        <a:buClr>
+          <a:schemeClr val="bg2">
+            <a:lumMod val="40000"/>
+            <a:lumOff val="60000"/>
+          </a:schemeClr>
+        </a:buClr>
+        <a:buSzPct val="80000"/>
+        <a:buFont typeface="Wingdings 3" charset="2"/>
+        <a:buChar char=""/>
+        <a:defRPr sz="1800" b="0" i="0" kern="1200">
+          <a:solidFill>
+            <a:schemeClr val="tx1"/>
+          </a:solidFill>
+          <a:latin typeface="+mj-lt"/>
+          <a:ea typeface="+mj-ea"/>
+          <a:cs typeface="+mj-cs"/>
+        </a:defRPr>
+      </a:lvl2pPr>
+      <a:lvl3pPr marL="1143000" indent="-228600" algn="l" defTabSz="457200" rtl="0" eaLnBrk="1" latinLnBrk="0" hangingPunct="1">
+        <a:spcBef>
+          <a:spcPts val="1000"/>
+        </a:spcBef>
+        <a:spcAft>
+          <a:spcPts val="0"/>
+        </a:spcAft>
+        <a:buClr>
+          <a:schemeClr val="bg2">
+            <a:lumMod val="40000"/>
+            <a:lumOff val="60000"/>
+          </a:schemeClr>
+        </a:buClr>
+        <a:buSzPct val="80000"/>
+        <a:buFont typeface="Wingdings 3" charset="2"/>
+        <a:buChar char=""/>
+        <a:defRPr sz="1600" b="0" i="0" kern="1200">
+          <a:solidFill>
+            <a:schemeClr val="tx1"/>
+          </a:solidFill>
+          <a:latin typeface="+mj-lt"/>
+          <a:ea typeface="+mj-ea"/>
+          <a:cs typeface="+mj-cs"/>
+        </a:defRPr>
+      </a:lvl3pPr>
+      <a:lvl4pPr marL="1600200" indent="-228600" algn="l" defTabSz="457200" rtl="0" eaLnBrk="1" latinLnBrk="0" hangingPunct="1">
+        <a:spcBef>
+          <a:spcPts val="1000"/>
+        </a:spcBef>
+        <a:spcAft>
+          <a:spcPts val="0"/>
+        </a:spcAft>
+        <a:buClr>
+          <a:schemeClr val="bg2">
+            <a:lumMod val="40000"/>
+            <a:lumOff val="60000"/>
+          </a:schemeClr>
+        </a:buClr>
+        <a:buSzPct val="80000"/>
+        <a:buFont typeface="Wingdings 3" charset="2"/>
+        <a:buChar char=""/>
+        <a:defRPr sz="1400" b="0" i="0" kern="1200">
+          <a:solidFill>
+            <a:schemeClr val="tx1"/>
+          </a:solidFill>
+          <a:latin typeface="+mj-lt"/>
+          <a:ea typeface="+mj-ea"/>
+          <a:cs typeface="+mj-cs"/>
+        </a:defRPr>
+      </a:lvl4pPr>
+      <a:lvl5pPr marL="2057400" indent="-228600" algn="l" defTabSz="457200" rtl="0" eaLnBrk="1" latinLnBrk="0" hangingPunct="1">
+        <a:spcBef>
+          <a:spcPts val="1000"/>
+        </a:spcBef>
+        <a:spcAft>
+          <a:spcPts val="0"/>
+        </a:spcAft>
+        <a:buClr>
+          <a:schemeClr val="bg2">
+            <a:lumMod val="40000"/>
+            <a:lumOff val="60000"/>
+          </a:schemeClr>
+        </a:buClr>
+        <a:buSzPct val="80000"/>
+        <a:buFont typeface="Wingdings 3" charset="2"/>
+        <a:buChar char=""/>
+        <a:defRPr sz="1400" b="0" i="0" kern="1200">
+          <a:solidFill>
+            <a:schemeClr val="tx1"/>
+          </a:solidFill>
+          <a:latin typeface="+mj-lt"/>
+          <a:ea typeface="+mj-ea"/>
+          <a:cs typeface="+mj-cs"/>
+        </a:defRPr>
+      </a:lvl5pPr>
+      <a:lvl6pPr marL="2506000" indent="-228600" algn="l" defTabSz="457200" rtl="0" eaLnBrk="1" latinLnBrk="0" hangingPunct="1">
+        <a:spcBef>
+          <a:spcPts val="1000"/>
+        </a:spcBef>
+        <a:spcAft>
+          <a:spcPts val="0"/>
+        </a:spcAft>
+        <a:buClr>
+          <a:schemeClr val="bg2">
+            <a:lumMod val="40000"/>
+            <a:lumOff val="60000"/>
+          </a:schemeClr>
+        </a:buClr>
+        <a:buSzPct val="80000"/>
+        <a:buFont typeface="Wingdings 3" charset="2"/>
+        <a:buChar char=""/>
+        <a:defRPr sz="1400" b="0" i="0" kern="1200">
+          <a:solidFill>
+            <a:schemeClr val="tx1"/>
+          </a:solidFill>
+          <a:latin typeface="+mj-lt"/>
+          <a:ea typeface="+mj-ea"/>
+          <a:cs typeface="+mj-cs"/>
+        </a:defRPr>
+      </a:lvl6pPr>
+      <a:lvl7pPr marL="2971800" indent="-228600" algn="l" defTabSz="457200" rtl="0" eaLnBrk="1" latinLnBrk="0" hangingPunct="1">
+        <a:spcBef>
+          <a:spcPts val="1000"/>
+        </a:spcBef>
+        <a:spcAft>
+          <a:spcPts val="0"/>
+        </a:spcAft>
+        <a:buClr>
+          <a:schemeClr val="bg2">
+            <a:lumMod val="40000"/>
+            <a:lumOff val="60000"/>
+          </a:schemeClr>
+        </a:buClr>
+        <a:buSzPct val="80000"/>
+        <a:buFont typeface="Wingdings 3" charset="2"/>
+        <a:buChar char=""/>
+        <a:defRPr sz="1400" b="0" i="0" kern="1200">
+          <a:solidFill>
+            <a:schemeClr val="tx1"/>
+          </a:solidFill>
+          <a:latin typeface="+mj-lt"/>
+          <a:ea typeface="+mj-ea"/>
+          <a:cs typeface="+mj-cs"/>
+        </a:defRPr>
+      </a:lvl7pPr>
+      <a:lvl8pPr marL="3429000" indent="-228600" algn="l" defTabSz="457200" rtl="0" eaLnBrk="1" latinLnBrk="0" hangingPunct="1">
+        <a:spcBef>
+          <a:spcPts val="1000"/>
+        </a:spcBef>
+        <a:spcAft>
+          <a:spcPts val="0"/>
+        </a:spcAft>
+        <a:buClr>
+          <a:schemeClr val="bg2">
+            <a:lumMod val="40000"/>
+            <a:lumOff val="60000"/>
+          </a:schemeClr>
+        </a:buClr>
+        <a:buSzPct val="80000"/>
+        <a:buFont typeface="Wingdings 3" charset="2"/>
+        <a:buChar char=""/>
+        <a:defRPr sz="1400" b="0" i="0" kern="1200">
+          <a:solidFill>
+            <a:schemeClr val="tx1"/>
+          </a:solidFill>
+          <a:latin typeface="+mj-lt"/>
+          <a:ea typeface="+mj-ea"/>
+          <a:cs typeface="+mj-cs"/>
+        </a:defRPr>
+      </a:lvl8pPr>
+      <a:lvl9pPr marL="3886200" indent="-228600" algn="l" defTabSz="457200" rtl="0" eaLnBrk="1" latinLnBrk="0" hangingPunct="1">
+        <a:spcBef>
+          <a:spcPts val="1000"/>
+        </a:spcBef>
+        <a:spcAft>
+          <a:spcPts val="0"/>
+        </a:spcAft>
+        <a:buClr>
+          <a:schemeClr val="bg2">
+            <a:lumMod val="40000"/>
+            <a:lumOff val="60000"/>
+          </a:schemeClr>
+        </a:buClr>
+        <a:buSzPct val="80000"/>
+        <a:buFont typeface="Wingdings 3" charset="2"/>
+        <a:buChar char=""/>
+        <a:defRPr sz="1400" b="0" i="0" kern="1200">
+          <a:solidFill>
+            <a:schemeClr val="tx1"/>
+          </a:solidFill>
+          <a:latin typeface="+mj-lt"/>
+          <a:ea typeface="+mj-ea"/>
+          <a:cs typeface="+mj-cs"/>
+        </a:defRPr>
+      </a:lvl9pPr>
+    </p:bodyStyle>
+    <p:otherStyle>
+      <a:defPPr>
+        <a:defRPr lang="en-US"/>
+      </a:defPPr>
+      <a:lvl1pPr marL="0" algn="l" defTabSz="457200" rtl="0" eaLnBrk="1" latinLnBrk="0" hangingPunct="1">
+        <a:defRPr sz="1800" kern="1200">
           <a:solidFill>
             <a:schemeClr val="tx1"/>
           </a:solidFill>
@@ -2709,16 +5991,8 @@
           <a:cs typeface="+mn-cs"/>
         </a:defRPr>
       </a:lvl1pPr>
-      <a:lvl2pPr marL="685800" indent="-228600" algn="l" defTabSz="914400" rtl="0" eaLnBrk="1" latinLnBrk="0" hangingPunct="1">
-        <a:lnSpc>
-          <a:spcPct val="90000"/>
-        </a:lnSpc>
-        <a:spcBef>
-          <a:spcPts val="500"/>
-        </a:spcBef>
-        <a:buFont typeface="Arial" panose="020B0604020202020204" pitchFamily="34" charset="0"/>
-        <a:buChar char="•"/>
-        <a:defRPr sz="2400" kern="1200">
+      <a:lvl2pPr marL="457200" algn="l" defTabSz="457200" rtl="0" eaLnBrk="1" latinLnBrk="0" hangingPunct="1">
+        <a:defRPr sz="1800" kern="1200">
           <a:solidFill>
             <a:schemeClr val="tx1"/>
           </a:solidFill>
@@ -2727,16 +6001,8 @@
           <a:cs typeface="+mn-cs"/>
         </a:defRPr>
       </a:lvl2pPr>
-      <a:lvl3pPr marL="1143000" indent="-228600" algn="l" defTabSz="914400" rtl="0" eaLnBrk="1" latinLnBrk="0" hangingPunct="1">
-        <a:lnSpc>
-          <a:spcPct val="90000"/>
-        </a:lnSpc>
-        <a:spcBef>
-          <a:spcPts val="500"/>
-        </a:spcBef>
-        <a:buFont typeface="Arial" panose="020B0604020202020204" pitchFamily="34" charset="0"/>
-        <a:buChar char="•"/>
-        <a:defRPr sz="2000" kern="1200">
+      <a:lvl3pPr marL="914400" algn="l" defTabSz="457200" rtl="0" eaLnBrk="1" latinLnBrk="0" hangingPunct="1">
+        <a:defRPr sz="1800" kern="1200">
           <a:solidFill>
             <a:schemeClr val="tx1"/>
           </a:solidFill>
@@ -2745,15 +6011,7 @@
           <a:cs typeface="+mn-cs"/>
         </a:defRPr>
       </a:lvl3pPr>
-      <a:lvl4pPr marL="1600200" indent="-228600" algn="l" defTabSz="914400" rtl="0" eaLnBrk="1" latinLnBrk="0" hangingPunct="1">
-        <a:lnSpc>
-          <a:spcPct val="90000"/>
-        </a:lnSpc>
-        <a:spcBef>
-          <a:spcPts val="500"/>
-        </a:spcBef>
-        <a:buFont typeface="Arial" panose="020B0604020202020204" pitchFamily="34" charset="0"/>
-        <a:buChar char="•"/>
+      <a:lvl4pPr marL="1371600" algn="l" defTabSz="457200" rtl="0" eaLnBrk="1" latinLnBrk="0" hangingPunct="1">
         <a:defRPr sz="1800" kern="1200">
           <a:solidFill>
             <a:schemeClr val="tx1"/>
@@ -2763,15 +6021,7 @@
           <a:cs typeface="+mn-cs"/>
         </a:defRPr>
       </a:lvl4pPr>
-      <a:lvl5pPr marL="2057400" indent="-228600" algn="l" defTabSz="914400" rtl="0" eaLnBrk="1" latinLnBrk="0" hangingPunct="1">
-        <a:lnSpc>
-          <a:spcPct val="90000"/>
-        </a:lnSpc>
-        <a:spcBef>
-          <a:spcPts val="500"/>
-        </a:spcBef>
-        <a:buFont typeface="Arial" panose="020B0604020202020204" pitchFamily="34" charset="0"/>
-        <a:buChar char="•"/>
+      <a:lvl5pPr marL="1828800" algn="l" defTabSz="457200" rtl="0" eaLnBrk="1" latinLnBrk="0" hangingPunct="1">
         <a:defRPr sz="1800" kern="1200">
           <a:solidFill>
             <a:schemeClr val="tx1"/>
@@ -2781,15 +6031,7 @@
           <a:cs typeface="+mn-cs"/>
         </a:defRPr>
       </a:lvl5pPr>
-      <a:lvl6pPr marL="2514600" indent="-228600" algn="l" defTabSz="914400" rtl="0" eaLnBrk="1" latinLnBrk="0" hangingPunct="1">
-        <a:lnSpc>
-          <a:spcPct val="90000"/>
-        </a:lnSpc>
-        <a:spcBef>
-          <a:spcPts val="500"/>
-        </a:spcBef>
-        <a:buFont typeface="Arial" panose="020B0604020202020204" pitchFamily="34" charset="0"/>
-        <a:buChar char="•"/>
+      <a:lvl6pPr marL="2286000" algn="l" defTabSz="457200" rtl="0" eaLnBrk="1" latinLnBrk="0" hangingPunct="1">
         <a:defRPr sz="1800" kern="1200">
           <a:solidFill>
             <a:schemeClr val="tx1"/>
@@ -2799,15 +6041,7 @@
           <a:cs typeface="+mn-cs"/>
         </a:defRPr>
       </a:lvl6pPr>
-      <a:lvl7pPr marL="2971800" indent="-228600" algn="l" defTabSz="914400" rtl="0" eaLnBrk="1" latinLnBrk="0" hangingPunct="1">
-        <a:lnSpc>
-          <a:spcPct val="90000"/>
-        </a:lnSpc>
-        <a:spcBef>
-          <a:spcPts val="500"/>
-        </a:spcBef>
-        <a:buFont typeface="Arial" panose="020B0604020202020204" pitchFamily="34" charset="0"/>
-        <a:buChar char="•"/>
+      <a:lvl7pPr marL="2743200" algn="l" defTabSz="457200" rtl="0" eaLnBrk="1" latinLnBrk="0" hangingPunct="1">
         <a:defRPr sz="1800" kern="1200">
           <a:solidFill>
             <a:schemeClr val="tx1"/>
@@ -2817,15 +6051,7 @@
           <a:cs typeface="+mn-cs"/>
         </a:defRPr>
       </a:lvl7pPr>
-      <a:lvl8pPr marL="3429000" indent="-228600" algn="l" defTabSz="914400" rtl="0" eaLnBrk="1" latinLnBrk="0" hangingPunct="1">
-        <a:lnSpc>
-          <a:spcPct val="90000"/>
-        </a:lnSpc>
-        <a:spcBef>
-          <a:spcPts val="500"/>
-        </a:spcBef>
-        <a:buFont typeface="Arial" panose="020B0604020202020204" pitchFamily="34" charset="0"/>
-        <a:buChar char="•"/>
+      <a:lvl8pPr marL="3200400" algn="l" defTabSz="457200" rtl="0" eaLnBrk="1" latinLnBrk="0" hangingPunct="1">
         <a:defRPr sz="1800" kern="1200">
           <a:solidFill>
             <a:schemeClr val="tx1"/>
@@ -2835,110 +6061,7 @@
           <a:cs typeface="+mn-cs"/>
         </a:defRPr>
       </a:lvl8pPr>
-      <a:lvl9pPr marL="3886200" indent="-228600" algn="l" defTabSz="914400" rtl="0" eaLnBrk="1" latinLnBrk="0" hangingPunct="1">
-        <a:lnSpc>
-          <a:spcPct val="90000"/>
-        </a:lnSpc>
-        <a:spcBef>
-          <a:spcPts val="500"/>
-        </a:spcBef>
-        <a:buFont typeface="Arial" panose="020B0604020202020204" pitchFamily="34" charset="0"/>
-        <a:buChar char="•"/>
-        <a:defRPr sz="1800" kern="1200">
-          <a:solidFill>
-            <a:schemeClr val="tx1"/>
-          </a:solidFill>
-          <a:latin typeface="+mn-lt"/>
-          <a:ea typeface="+mn-ea"/>
-          <a:cs typeface="+mn-cs"/>
-        </a:defRPr>
-      </a:lvl9pPr>
-    </p:bodyStyle>
-    <p:otherStyle>
-      <a:defPPr>
-        <a:defRPr lang="en-US"/>
-      </a:defPPr>
-      <a:lvl1pPr marL="0" algn="l" defTabSz="914400" rtl="0" eaLnBrk="1" latinLnBrk="0" hangingPunct="1">
-        <a:defRPr sz="1800" kern="1200">
-          <a:solidFill>
-            <a:schemeClr val="tx1"/>
-          </a:solidFill>
-          <a:latin typeface="+mn-lt"/>
-          <a:ea typeface="+mn-ea"/>
-          <a:cs typeface="+mn-cs"/>
-        </a:defRPr>
-      </a:lvl1pPr>
-      <a:lvl2pPr marL="457200" algn="l" defTabSz="914400" rtl="0" eaLnBrk="1" latinLnBrk="0" hangingPunct="1">
-        <a:defRPr sz="1800" kern="1200">
-          <a:solidFill>
-            <a:schemeClr val="tx1"/>
-          </a:solidFill>
-          <a:latin typeface="+mn-lt"/>
-          <a:ea typeface="+mn-ea"/>
-          <a:cs typeface="+mn-cs"/>
-        </a:defRPr>
-      </a:lvl2pPr>
-      <a:lvl3pPr marL="914400" algn="l" defTabSz="914400" rtl="0" eaLnBrk="1" latinLnBrk="0" hangingPunct="1">
-        <a:defRPr sz="1800" kern="1200">
-          <a:solidFill>
-            <a:schemeClr val="tx1"/>
-          </a:solidFill>
-          <a:latin typeface="+mn-lt"/>
-          <a:ea typeface="+mn-ea"/>
-          <a:cs typeface="+mn-cs"/>
-        </a:defRPr>
-      </a:lvl3pPr>
-      <a:lvl4pPr marL="1371600" algn="l" defTabSz="914400" rtl="0" eaLnBrk="1" latinLnBrk="0" hangingPunct="1">
-        <a:defRPr sz="1800" kern="1200">
-          <a:solidFill>
-            <a:schemeClr val="tx1"/>
-          </a:solidFill>
-          <a:latin typeface="+mn-lt"/>
-          <a:ea typeface="+mn-ea"/>
-          <a:cs typeface="+mn-cs"/>
-        </a:defRPr>
-      </a:lvl4pPr>
-      <a:lvl5pPr marL="1828800" algn="l" defTabSz="914400" rtl="0" eaLnBrk="1" latinLnBrk="0" hangingPunct="1">
-        <a:defRPr sz="1800" kern="1200">
-          <a:solidFill>
-            <a:schemeClr val="tx1"/>
-          </a:solidFill>
-          <a:latin typeface="+mn-lt"/>
-          <a:ea typeface="+mn-ea"/>
-          <a:cs typeface="+mn-cs"/>
-        </a:defRPr>
-      </a:lvl5pPr>
-      <a:lvl6pPr marL="2286000" algn="l" defTabSz="914400" rtl="0" eaLnBrk="1" latinLnBrk="0" hangingPunct="1">
-        <a:defRPr sz="1800" kern="1200">
-          <a:solidFill>
-            <a:schemeClr val="tx1"/>
-          </a:solidFill>
-          <a:latin typeface="+mn-lt"/>
-          <a:ea typeface="+mn-ea"/>
-          <a:cs typeface="+mn-cs"/>
-        </a:defRPr>
-      </a:lvl6pPr>
-      <a:lvl7pPr marL="2743200" algn="l" defTabSz="914400" rtl="0" eaLnBrk="1" latinLnBrk="0" hangingPunct="1">
-        <a:defRPr sz="1800" kern="1200">
-          <a:solidFill>
-            <a:schemeClr val="tx1"/>
-          </a:solidFill>
-          <a:latin typeface="+mn-lt"/>
-          <a:ea typeface="+mn-ea"/>
-          <a:cs typeface="+mn-cs"/>
-        </a:defRPr>
-      </a:lvl7pPr>
-      <a:lvl8pPr marL="3200400" algn="l" defTabSz="914400" rtl="0" eaLnBrk="1" latinLnBrk="0" hangingPunct="1">
-        <a:defRPr sz="1800" kern="1200">
-          <a:solidFill>
-            <a:schemeClr val="tx1"/>
-          </a:solidFill>
-          <a:latin typeface="+mn-lt"/>
-          <a:ea typeface="+mn-ea"/>
-          <a:cs typeface="+mn-cs"/>
-        </a:defRPr>
-      </a:lvl8pPr>
-      <a:lvl9pPr marL="3657600" algn="l" defTabSz="914400" rtl="0" eaLnBrk="1" latinLnBrk="0" hangingPunct="1">
+      <a:lvl9pPr marL="3657600" algn="l" defTabSz="457200" rtl="0" eaLnBrk="1" latinLnBrk="0" hangingPunct="1">
         <a:defRPr sz="1800" kern="1200">
           <a:solidFill>
             <a:schemeClr val="tx1"/>
@@ -4051,10 +7174,178 @@
 </p:sld>
 </file>
 
+<file path=ppt/slides/slide3.xml><?xml version="1.0" encoding="utf-8"?>
+<p:sld xmlns:a="http://schemas.openxmlformats.org/drawingml/2006/main" xmlns:r="http://schemas.openxmlformats.org/officeDocument/2006/relationships" xmlns:p="http://schemas.openxmlformats.org/presentationml/2006/main">
+  <p:cSld>
+    <p:spTree>
+      <p:nvGrpSpPr>
+        <p:cNvPr id="1" name=""/>
+        <p:cNvGrpSpPr/>
+        <p:nvPr/>
+      </p:nvGrpSpPr>
+      <p:grpSpPr>
+        <a:xfrm>
+          <a:off x="0" y="0"/>
+          <a:ext cx="0" cy="0"/>
+          <a:chOff x="0" y="0"/>
+          <a:chExt cx="0" cy="0"/>
+        </a:xfrm>
+      </p:grpSpPr>
+      <p:sp>
+        <p:nvSpPr>
+          <p:cNvPr id="2" name="Rectangle 1"/>
+          <p:cNvSpPr/>
+          <p:nvPr/>
+        </p:nvSpPr>
+        <p:spPr>
+          <a:xfrm>
+            <a:off x="5567081" y="1808628"/>
+            <a:ext cx="1882589" cy="1882589"/>
+          </a:xfrm>
+          <a:prstGeom prst="rect">
+            <a:avLst/>
+          </a:prstGeom>
+        </p:spPr>
+        <p:style>
+          <a:lnRef idx="2">
+            <a:schemeClr val="accent1">
+              <a:shade val="50000"/>
+            </a:schemeClr>
+          </a:lnRef>
+          <a:fillRef idx="1">
+            <a:schemeClr val="accent1"/>
+          </a:fillRef>
+          <a:effectRef idx="0">
+            <a:schemeClr val="accent1"/>
+          </a:effectRef>
+          <a:fontRef idx="minor">
+            <a:schemeClr val="lt1"/>
+          </a:fontRef>
+        </p:style>
+        <p:txBody>
+          <a:bodyPr rtlCol="0" anchor="ctr"/>
+          <a:lstStyle/>
+          <a:p>
+            <a:pPr algn="ctr"/>
+            <a:endParaRPr lang="en-US"/>
+          </a:p>
+        </p:txBody>
+      </p:sp>
+      <p:pic>
+        <p:nvPicPr>
+          <p:cNvPr id="1026" name="Picture 2" descr="http://balzer82.github.io/github.png"/>
+          <p:cNvPicPr>
+            <a:picLocks noChangeAspect="1" noChangeArrowheads="1"/>
+          </p:cNvPicPr>
+          <p:nvPr/>
+        </p:nvPicPr>
+        <p:blipFill rotWithShape="1">
+          <a:blip r:embed="rId2">
+            <a:extLst>
+              <a:ext uri="{28A0092B-C50C-407E-A947-70E740481C1C}">
+                <a14:useLocalDpi xmlns:a14="http://schemas.microsoft.com/office/drawing/2010/main" val="0"/>
+              </a:ext>
+            </a:extLst>
+          </a:blip>
+          <a:srcRect l="19321" t="19200" r="20819" b="19247"/>
+          <a:stretch/>
+        </p:blipFill>
+        <p:spPr bwMode="auto">
+          <a:xfrm>
+            <a:off x="1385047" y="1075764"/>
+            <a:ext cx="2850777" cy="2931459"/>
+          </a:xfrm>
+          <a:prstGeom prst="rect">
+            <a:avLst/>
+          </a:prstGeom>
+          <a:noFill/>
+          <a:extLst>
+            <a:ext uri="{909E8E84-426E-40DD-AFC4-6F175D3DCCD1}">
+              <a14:hiddenFill xmlns:a14="http://schemas.microsoft.com/office/drawing/2010/main">
+                <a:solidFill>
+                  <a:srgbClr val="FFFFFF"/>
+                </a:solidFill>
+              </a14:hiddenFill>
+            </a:ext>
+          </a:extLst>
+        </p:spPr>
+      </p:pic>
+      <p:pic>
+        <p:nvPicPr>
+          <p:cNvPr id="3" name="Picture 2"/>
+          <p:cNvPicPr>
+            <a:picLocks noChangeAspect="1"/>
+          </p:cNvPicPr>
+          <p:nvPr/>
+        </p:nvPicPr>
+        <p:blipFill rotWithShape="1">
+          <a:blip r:embed="rId3">
+            <a:extLst>
+              <a:ext uri="{28A0092B-C50C-407E-A947-70E740481C1C}">
+                <a14:useLocalDpi xmlns:a14="http://schemas.microsoft.com/office/drawing/2010/main" val="0"/>
+              </a:ext>
+            </a:extLst>
+          </a:blip>
+          <a:srcRect l="20109" t="19767" r="20106" b="21291"/>
+          <a:stretch/>
+        </p:blipFill>
+        <p:spPr>
+          <a:xfrm>
+            <a:off x="5553634" y="1801906"/>
+            <a:ext cx="1909483" cy="1882588"/>
+          </a:xfrm>
+          <a:prstGeom prst="rect">
+            <a:avLst/>
+          </a:prstGeom>
+        </p:spPr>
+      </p:pic>
+      <p:pic>
+        <p:nvPicPr>
+          <p:cNvPr id="4" name="Picture 3"/>
+          <p:cNvPicPr>
+            <a:picLocks noChangeAspect="1"/>
+          </p:cNvPicPr>
+          <p:nvPr/>
+        </p:nvPicPr>
+        <p:blipFill>
+          <a:blip r:embed="rId4">
+            <a:extLst>
+              <a:ext uri="{28A0092B-C50C-407E-A947-70E740481C1C}">
+                <a14:useLocalDpi xmlns:a14="http://schemas.microsoft.com/office/drawing/2010/main" val="0"/>
+              </a:ext>
+            </a:extLst>
+          </a:blip>
+          <a:stretch>
+            <a:fillRect/>
+          </a:stretch>
+        </p:blipFill>
+        <p:spPr>
+          <a:xfrm>
+            <a:off x="7929282" y="2541493"/>
+            <a:ext cx="2438400" cy="2438400"/>
+          </a:xfrm>
+          <a:prstGeom prst="rect">
+            <a:avLst/>
+          </a:prstGeom>
+        </p:spPr>
+      </p:pic>
+    </p:spTree>
+    <p:extLst>
+      <p:ext uri="{BB962C8B-B14F-4D97-AF65-F5344CB8AC3E}">
+        <p14:creationId xmlns:p14="http://schemas.microsoft.com/office/powerpoint/2010/main" val="875960741"/>
+      </p:ext>
+    </p:extLst>
+  </p:cSld>
+  <p:clrMapOvr>
+    <a:masterClrMapping/>
+  </p:clrMapOvr>
+</p:sld>
+</file>
+
 <file path=ppt/theme/theme1.xml><?xml version="1.0" encoding="utf-8"?>
-<a:theme xmlns:a="http://schemas.openxmlformats.org/drawingml/2006/main" name="Office Theme">
+<a:theme xmlns:a="http://schemas.openxmlformats.org/drawingml/2006/main" name="Ion">
   <a:themeElements>
-    <a:clrScheme name="Office">
+    <a:clrScheme name="Ion">
       <a:dk1>
         <a:sysClr val="windowText" lastClr="000000"/>
       </a:dk1>
@@ -4062,42 +7353,42 @@
         <a:sysClr val="window" lastClr="FFFFFF"/>
       </a:lt1>
       <a:dk2>
-        <a:srgbClr val="44546A"/>
+        <a:srgbClr val="1E5155"/>
       </a:dk2>
       <a:lt2>
-        <a:srgbClr val="E7E6E6"/>
+        <a:srgbClr val="EBEBEB"/>
       </a:lt2>
       <a:accent1>
-        <a:srgbClr val="5B9BD5"/>
+        <a:srgbClr val="B01513"/>
       </a:accent1>
       <a:accent2>
-        <a:srgbClr val="ED7D31"/>
+        <a:srgbClr val="EA6312"/>
       </a:accent2>
       <a:accent3>
-        <a:srgbClr val="A5A5A5"/>
+        <a:srgbClr val="E6B729"/>
       </a:accent3>
       <a:accent4>
-        <a:srgbClr val="FFC000"/>
+        <a:srgbClr val="6AAC90"/>
       </a:accent4>
       <a:accent5>
-        <a:srgbClr val="4472C4"/>
+        <a:srgbClr val="54849A"/>
       </a:accent5>
       <a:accent6>
-        <a:srgbClr val="70AD47"/>
+        <a:srgbClr val="9E5E9B"/>
       </a:accent6>
       <a:hlink>
-        <a:srgbClr val="0563C1"/>
+        <a:srgbClr val="58C1BA"/>
       </a:hlink>
       <a:folHlink>
-        <a:srgbClr val="954F72"/>
+        <a:srgbClr val="9DFFCB"/>
       </a:folHlink>
     </a:clrScheme>
-    <a:fontScheme name="Office">
+    <a:fontScheme name="Ion">
       <a:majorFont>
-        <a:latin typeface="Calibri Light" panose="020F0302020204030204"/>
+        <a:latin typeface="Century Gothic" panose="020B0502020202020204"/>
         <a:ea typeface=""/>
         <a:cs typeface=""/>
-        <a:font script="Jpan" typeface="ＭＳ Ｐゴシック"/>
+        <a:font script="Jpan" typeface="メイリオ"/>
         <a:font script="Hang" typeface="맑은 고딕"/>
         <a:font script="Hans" typeface="宋体"/>
         <a:font script="Hant" typeface="新細明體"/>
@@ -4129,10 +7420,10 @@
         <a:font script="Geor" typeface="Sylfaen"/>
       </a:majorFont>
       <a:minorFont>
-        <a:latin typeface="Calibri" panose="020F0502020204030204"/>
+        <a:latin typeface="Century Gothic" panose="020B0502020202020204"/>
         <a:ea typeface=""/>
         <a:cs typeface=""/>
-        <a:font script="Jpan" typeface="ＭＳ Ｐゴシック"/>
+        <a:font script="Jpan" typeface="メイリオ"/>
         <a:font script="Hang" typeface="맑은 고딕"/>
         <a:font script="Hans" typeface="宋体"/>
         <a:font script="Hant" typeface="新細明體"/>
@@ -4164,7 +7455,7 @@
         <a:font script="Geor" typeface="Sylfaen"/>
       </a:minorFont>
     </a:fontScheme>
-    <a:fmtScheme name="Office">
+    <a:fmtScheme name="Ion">
       <a:fillStyleLst>
         <a:solidFill>
           <a:schemeClr val="phClr"/>
@@ -4173,23 +7464,15 @@
           <a:gsLst>
             <a:gs pos="0">
               <a:schemeClr val="phClr">
-                <a:lumMod val="110000"/>
-                <a:satMod val="105000"/>
-                <a:tint val="67000"/>
-              </a:schemeClr>
-            </a:gs>
-            <a:gs pos="50000">
-              <a:schemeClr val="phClr">
-                <a:lumMod val="105000"/>
-                <a:satMod val="103000"/>
-                <a:tint val="73000"/>
+                <a:tint val="64000"/>
+                <a:lumMod val="118000"/>
               </a:schemeClr>
             </a:gs>
             <a:gs pos="100000">
               <a:schemeClr val="phClr">
-                <a:lumMod val="105000"/>
-                <a:satMod val="109000"/>
-                <a:tint val="81000"/>
+                <a:tint val="92000"/>
+                <a:alpha val="100000"/>
+                <a:lumMod val="110000"/>
               </a:schemeClr>
             </a:gs>
           </a:gsLst>
@@ -4199,23 +7482,14 @@
           <a:gsLst>
             <a:gs pos="0">
               <a:schemeClr val="phClr">
-                <a:satMod val="103000"/>
-                <a:lumMod val="102000"/>
-                <a:tint val="94000"/>
-              </a:schemeClr>
-            </a:gs>
-            <a:gs pos="50000">
-              <a:schemeClr val="phClr">
-                <a:satMod val="110000"/>
-                <a:lumMod val="100000"/>
-                <a:shade val="100000"/>
+                <a:tint val="98000"/>
+                <a:lumMod val="114000"/>
               </a:schemeClr>
             </a:gs>
             <a:gs pos="100000">
               <a:schemeClr val="phClr">
-                <a:lumMod val="99000"/>
-                <a:satMod val="120000"/>
-                <a:shade val="78000"/>
+                <a:shade val="90000"/>
+                <a:lumMod val="84000"/>
               </a:schemeClr>
             </a:gs>
           </a:gsLst>
@@ -4223,26 +7497,23 @@
         </a:gradFill>
       </a:fillStyleLst>
       <a:lnStyleLst>
-        <a:ln w="6350" cap="flat" cmpd="sng" algn="ctr">
+        <a:ln w="9525" cap="rnd" cmpd="sng" algn="ctr">
           <a:solidFill>
             <a:schemeClr val="phClr"/>
           </a:solidFill>
           <a:prstDash val="solid"/>
-          <a:miter lim="800000"/>
         </a:ln>
-        <a:ln w="12700" cap="flat" cmpd="sng" algn="ctr">
+        <a:ln w="19050" cap="rnd" cmpd="sng" algn="ctr">
           <a:solidFill>
             <a:schemeClr val="phClr"/>
           </a:solidFill>
           <a:prstDash val="solid"/>
-          <a:miter lim="800000"/>
         </a:ln>
-        <a:ln w="19050" cap="flat" cmpd="sng" algn="ctr">
+        <a:ln w="28575" cap="rnd" cmpd="sng" algn="ctr">
           <a:solidFill>
             <a:schemeClr val="phClr"/>
           </a:solidFill>
           <a:prstDash val="solid"/>
-          <a:miter lim="800000"/>
         </a:ln>
       </a:lnStyleLst>
       <a:effectStyleLst>
@@ -4250,55 +7521,80 @@
           <a:effectLst/>
         </a:effectStyle>
         <a:effectStyle>
-          <a:effectLst/>
+          <a:effectLst>
+            <a:outerShdw blurRad="38100" dist="25400" dir="5400000" rotWithShape="0">
+              <a:srgbClr val="000000">
+                <a:alpha val="45000"/>
+              </a:srgbClr>
+            </a:outerShdw>
+          </a:effectLst>
         </a:effectStyle>
         <a:effectStyle>
           <a:effectLst>
-            <a:outerShdw blurRad="57150" dist="19050" dir="5400000" algn="ctr" rotWithShape="0">
+            <a:outerShdw blurRad="63500" dist="38100" dir="5400000" rotWithShape="0">
               <a:srgbClr val="000000">
-                <a:alpha val="63000"/>
+                <a:alpha val="60000"/>
               </a:srgbClr>
             </a:outerShdw>
           </a:effectLst>
+          <a:scene3d>
+            <a:camera prst="orthographicFront">
+              <a:rot lat="0" lon="0" rev="0"/>
+            </a:camera>
+            <a:lightRig rig="threePt" dir="tl"/>
+          </a:scene3d>
+          <a:sp3d prstMaterial="plastic">
+            <a:bevelT w="0" h="0"/>
+          </a:sp3d>
         </a:effectStyle>
       </a:effectStyleLst>
       <a:bgFillStyleLst>
         <a:solidFill>
           <a:schemeClr val="phClr"/>
         </a:solidFill>
-        <a:solidFill>
-          <a:schemeClr val="phClr">
-            <a:tint val="95000"/>
-            <a:satMod val="170000"/>
-          </a:schemeClr>
-        </a:solidFill>
         <a:gradFill rotWithShape="1">
           <a:gsLst>
             <a:gs pos="0">
               <a:schemeClr val="phClr">
-                <a:tint val="93000"/>
-                <a:satMod val="150000"/>
-                <a:shade val="98000"/>
-                <a:lumMod val="102000"/>
-              </a:schemeClr>
-            </a:gs>
-            <a:gs pos="50000">
-              <a:schemeClr val="phClr">
-                <a:tint val="98000"/>
+                <a:tint val="97000"/>
+                <a:hueMod val="88000"/>
                 <a:satMod val="130000"/>
-                <a:shade val="90000"/>
-                <a:lumMod val="103000"/>
+                <a:lumMod val="124000"/>
               </a:schemeClr>
             </a:gs>
             <a:gs pos="100000">
               <a:schemeClr val="phClr">
-                <a:shade val="63000"/>
-                <a:satMod val="120000"/>
+                <a:tint val="96000"/>
+                <a:shade val="88000"/>
+                <a:hueMod val="108000"/>
+                <a:satMod val="164000"/>
+                <a:lumMod val="76000"/>
               </a:schemeClr>
             </a:gs>
           </a:gsLst>
-          <a:lin ang="5400000" scaled="0"/>
+          <a:path path="circle">
+            <a:fillToRect l="45000" t="65000" r="125000" b="100000"/>
+          </a:path>
         </a:gradFill>
+        <a:blipFill rotWithShape="1">
+          <a:blip xmlns:r="http://schemas.openxmlformats.org/officeDocument/2006/relationships" r:embed="rId1">
+            <a:duotone>
+              <a:schemeClr val="phClr">
+                <a:shade val="69000"/>
+                <a:hueMod val="108000"/>
+                <a:satMod val="164000"/>
+                <a:lumMod val="74000"/>
+              </a:schemeClr>
+              <a:schemeClr val="phClr">
+                <a:tint val="96000"/>
+                <a:hueMod val="88000"/>
+                <a:satMod val="140000"/>
+                <a:lumMod val="132000"/>
+              </a:schemeClr>
+            </a:duotone>
+          </a:blip>
+          <a:stretch/>
+        </a:blipFill>
       </a:bgFillStyleLst>
     </a:fmtScheme>
   </a:themeElements>
@@ -4306,7 +7602,7 @@
   <a:extraClrSchemeLst/>
   <a:extLst>
     <a:ext uri="{05A4C25C-085E-4340-85A3-A5531E510DB2}">
-      <thm15:themeFamily xmlns:thm15="http://schemas.microsoft.com/office/thememl/2012/main" name="Office Theme" id="{62F939B6-93AF-4DB8-9C6B-D6C7DFDC589F}" vid="{4A3C46E8-61CC-4603-A589-7422A47A8E4A}"/>
+      <thm15:themeFamily xmlns:thm15="http://schemas.microsoft.com/office/thememl/2012/main" name="Ion" id="{B8441ADB-2E43-4AF7-B97A-BD870242C6A8}" vid="{292E63A9-BB86-4E3D-B92A-7223C6510D2E}"/>
     </a:ext>
   </a:extLst>
 </a:theme>
